--- a/SystemImplementation.pptx
+++ b/SystemImplementation.pptx
@@ -5,11 +5,14 @@
     <p:sldMasterId id="2147483648" r:id="rId1"/>
   </p:sldMasterIdLst>
   <p:sldIdLst>
-    <p:sldId id="257" r:id="rId2"/>
-    <p:sldId id="258" r:id="rId3"/>
-    <p:sldId id="259" r:id="rId4"/>
-    <p:sldId id="261" r:id="rId5"/>
-    <p:sldId id="260" r:id="rId6"/>
+    <p:sldId id="262" r:id="rId2"/>
+    <p:sldId id="263" r:id="rId3"/>
+    <p:sldId id="264" r:id="rId4"/>
+    <p:sldId id="257" r:id="rId5"/>
+    <p:sldId id="258" r:id="rId6"/>
+    <p:sldId id="259" r:id="rId7"/>
+    <p:sldId id="261" r:id="rId8"/>
+    <p:sldId id="260" r:id="rId9"/>
   </p:sldIdLst>
   <p:sldSz cx="9144000" cy="6858000" type="screen4x3"/>
   <p:notesSz cx="6858000" cy="9144000"/>
@@ -109,6 +112,5335 @@
     </a:lvl9pPr>
   </p:defaultTextStyle>
 </p:presentation>
+</file>
+
+<file path=ppt/diagrams/colors1.xml><?xml version="1.0" encoding="utf-8"?>
+<dgm:colorsDef xmlns:dgm="http://schemas.openxmlformats.org/drawingml/2006/diagram" xmlns:a="http://schemas.openxmlformats.org/drawingml/2006/main" uniqueId="urn:microsoft.com/office/officeart/2005/8/colors/colorful2">
+  <dgm:title val=""/>
+  <dgm:desc val=""/>
+  <dgm:catLst>
+    <dgm:cat type="colorful" pri="10200"/>
+  </dgm:catLst>
+  <dgm:styleLbl name="node0">
+    <dgm:fillClrLst meth="repeat">
+      <a:schemeClr val="accent1"/>
+    </dgm:fillClrLst>
+    <dgm:linClrLst meth="repeat">
+      <a:schemeClr val="lt1"/>
+    </dgm:linClrLst>
+    <dgm:effectClrLst/>
+    <dgm:txLinClrLst/>
+    <dgm:txFillClrLst/>
+    <dgm:txEffectClrLst/>
+  </dgm:styleLbl>
+  <dgm:styleLbl name="node1">
+    <dgm:fillClrLst>
+      <a:schemeClr val="accent2"/>
+      <a:schemeClr val="accent3"/>
+    </dgm:fillClrLst>
+    <dgm:linClrLst meth="repeat">
+      <a:schemeClr val="lt1"/>
+    </dgm:linClrLst>
+    <dgm:effectClrLst/>
+    <dgm:txLinClrLst/>
+    <dgm:txFillClrLst/>
+    <dgm:txEffectClrLst/>
+  </dgm:styleLbl>
+  <dgm:styleLbl name="alignNode1">
+    <dgm:fillClrLst>
+      <a:schemeClr val="accent2"/>
+      <a:schemeClr val="accent3"/>
+    </dgm:fillClrLst>
+    <dgm:linClrLst>
+      <a:schemeClr val="accent2"/>
+      <a:schemeClr val="accent3"/>
+    </dgm:linClrLst>
+    <dgm:effectClrLst/>
+    <dgm:txLinClrLst/>
+    <dgm:txFillClrLst/>
+    <dgm:txEffectClrLst/>
+  </dgm:styleLbl>
+  <dgm:styleLbl name="lnNode1">
+    <dgm:fillClrLst>
+      <a:schemeClr val="accent2"/>
+      <a:schemeClr val="accent3"/>
+    </dgm:fillClrLst>
+    <dgm:linClrLst meth="repeat">
+      <a:schemeClr val="lt1"/>
+    </dgm:linClrLst>
+    <dgm:effectClrLst/>
+    <dgm:txLinClrLst/>
+    <dgm:txFillClrLst/>
+    <dgm:txEffectClrLst/>
+  </dgm:styleLbl>
+  <dgm:styleLbl name="vennNode1">
+    <dgm:fillClrLst>
+      <a:schemeClr val="accent2">
+        <a:alpha val="50000"/>
+      </a:schemeClr>
+      <a:schemeClr val="accent3">
+        <a:alpha val="50000"/>
+      </a:schemeClr>
+    </dgm:fillClrLst>
+    <dgm:linClrLst meth="repeat">
+      <a:schemeClr val="lt1"/>
+    </dgm:linClrLst>
+    <dgm:effectClrLst/>
+    <dgm:txLinClrLst/>
+    <dgm:txFillClrLst/>
+    <dgm:txEffectClrLst/>
+  </dgm:styleLbl>
+  <dgm:styleLbl name="node2">
+    <dgm:fillClrLst>
+      <a:schemeClr val="accent3"/>
+    </dgm:fillClrLst>
+    <dgm:linClrLst meth="repeat">
+      <a:schemeClr val="lt1"/>
+    </dgm:linClrLst>
+    <dgm:effectClrLst/>
+    <dgm:txLinClrLst/>
+    <dgm:txFillClrLst/>
+    <dgm:txEffectClrLst/>
+  </dgm:styleLbl>
+  <dgm:styleLbl name="node3">
+    <dgm:fillClrLst>
+      <a:schemeClr val="accent4"/>
+    </dgm:fillClrLst>
+    <dgm:linClrLst meth="repeat">
+      <a:schemeClr val="lt1"/>
+    </dgm:linClrLst>
+    <dgm:effectClrLst/>
+    <dgm:txLinClrLst/>
+    <dgm:txFillClrLst/>
+    <dgm:txEffectClrLst/>
+  </dgm:styleLbl>
+  <dgm:styleLbl name="node4">
+    <dgm:fillClrLst>
+      <a:schemeClr val="accent5"/>
+    </dgm:fillClrLst>
+    <dgm:linClrLst meth="repeat">
+      <a:schemeClr val="lt1"/>
+    </dgm:linClrLst>
+    <dgm:effectClrLst/>
+    <dgm:txLinClrLst/>
+    <dgm:txFillClrLst/>
+    <dgm:txEffectClrLst/>
+  </dgm:styleLbl>
+  <dgm:styleLbl name="fgImgPlace1">
+    <dgm:fillClrLst>
+      <a:schemeClr val="accent2">
+        <a:tint val="50000"/>
+      </a:schemeClr>
+      <a:schemeClr val="accent3">
+        <a:tint val="50000"/>
+      </a:schemeClr>
+    </dgm:fillClrLst>
+    <dgm:linClrLst meth="repeat">
+      <a:schemeClr val="lt1"/>
+    </dgm:linClrLst>
+    <dgm:effectClrLst/>
+    <dgm:txLinClrLst/>
+    <dgm:txFillClrLst meth="repeat">
+      <a:schemeClr val="lt1"/>
+    </dgm:txFillClrLst>
+    <dgm:txEffectClrLst/>
+  </dgm:styleLbl>
+  <dgm:styleLbl name="alignImgPlace1">
+    <dgm:fillClrLst>
+      <a:schemeClr val="accent2">
+        <a:tint val="50000"/>
+      </a:schemeClr>
+      <a:schemeClr val="accent3">
+        <a:tint val="20000"/>
+      </a:schemeClr>
+    </dgm:fillClrLst>
+    <dgm:linClrLst meth="repeat">
+      <a:schemeClr val="lt1"/>
+    </dgm:linClrLst>
+    <dgm:effectClrLst/>
+    <dgm:txLinClrLst/>
+    <dgm:txFillClrLst meth="repeat">
+      <a:schemeClr val="lt1"/>
+    </dgm:txFillClrLst>
+    <dgm:txEffectClrLst/>
+  </dgm:styleLbl>
+  <dgm:styleLbl name="bgImgPlace1">
+    <dgm:fillClrLst>
+      <a:schemeClr val="accent2">
+        <a:tint val="50000"/>
+      </a:schemeClr>
+      <a:schemeClr val="accent3">
+        <a:tint val="20000"/>
+      </a:schemeClr>
+    </dgm:fillClrLst>
+    <dgm:linClrLst meth="repeat">
+      <a:schemeClr val="lt1"/>
+    </dgm:linClrLst>
+    <dgm:effectClrLst/>
+    <dgm:txLinClrLst/>
+    <dgm:txFillClrLst meth="repeat">
+      <a:schemeClr val="lt1"/>
+    </dgm:txFillClrLst>
+    <dgm:txEffectClrLst/>
+  </dgm:styleLbl>
+  <dgm:styleLbl name="sibTrans2D1">
+    <dgm:fillClrLst>
+      <a:schemeClr val="accent2"/>
+      <a:schemeClr val="accent3"/>
+    </dgm:fillClrLst>
+    <dgm:linClrLst meth="repeat">
+      <a:schemeClr val="lt1"/>
+    </dgm:linClrLst>
+    <dgm:effectClrLst/>
+    <dgm:txLinClrLst/>
+    <dgm:txFillClrLst/>
+    <dgm:txEffectClrLst/>
+  </dgm:styleLbl>
+  <dgm:styleLbl name="fgSibTrans2D1">
+    <dgm:fillClrLst>
+      <a:schemeClr val="accent2"/>
+      <a:schemeClr val="accent3"/>
+    </dgm:fillClrLst>
+    <dgm:linClrLst meth="repeat">
+      <a:schemeClr val="lt1"/>
+    </dgm:linClrLst>
+    <dgm:effectClrLst/>
+    <dgm:txLinClrLst/>
+    <dgm:txFillClrLst meth="repeat">
+      <a:schemeClr val="lt1"/>
+    </dgm:txFillClrLst>
+    <dgm:txEffectClrLst/>
+  </dgm:styleLbl>
+  <dgm:styleLbl name="bgSibTrans2D1">
+    <dgm:fillClrLst>
+      <a:schemeClr val="accent2"/>
+      <a:schemeClr val="accent3"/>
+    </dgm:fillClrLst>
+    <dgm:linClrLst meth="repeat">
+      <a:schemeClr val="lt1"/>
+    </dgm:linClrLst>
+    <dgm:effectClrLst/>
+    <dgm:txLinClrLst/>
+    <dgm:txFillClrLst meth="repeat">
+      <a:schemeClr val="lt1"/>
+    </dgm:txFillClrLst>
+    <dgm:txEffectClrLst/>
+  </dgm:styleLbl>
+  <dgm:styleLbl name="sibTrans1D1">
+    <dgm:fillClrLst/>
+    <dgm:linClrLst>
+      <a:schemeClr val="accent2"/>
+      <a:schemeClr val="accent3"/>
+    </dgm:linClrLst>
+    <dgm:effectClrLst/>
+    <dgm:txLinClrLst/>
+    <dgm:txFillClrLst meth="repeat">
+      <a:schemeClr val="tx1"/>
+    </dgm:txFillClrLst>
+    <dgm:txEffectClrLst/>
+  </dgm:styleLbl>
+  <dgm:styleLbl name="callout">
+    <dgm:fillClrLst meth="repeat">
+      <a:schemeClr val="accent2"/>
+    </dgm:fillClrLst>
+    <dgm:linClrLst meth="repeat">
+      <a:schemeClr val="accent2">
+        <a:tint val="50000"/>
+      </a:schemeClr>
+    </dgm:linClrLst>
+    <dgm:effectClrLst/>
+    <dgm:txLinClrLst/>
+    <dgm:txFillClrLst meth="repeat">
+      <a:schemeClr val="tx1"/>
+    </dgm:txFillClrLst>
+    <dgm:txEffectClrLst/>
+  </dgm:styleLbl>
+  <dgm:styleLbl name="asst0">
+    <dgm:fillClrLst meth="repeat">
+      <a:schemeClr val="accent2"/>
+    </dgm:fillClrLst>
+    <dgm:linClrLst meth="repeat">
+      <a:schemeClr val="lt1">
+        <a:shade val="80000"/>
+      </a:schemeClr>
+    </dgm:linClrLst>
+    <dgm:effectClrLst/>
+    <dgm:txLinClrLst/>
+    <dgm:txFillClrLst/>
+    <dgm:txEffectClrLst/>
+  </dgm:styleLbl>
+  <dgm:styleLbl name="asst1">
+    <dgm:fillClrLst meth="repeat">
+      <a:schemeClr val="accent3"/>
+    </dgm:fillClrLst>
+    <dgm:linClrLst meth="repeat">
+      <a:schemeClr val="lt1">
+        <a:shade val="80000"/>
+      </a:schemeClr>
+    </dgm:linClrLst>
+    <dgm:effectClrLst/>
+    <dgm:txLinClrLst/>
+    <dgm:txFillClrLst/>
+    <dgm:txEffectClrLst/>
+  </dgm:styleLbl>
+  <dgm:styleLbl name="asst2">
+    <dgm:fillClrLst>
+      <a:schemeClr val="accent4"/>
+    </dgm:fillClrLst>
+    <dgm:linClrLst meth="repeat">
+      <a:schemeClr val="lt1"/>
+    </dgm:linClrLst>
+    <dgm:effectClrLst/>
+    <dgm:txLinClrLst/>
+    <dgm:txFillClrLst/>
+    <dgm:txEffectClrLst/>
+  </dgm:styleLbl>
+  <dgm:styleLbl name="asst3">
+    <dgm:fillClrLst>
+      <a:schemeClr val="accent5"/>
+    </dgm:fillClrLst>
+    <dgm:linClrLst meth="repeat">
+      <a:schemeClr val="lt1"/>
+    </dgm:linClrLst>
+    <dgm:effectClrLst/>
+    <dgm:txLinClrLst/>
+    <dgm:txFillClrLst/>
+    <dgm:txEffectClrLst/>
+  </dgm:styleLbl>
+  <dgm:styleLbl name="asst4">
+    <dgm:fillClrLst>
+      <a:schemeClr val="accent6"/>
+    </dgm:fillClrLst>
+    <dgm:linClrLst meth="repeat">
+      <a:schemeClr val="lt1"/>
+    </dgm:linClrLst>
+    <dgm:effectClrLst/>
+    <dgm:txLinClrLst/>
+    <dgm:txFillClrLst/>
+    <dgm:txEffectClrLst/>
+  </dgm:styleLbl>
+  <dgm:styleLbl name="parChTrans2D1">
+    <dgm:fillClrLst meth="repeat">
+      <a:schemeClr val="accent2"/>
+    </dgm:fillClrLst>
+    <dgm:linClrLst meth="repeat">
+      <a:schemeClr val="lt1"/>
+    </dgm:linClrLst>
+    <dgm:effectClrLst/>
+    <dgm:txLinClrLst/>
+    <dgm:txFillClrLst meth="repeat">
+      <a:schemeClr val="lt1"/>
+    </dgm:txFillClrLst>
+    <dgm:txEffectClrLst/>
+  </dgm:styleLbl>
+  <dgm:styleLbl name="parChTrans2D2">
+    <dgm:fillClrLst meth="repeat">
+      <a:schemeClr val="accent3"/>
+    </dgm:fillClrLst>
+    <dgm:linClrLst meth="repeat">
+      <a:schemeClr val="lt1"/>
+    </dgm:linClrLst>
+    <dgm:effectClrLst/>
+    <dgm:txLinClrLst/>
+    <dgm:txFillClrLst/>
+    <dgm:txEffectClrLst/>
+  </dgm:styleLbl>
+  <dgm:styleLbl name="parChTrans2D3">
+    <dgm:fillClrLst meth="repeat">
+      <a:schemeClr val="accent4"/>
+    </dgm:fillClrLst>
+    <dgm:linClrLst meth="repeat">
+      <a:schemeClr val="lt1"/>
+    </dgm:linClrLst>
+    <dgm:effectClrLst/>
+    <dgm:txLinClrLst/>
+    <dgm:txFillClrLst/>
+    <dgm:txEffectClrLst/>
+  </dgm:styleLbl>
+  <dgm:styleLbl name="parChTrans2D4">
+    <dgm:fillClrLst meth="repeat">
+      <a:schemeClr val="accent5"/>
+    </dgm:fillClrLst>
+    <dgm:linClrLst meth="repeat">
+      <a:schemeClr val="lt1"/>
+    </dgm:linClrLst>
+    <dgm:effectClrLst/>
+    <dgm:txLinClrLst/>
+    <dgm:txFillClrLst meth="repeat">
+      <a:schemeClr val="lt1"/>
+    </dgm:txFillClrLst>
+    <dgm:txEffectClrLst/>
+  </dgm:styleLbl>
+  <dgm:styleLbl name="parChTrans1D1">
+    <dgm:fillClrLst meth="repeat">
+      <a:schemeClr val="accent2"/>
+    </dgm:fillClrLst>
+    <dgm:linClrLst meth="repeat">
+      <a:schemeClr val="accent2"/>
+    </dgm:linClrLst>
+    <dgm:effectClrLst/>
+    <dgm:txLinClrLst/>
+    <dgm:txFillClrLst meth="repeat">
+      <a:schemeClr val="tx1"/>
+    </dgm:txFillClrLst>
+    <dgm:txEffectClrLst/>
+  </dgm:styleLbl>
+  <dgm:styleLbl name="parChTrans1D2">
+    <dgm:fillClrLst meth="repeat">
+      <a:schemeClr val="accent2">
+        <a:tint val="90000"/>
+      </a:schemeClr>
+    </dgm:fillClrLst>
+    <dgm:linClrLst meth="repeat">
+      <a:schemeClr val="accent3"/>
+    </dgm:linClrLst>
+    <dgm:effectClrLst/>
+    <dgm:txLinClrLst/>
+    <dgm:txFillClrLst meth="repeat">
+      <a:schemeClr val="tx1"/>
+    </dgm:txFillClrLst>
+    <dgm:txEffectClrLst/>
+  </dgm:styleLbl>
+  <dgm:styleLbl name="parChTrans1D3">
+    <dgm:fillClrLst meth="repeat">
+      <a:schemeClr val="accent2">
+        <a:tint val="70000"/>
+      </a:schemeClr>
+    </dgm:fillClrLst>
+    <dgm:linClrLst meth="repeat">
+      <a:schemeClr val="accent4"/>
+    </dgm:linClrLst>
+    <dgm:effectClrLst/>
+    <dgm:txLinClrLst/>
+    <dgm:txFillClrLst meth="repeat">
+      <a:schemeClr val="tx1"/>
+    </dgm:txFillClrLst>
+    <dgm:txEffectClrLst/>
+  </dgm:styleLbl>
+  <dgm:styleLbl name="parChTrans1D4">
+    <dgm:fillClrLst meth="repeat">
+      <a:schemeClr val="accent2">
+        <a:tint val="50000"/>
+      </a:schemeClr>
+    </dgm:fillClrLst>
+    <dgm:linClrLst meth="repeat">
+      <a:schemeClr val="accent5"/>
+    </dgm:linClrLst>
+    <dgm:effectClrLst/>
+    <dgm:txLinClrLst/>
+    <dgm:txFillClrLst meth="repeat">
+      <a:schemeClr val="tx1"/>
+    </dgm:txFillClrLst>
+    <dgm:txEffectClrLst/>
+  </dgm:styleLbl>
+  <dgm:styleLbl name="fgAcc1">
+    <dgm:fillClrLst meth="repeat">
+      <a:schemeClr val="lt1">
+        <a:alpha val="90000"/>
+      </a:schemeClr>
+    </dgm:fillClrLst>
+    <dgm:linClrLst>
+      <a:schemeClr val="accent2"/>
+      <a:schemeClr val="accent3"/>
+    </dgm:linClrLst>
+    <dgm:effectClrLst/>
+    <dgm:txLinClrLst/>
+    <dgm:txFillClrLst meth="repeat">
+      <a:schemeClr val="dk1"/>
+    </dgm:txFillClrLst>
+    <dgm:txEffectClrLst/>
+  </dgm:styleLbl>
+  <dgm:styleLbl name="conFgAcc1">
+    <dgm:fillClrLst meth="repeat">
+      <a:schemeClr val="lt1">
+        <a:alpha val="90000"/>
+      </a:schemeClr>
+    </dgm:fillClrLst>
+    <dgm:linClrLst>
+      <a:schemeClr val="accent2"/>
+      <a:schemeClr val="accent3"/>
+    </dgm:linClrLst>
+    <dgm:effectClrLst/>
+    <dgm:txLinClrLst/>
+    <dgm:txFillClrLst meth="repeat">
+      <a:schemeClr val="dk1"/>
+    </dgm:txFillClrLst>
+    <dgm:txEffectClrLst/>
+  </dgm:styleLbl>
+  <dgm:styleLbl name="alignAcc1">
+    <dgm:fillClrLst meth="repeat">
+      <a:schemeClr val="lt1">
+        <a:alpha val="90000"/>
+      </a:schemeClr>
+    </dgm:fillClrLst>
+    <dgm:linClrLst>
+      <a:schemeClr val="accent2"/>
+      <a:schemeClr val="accent3"/>
+    </dgm:linClrLst>
+    <dgm:effectClrLst/>
+    <dgm:txLinClrLst/>
+    <dgm:txFillClrLst meth="repeat">
+      <a:schemeClr val="dk1"/>
+    </dgm:txFillClrLst>
+    <dgm:txEffectClrLst/>
+  </dgm:styleLbl>
+  <dgm:styleLbl name="trAlignAcc1">
+    <dgm:fillClrLst meth="repeat">
+      <a:schemeClr val="lt1">
+        <a:alpha val="40000"/>
+      </a:schemeClr>
+    </dgm:fillClrLst>
+    <dgm:linClrLst meth="repeat">
+      <a:schemeClr val="accent2"/>
+    </dgm:linClrLst>
+    <dgm:effectClrLst/>
+    <dgm:txLinClrLst/>
+    <dgm:txFillClrLst meth="repeat">
+      <a:schemeClr val="dk1"/>
+    </dgm:txFillClrLst>
+    <dgm:txEffectClrLst/>
+  </dgm:styleLbl>
+  <dgm:styleLbl name="bgAcc1">
+    <dgm:fillClrLst meth="repeat">
+      <a:schemeClr val="lt1">
+        <a:alpha val="90000"/>
+      </a:schemeClr>
+    </dgm:fillClrLst>
+    <dgm:linClrLst>
+      <a:schemeClr val="accent2"/>
+      <a:schemeClr val="accent3"/>
+    </dgm:linClrLst>
+    <dgm:effectClrLst/>
+    <dgm:txLinClrLst/>
+    <dgm:txFillClrLst meth="repeat">
+      <a:schemeClr val="dk1"/>
+    </dgm:txFillClrLst>
+    <dgm:txEffectClrLst/>
+  </dgm:styleLbl>
+  <dgm:styleLbl name="solidFgAcc1">
+    <dgm:fillClrLst meth="repeat">
+      <a:schemeClr val="lt1"/>
+    </dgm:fillClrLst>
+    <dgm:linClrLst>
+      <a:schemeClr val="accent2"/>
+      <a:schemeClr val="accent3"/>
+    </dgm:linClrLst>
+    <dgm:effectClrLst/>
+    <dgm:txLinClrLst/>
+    <dgm:txFillClrLst meth="repeat">
+      <a:schemeClr val="dk1"/>
+    </dgm:txFillClrLst>
+    <dgm:txEffectClrLst/>
+  </dgm:styleLbl>
+  <dgm:styleLbl name="solidAlignAcc1">
+    <dgm:fillClrLst meth="repeat">
+      <a:schemeClr val="lt1"/>
+    </dgm:fillClrLst>
+    <dgm:linClrLst>
+      <a:schemeClr val="accent2"/>
+      <a:schemeClr val="accent3"/>
+    </dgm:linClrLst>
+    <dgm:effectClrLst/>
+    <dgm:txLinClrLst/>
+    <dgm:txFillClrLst meth="repeat">
+      <a:schemeClr val="dk1"/>
+    </dgm:txFillClrLst>
+    <dgm:txEffectClrLst/>
+  </dgm:styleLbl>
+  <dgm:styleLbl name="solidBgAcc1">
+    <dgm:fillClrLst meth="repeat">
+      <a:schemeClr val="lt1"/>
+    </dgm:fillClrLst>
+    <dgm:linClrLst>
+      <a:schemeClr val="accent2"/>
+      <a:schemeClr val="accent3"/>
+    </dgm:linClrLst>
+    <dgm:effectClrLst/>
+    <dgm:txLinClrLst/>
+    <dgm:txFillClrLst meth="repeat">
+      <a:schemeClr val="dk1"/>
+    </dgm:txFillClrLst>
+    <dgm:txEffectClrLst/>
+  </dgm:styleLbl>
+  <dgm:styleLbl name="fgAccFollowNode1">
+    <dgm:fillClrLst>
+      <a:schemeClr val="accent2">
+        <a:tint val="40000"/>
+        <a:alpha val="90000"/>
+      </a:schemeClr>
+      <a:schemeClr val="accent3">
+        <a:tint val="40000"/>
+        <a:alpha val="90000"/>
+      </a:schemeClr>
+    </dgm:fillClrLst>
+    <dgm:linClrLst>
+      <a:schemeClr val="accent2">
+        <a:tint val="40000"/>
+        <a:alpha val="90000"/>
+      </a:schemeClr>
+      <a:schemeClr val="accent3">
+        <a:tint val="40000"/>
+        <a:alpha val="90000"/>
+      </a:schemeClr>
+    </dgm:linClrLst>
+    <dgm:effectClrLst/>
+    <dgm:txLinClrLst/>
+    <dgm:txFillClrLst meth="repeat">
+      <a:schemeClr val="dk1"/>
+    </dgm:txFillClrLst>
+    <dgm:txEffectClrLst/>
+  </dgm:styleLbl>
+  <dgm:styleLbl name="alignAccFollowNode1">
+    <dgm:fillClrLst>
+      <a:schemeClr val="accent2">
+        <a:tint val="40000"/>
+        <a:alpha val="90000"/>
+      </a:schemeClr>
+      <a:schemeClr val="accent3">
+        <a:tint val="40000"/>
+        <a:alpha val="90000"/>
+      </a:schemeClr>
+    </dgm:fillClrLst>
+    <dgm:linClrLst>
+      <a:schemeClr val="accent2">
+        <a:tint val="40000"/>
+        <a:alpha val="90000"/>
+      </a:schemeClr>
+      <a:schemeClr val="accent3">
+        <a:tint val="40000"/>
+        <a:alpha val="90000"/>
+      </a:schemeClr>
+    </dgm:linClrLst>
+    <dgm:effectClrLst/>
+    <dgm:txLinClrLst/>
+    <dgm:txFillClrLst meth="repeat">
+      <a:schemeClr val="dk1"/>
+    </dgm:txFillClrLst>
+    <dgm:txEffectClrLst/>
+  </dgm:styleLbl>
+  <dgm:styleLbl name="bgAccFollowNode1">
+    <dgm:fillClrLst>
+      <a:schemeClr val="accent2">
+        <a:tint val="40000"/>
+        <a:alpha val="90000"/>
+      </a:schemeClr>
+      <a:schemeClr val="accent3">
+        <a:tint val="40000"/>
+        <a:alpha val="90000"/>
+      </a:schemeClr>
+    </dgm:fillClrLst>
+    <dgm:linClrLst>
+      <a:schemeClr val="accent2">
+        <a:tint val="40000"/>
+        <a:alpha val="90000"/>
+      </a:schemeClr>
+      <a:schemeClr val="accent3">
+        <a:tint val="40000"/>
+        <a:alpha val="90000"/>
+      </a:schemeClr>
+    </dgm:linClrLst>
+    <dgm:effectClrLst/>
+    <dgm:txLinClrLst/>
+    <dgm:txFillClrLst meth="repeat">
+      <a:schemeClr val="dk1"/>
+    </dgm:txFillClrLst>
+    <dgm:txEffectClrLst/>
+  </dgm:styleLbl>
+  <dgm:styleLbl name="fgAcc0">
+    <dgm:fillClrLst meth="repeat">
+      <a:schemeClr val="lt1">
+        <a:alpha val="90000"/>
+      </a:schemeClr>
+    </dgm:fillClrLst>
+    <dgm:linClrLst>
+      <a:schemeClr val="accent1"/>
+    </dgm:linClrLst>
+    <dgm:effectClrLst/>
+    <dgm:txLinClrLst/>
+    <dgm:txFillClrLst meth="repeat">
+      <a:schemeClr val="dk1"/>
+    </dgm:txFillClrLst>
+    <dgm:txEffectClrLst/>
+  </dgm:styleLbl>
+  <dgm:styleLbl name="fgAcc2">
+    <dgm:fillClrLst meth="repeat">
+      <a:schemeClr val="lt1">
+        <a:alpha val="90000"/>
+      </a:schemeClr>
+    </dgm:fillClrLst>
+    <dgm:linClrLst>
+      <a:schemeClr val="accent3"/>
+    </dgm:linClrLst>
+    <dgm:effectClrLst/>
+    <dgm:txLinClrLst/>
+    <dgm:txFillClrLst meth="repeat">
+      <a:schemeClr val="dk1"/>
+    </dgm:txFillClrLst>
+    <dgm:txEffectClrLst/>
+  </dgm:styleLbl>
+  <dgm:styleLbl name="fgAcc3">
+    <dgm:fillClrLst meth="repeat">
+      <a:schemeClr val="lt1">
+        <a:alpha val="90000"/>
+      </a:schemeClr>
+    </dgm:fillClrLst>
+    <dgm:linClrLst>
+      <a:schemeClr val="accent4"/>
+    </dgm:linClrLst>
+    <dgm:effectClrLst/>
+    <dgm:txLinClrLst/>
+    <dgm:txFillClrLst meth="repeat">
+      <a:schemeClr val="dk1"/>
+    </dgm:txFillClrLst>
+    <dgm:txEffectClrLst/>
+  </dgm:styleLbl>
+  <dgm:styleLbl name="fgAcc4">
+    <dgm:fillClrLst meth="repeat">
+      <a:schemeClr val="lt1">
+        <a:alpha val="90000"/>
+      </a:schemeClr>
+    </dgm:fillClrLst>
+    <dgm:linClrLst>
+      <a:schemeClr val="accent5"/>
+    </dgm:linClrLst>
+    <dgm:effectClrLst/>
+    <dgm:txLinClrLst/>
+    <dgm:txFillClrLst meth="repeat">
+      <a:schemeClr val="dk1"/>
+    </dgm:txFillClrLst>
+    <dgm:txEffectClrLst/>
+  </dgm:styleLbl>
+  <dgm:styleLbl name="bgShp">
+    <dgm:fillClrLst meth="repeat">
+      <a:schemeClr val="accent2">
+        <a:tint val="40000"/>
+      </a:schemeClr>
+    </dgm:fillClrLst>
+    <dgm:linClrLst meth="repeat">
+      <a:schemeClr val="dk1"/>
+    </dgm:linClrLst>
+    <dgm:effectClrLst/>
+    <dgm:txLinClrLst/>
+    <dgm:txFillClrLst meth="repeat">
+      <a:schemeClr val="dk1"/>
+    </dgm:txFillClrLst>
+    <dgm:txEffectClrLst/>
+  </dgm:styleLbl>
+  <dgm:styleLbl name="dkBgShp">
+    <dgm:fillClrLst meth="repeat">
+      <a:schemeClr val="accent2">
+        <a:shade val="90000"/>
+      </a:schemeClr>
+    </dgm:fillClrLst>
+    <dgm:linClrLst meth="repeat">
+      <a:schemeClr val="dk1"/>
+    </dgm:linClrLst>
+    <dgm:effectClrLst/>
+    <dgm:txLinClrLst/>
+    <dgm:txFillClrLst meth="repeat">
+      <a:schemeClr val="lt1"/>
+    </dgm:txFillClrLst>
+    <dgm:txEffectClrLst/>
+  </dgm:styleLbl>
+  <dgm:styleLbl name="trBgShp">
+    <dgm:fillClrLst meth="repeat">
+      <a:schemeClr val="accent2">
+        <a:tint val="50000"/>
+        <a:alpha val="40000"/>
+      </a:schemeClr>
+    </dgm:fillClrLst>
+    <dgm:linClrLst meth="repeat">
+      <a:schemeClr val="accent2"/>
+    </dgm:linClrLst>
+    <dgm:effectClrLst/>
+    <dgm:txLinClrLst/>
+    <dgm:txFillClrLst meth="repeat">
+      <a:schemeClr val="lt1"/>
+    </dgm:txFillClrLst>
+    <dgm:txEffectClrLst/>
+  </dgm:styleLbl>
+  <dgm:styleLbl name="fgShp">
+    <dgm:fillClrLst meth="repeat">
+      <a:schemeClr val="accent2">
+        <a:tint val="40000"/>
+      </a:schemeClr>
+    </dgm:fillClrLst>
+    <dgm:linClrLst meth="repeat">
+      <a:schemeClr val="lt1"/>
+    </dgm:linClrLst>
+    <dgm:effectClrLst/>
+    <dgm:txLinClrLst/>
+    <dgm:txFillClrLst meth="repeat">
+      <a:schemeClr val="dk1"/>
+    </dgm:txFillClrLst>
+    <dgm:txEffectClrLst/>
+  </dgm:styleLbl>
+  <dgm:styleLbl name="revTx">
+    <dgm:fillClrLst meth="repeat">
+      <a:schemeClr val="lt1">
+        <a:alpha val="0"/>
+      </a:schemeClr>
+    </dgm:fillClrLst>
+    <dgm:linClrLst meth="repeat">
+      <a:schemeClr val="dk1">
+        <a:alpha val="0"/>
+      </a:schemeClr>
+    </dgm:linClrLst>
+    <dgm:effectClrLst/>
+    <dgm:txLinClrLst/>
+    <dgm:txFillClrLst meth="repeat">
+      <a:schemeClr val="tx1"/>
+    </dgm:txFillClrLst>
+    <dgm:txEffectClrLst/>
+  </dgm:styleLbl>
+</dgm:colorsDef>
+</file>
+
+<file path=ppt/diagrams/colors2.xml><?xml version="1.0" encoding="utf-8"?>
+<dgm:colorsDef xmlns:dgm="http://schemas.openxmlformats.org/drawingml/2006/diagram" xmlns:a="http://schemas.openxmlformats.org/drawingml/2006/main" uniqueId="urn:microsoft.com/office/officeart/2005/8/colors/colorful5">
+  <dgm:title val=""/>
+  <dgm:desc val=""/>
+  <dgm:catLst>
+    <dgm:cat type="colorful" pri="10500"/>
+  </dgm:catLst>
+  <dgm:styleLbl name="node0">
+    <dgm:fillClrLst meth="repeat">
+      <a:schemeClr val="accent4"/>
+    </dgm:fillClrLst>
+    <dgm:linClrLst meth="repeat">
+      <a:schemeClr val="lt1"/>
+    </dgm:linClrLst>
+    <dgm:effectClrLst/>
+    <dgm:txLinClrLst/>
+    <dgm:txFillClrLst/>
+    <dgm:txEffectClrLst/>
+  </dgm:styleLbl>
+  <dgm:styleLbl name="node1">
+    <dgm:fillClrLst>
+      <a:schemeClr val="accent5"/>
+      <a:schemeClr val="accent6"/>
+    </dgm:fillClrLst>
+    <dgm:linClrLst meth="repeat">
+      <a:schemeClr val="lt1"/>
+    </dgm:linClrLst>
+    <dgm:effectClrLst/>
+    <dgm:txLinClrLst/>
+    <dgm:txFillClrLst/>
+    <dgm:txEffectClrLst/>
+  </dgm:styleLbl>
+  <dgm:styleLbl name="alignNode1">
+    <dgm:fillClrLst>
+      <a:schemeClr val="accent5"/>
+      <a:schemeClr val="accent6"/>
+    </dgm:fillClrLst>
+    <dgm:linClrLst>
+      <a:schemeClr val="accent5"/>
+      <a:schemeClr val="accent6"/>
+    </dgm:linClrLst>
+    <dgm:effectClrLst/>
+    <dgm:txLinClrLst/>
+    <dgm:txFillClrLst/>
+    <dgm:txEffectClrLst/>
+  </dgm:styleLbl>
+  <dgm:styleLbl name="lnNode1">
+    <dgm:fillClrLst>
+      <a:schemeClr val="accent5"/>
+      <a:schemeClr val="accent6"/>
+    </dgm:fillClrLst>
+    <dgm:linClrLst meth="repeat">
+      <a:schemeClr val="lt1"/>
+    </dgm:linClrLst>
+    <dgm:effectClrLst/>
+    <dgm:txLinClrLst/>
+    <dgm:txFillClrLst/>
+    <dgm:txEffectClrLst/>
+  </dgm:styleLbl>
+  <dgm:styleLbl name="vennNode1">
+    <dgm:fillClrLst>
+      <a:schemeClr val="accent5">
+        <a:alpha val="50000"/>
+      </a:schemeClr>
+      <a:schemeClr val="accent6">
+        <a:alpha val="50000"/>
+      </a:schemeClr>
+    </dgm:fillClrLst>
+    <dgm:linClrLst meth="repeat">
+      <a:schemeClr val="lt1"/>
+    </dgm:linClrLst>
+    <dgm:effectClrLst/>
+    <dgm:txLinClrLst/>
+    <dgm:txFillClrLst/>
+    <dgm:txEffectClrLst/>
+  </dgm:styleLbl>
+  <dgm:styleLbl name="node2">
+    <dgm:fillClrLst>
+      <a:schemeClr val="accent6"/>
+    </dgm:fillClrLst>
+    <dgm:linClrLst meth="repeat">
+      <a:schemeClr val="lt1"/>
+    </dgm:linClrLst>
+    <dgm:effectClrLst/>
+    <dgm:txLinClrLst/>
+    <dgm:txFillClrLst/>
+    <dgm:txEffectClrLst/>
+  </dgm:styleLbl>
+  <dgm:styleLbl name="node3">
+    <dgm:fillClrLst>
+      <a:schemeClr val="accent1"/>
+    </dgm:fillClrLst>
+    <dgm:linClrLst meth="repeat">
+      <a:schemeClr val="lt1"/>
+    </dgm:linClrLst>
+    <dgm:effectClrLst/>
+    <dgm:txLinClrLst/>
+    <dgm:txFillClrLst/>
+    <dgm:txEffectClrLst/>
+  </dgm:styleLbl>
+  <dgm:styleLbl name="node4">
+    <dgm:fillClrLst>
+      <a:schemeClr val="accent2"/>
+    </dgm:fillClrLst>
+    <dgm:linClrLst meth="repeat">
+      <a:schemeClr val="lt1"/>
+    </dgm:linClrLst>
+    <dgm:effectClrLst/>
+    <dgm:txLinClrLst/>
+    <dgm:txFillClrLst/>
+    <dgm:txEffectClrLst/>
+  </dgm:styleLbl>
+  <dgm:styleLbl name="fgImgPlace1">
+    <dgm:fillClrLst>
+      <a:schemeClr val="accent5">
+        <a:tint val="50000"/>
+      </a:schemeClr>
+      <a:schemeClr val="accent6">
+        <a:tint val="50000"/>
+      </a:schemeClr>
+    </dgm:fillClrLst>
+    <dgm:linClrLst meth="repeat">
+      <a:schemeClr val="lt1"/>
+    </dgm:linClrLst>
+    <dgm:effectClrLst/>
+    <dgm:txLinClrLst/>
+    <dgm:txFillClrLst meth="repeat">
+      <a:schemeClr val="lt1"/>
+    </dgm:txFillClrLst>
+    <dgm:txEffectClrLst/>
+  </dgm:styleLbl>
+  <dgm:styleLbl name="alignImgPlace1">
+    <dgm:fillClrLst>
+      <a:schemeClr val="accent5">
+        <a:tint val="50000"/>
+      </a:schemeClr>
+      <a:schemeClr val="accent6">
+        <a:tint val="20000"/>
+      </a:schemeClr>
+    </dgm:fillClrLst>
+    <dgm:linClrLst meth="repeat">
+      <a:schemeClr val="lt1"/>
+    </dgm:linClrLst>
+    <dgm:effectClrLst/>
+    <dgm:txLinClrLst/>
+    <dgm:txFillClrLst meth="repeat">
+      <a:schemeClr val="lt1"/>
+    </dgm:txFillClrLst>
+    <dgm:txEffectClrLst/>
+  </dgm:styleLbl>
+  <dgm:styleLbl name="bgImgPlace1">
+    <dgm:fillClrLst>
+      <a:schemeClr val="accent5">
+        <a:tint val="50000"/>
+      </a:schemeClr>
+      <a:schemeClr val="accent6">
+        <a:tint val="20000"/>
+      </a:schemeClr>
+    </dgm:fillClrLst>
+    <dgm:linClrLst meth="repeat">
+      <a:schemeClr val="lt1"/>
+    </dgm:linClrLst>
+    <dgm:effectClrLst/>
+    <dgm:txLinClrLst/>
+    <dgm:txFillClrLst meth="repeat">
+      <a:schemeClr val="lt1"/>
+    </dgm:txFillClrLst>
+    <dgm:txEffectClrLst/>
+  </dgm:styleLbl>
+  <dgm:styleLbl name="sibTrans2D1">
+    <dgm:fillClrLst>
+      <a:schemeClr val="accent5"/>
+      <a:schemeClr val="accent6"/>
+    </dgm:fillClrLst>
+    <dgm:linClrLst meth="repeat">
+      <a:schemeClr val="lt1"/>
+    </dgm:linClrLst>
+    <dgm:effectClrLst/>
+    <dgm:txLinClrLst/>
+    <dgm:txFillClrLst/>
+    <dgm:txEffectClrLst/>
+  </dgm:styleLbl>
+  <dgm:styleLbl name="fgSibTrans2D1">
+    <dgm:fillClrLst>
+      <a:schemeClr val="accent5"/>
+      <a:schemeClr val="accent6"/>
+    </dgm:fillClrLst>
+    <dgm:linClrLst meth="repeat">
+      <a:schemeClr val="lt1"/>
+    </dgm:linClrLst>
+    <dgm:effectClrLst/>
+    <dgm:txLinClrLst/>
+    <dgm:txFillClrLst meth="repeat">
+      <a:schemeClr val="lt1"/>
+    </dgm:txFillClrLst>
+    <dgm:txEffectClrLst/>
+  </dgm:styleLbl>
+  <dgm:styleLbl name="bgSibTrans2D1">
+    <dgm:fillClrLst>
+      <a:schemeClr val="accent5"/>
+      <a:schemeClr val="accent6"/>
+    </dgm:fillClrLst>
+    <dgm:linClrLst meth="repeat">
+      <a:schemeClr val="lt1"/>
+    </dgm:linClrLst>
+    <dgm:effectClrLst/>
+    <dgm:txLinClrLst/>
+    <dgm:txFillClrLst meth="repeat">
+      <a:schemeClr val="lt1"/>
+    </dgm:txFillClrLst>
+    <dgm:txEffectClrLst/>
+  </dgm:styleLbl>
+  <dgm:styleLbl name="sibTrans1D1">
+    <dgm:fillClrLst/>
+    <dgm:linClrLst>
+      <a:schemeClr val="accent5"/>
+      <a:schemeClr val="accent6"/>
+    </dgm:linClrLst>
+    <dgm:effectClrLst/>
+    <dgm:txLinClrLst/>
+    <dgm:txFillClrLst meth="repeat">
+      <a:schemeClr val="tx1"/>
+    </dgm:txFillClrLst>
+    <dgm:txEffectClrLst/>
+  </dgm:styleLbl>
+  <dgm:styleLbl name="callout">
+    <dgm:fillClrLst meth="repeat">
+      <a:schemeClr val="accent5"/>
+    </dgm:fillClrLst>
+    <dgm:linClrLst meth="repeat">
+      <a:schemeClr val="accent5">
+        <a:tint val="50000"/>
+      </a:schemeClr>
+    </dgm:linClrLst>
+    <dgm:effectClrLst/>
+    <dgm:txLinClrLst/>
+    <dgm:txFillClrLst meth="repeat">
+      <a:schemeClr val="tx1"/>
+    </dgm:txFillClrLst>
+    <dgm:txEffectClrLst/>
+  </dgm:styleLbl>
+  <dgm:styleLbl name="asst0">
+    <dgm:fillClrLst meth="repeat">
+      <a:schemeClr val="accent5"/>
+    </dgm:fillClrLst>
+    <dgm:linClrLst meth="repeat">
+      <a:schemeClr val="lt1">
+        <a:shade val="80000"/>
+      </a:schemeClr>
+    </dgm:linClrLst>
+    <dgm:effectClrLst/>
+    <dgm:txLinClrLst/>
+    <dgm:txFillClrLst/>
+    <dgm:txEffectClrLst/>
+  </dgm:styleLbl>
+  <dgm:styleLbl name="asst1">
+    <dgm:fillClrLst meth="repeat">
+      <a:schemeClr val="accent6"/>
+    </dgm:fillClrLst>
+    <dgm:linClrLst meth="repeat">
+      <a:schemeClr val="lt1">
+        <a:shade val="80000"/>
+      </a:schemeClr>
+    </dgm:linClrLst>
+    <dgm:effectClrLst/>
+    <dgm:txLinClrLst/>
+    <dgm:txFillClrLst/>
+    <dgm:txEffectClrLst/>
+  </dgm:styleLbl>
+  <dgm:styleLbl name="asst2">
+    <dgm:fillClrLst>
+      <a:schemeClr val="accent1"/>
+    </dgm:fillClrLst>
+    <dgm:linClrLst meth="repeat">
+      <a:schemeClr val="lt1"/>
+    </dgm:linClrLst>
+    <dgm:effectClrLst/>
+    <dgm:txLinClrLst/>
+    <dgm:txFillClrLst/>
+    <dgm:txEffectClrLst/>
+  </dgm:styleLbl>
+  <dgm:styleLbl name="asst3">
+    <dgm:fillClrLst>
+      <a:schemeClr val="accent2"/>
+    </dgm:fillClrLst>
+    <dgm:linClrLst meth="repeat">
+      <a:schemeClr val="lt1"/>
+    </dgm:linClrLst>
+    <dgm:effectClrLst/>
+    <dgm:txLinClrLst/>
+    <dgm:txFillClrLst/>
+    <dgm:txEffectClrLst/>
+  </dgm:styleLbl>
+  <dgm:styleLbl name="asst4">
+    <dgm:fillClrLst>
+      <a:schemeClr val="accent3"/>
+    </dgm:fillClrLst>
+    <dgm:linClrLst meth="repeat">
+      <a:schemeClr val="lt1"/>
+    </dgm:linClrLst>
+    <dgm:effectClrLst/>
+    <dgm:txLinClrLst/>
+    <dgm:txFillClrLst/>
+    <dgm:txEffectClrLst/>
+  </dgm:styleLbl>
+  <dgm:styleLbl name="parChTrans2D1">
+    <dgm:fillClrLst meth="repeat">
+      <a:schemeClr val="accent5"/>
+    </dgm:fillClrLst>
+    <dgm:linClrLst meth="repeat">
+      <a:schemeClr val="lt1"/>
+    </dgm:linClrLst>
+    <dgm:effectClrLst/>
+    <dgm:txLinClrLst/>
+    <dgm:txFillClrLst meth="repeat">
+      <a:schemeClr val="lt1"/>
+    </dgm:txFillClrLst>
+    <dgm:txEffectClrLst/>
+  </dgm:styleLbl>
+  <dgm:styleLbl name="parChTrans2D2">
+    <dgm:fillClrLst meth="repeat">
+      <a:schemeClr val="accent6"/>
+    </dgm:fillClrLst>
+    <dgm:linClrLst meth="repeat">
+      <a:schemeClr val="lt1"/>
+    </dgm:linClrLst>
+    <dgm:effectClrLst/>
+    <dgm:txLinClrLst/>
+    <dgm:txFillClrLst/>
+    <dgm:txEffectClrLst/>
+  </dgm:styleLbl>
+  <dgm:styleLbl name="parChTrans2D3">
+    <dgm:fillClrLst meth="repeat">
+      <a:schemeClr val="accent6"/>
+    </dgm:fillClrLst>
+    <dgm:linClrLst meth="repeat">
+      <a:schemeClr val="lt1"/>
+    </dgm:linClrLst>
+    <dgm:effectClrLst/>
+    <dgm:txLinClrLst/>
+    <dgm:txFillClrLst/>
+    <dgm:txEffectClrLst/>
+  </dgm:styleLbl>
+  <dgm:styleLbl name="parChTrans2D4">
+    <dgm:fillClrLst meth="repeat">
+      <a:schemeClr val="accent1"/>
+    </dgm:fillClrLst>
+    <dgm:linClrLst meth="repeat">
+      <a:schemeClr val="lt1"/>
+    </dgm:linClrLst>
+    <dgm:effectClrLst/>
+    <dgm:txLinClrLst/>
+    <dgm:txFillClrLst meth="repeat">
+      <a:schemeClr val="lt1"/>
+    </dgm:txFillClrLst>
+    <dgm:txEffectClrLst/>
+  </dgm:styleLbl>
+  <dgm:styleLbl name="parChTrans1D1">
+    <dgm:fillClrLst meth="repeat">
+      <a:schemeClr val="accent5"/>
+    </dgm:fillClrLst>
+    <dgm:linClrLst meth="repeat">
+      <a:schemeClr val="accent5"/>
+    </dgm:linClrLst>
+    <dgm:effectClrLst/>
+    <dgm:txLinClrLst/>
+    <dgm:txFillClrLst meth="repeat">
+      <a:schemeClr val="tx1"/>
+    </dgm:txFillClrLst>
+    <dgm:txEffectClrLst/>
+  </dgm:styleLbl>
+  <dgm:styleLbl name="parChTrans1D2">
+    <dgm:fillClrLst meth="repeat">
+      <a:schemeClr val="accent6">
+        <a:tint val="90000"/>
+      </a:schemeClr>
+    </dgm:fillClrLst>
+    <dgm:linClrLst meth="repeat">
+      <a:schemeClr val="accent6"/>
+    </dgm:linClrLst>
+    <dgm:effectClrLst/>
+    <dgm:txLinClrLst/>
+    <dgm:txFillClrLst meth="repeat">
+      <a:schemeClr val="tx1"/>
+    </dgm:txFillClrLst>
+    <dgm:txEffectClrLst/>
+  </dgm:styleLbl>
+  <dgm:styleLbl name="parChTrans1D3">
+    <dgm:fillClrLst meth="repeat">
+      <a:schemeClr val="accent6">
+        <a:tint val="70000"/>
+      </a:schemeClr>
+    </dgm:fillClrLst>
+    <dgm:linClrLst meth="repeat">
+      <a:schemeClr val="accent1"/>
+    </dgm:linClrLst>
+    <dgm:effectClrLst/>
+    <dgm:txLinClrLst/>
+    <dgm:txFillClrLst meth="repeat">
+      <a:schemeClr val="tx1"/>
+    </dgm:txFillClrLst>
+    <dgm:txEffectClrLst/>
+  </dgm:styleLbl>
+  <dgm:styleLbl name="parChTrans1D4">
+    <dgm:fillClrLst meth="repeat">
+      <a:schemeClr val="accent6">
+        <a:tint val="50000"/>
+      </a:schemeClr>
+    </dgm:fillClrLst>
+    <dgm:linClrLst meth="repeat">
+      <a:schemeClr val="accent2"/>
+    </dgm:linClrLst>
+    <dgm:effectClrLst/>
+    <dgm:txLinClrLst/>
+    <dgm:txFillClrLst meth="repeat">
+      <a:schemeClr val="tx1"/>
+    </dgm:txFillClrLst>
+    <dgm:txEffectClrLst/>
+  </dgm:styleLbl>
+  <dgm:styleLbl name="fgAcc1">
+    <dgm:fillClrLst meth="repeat">
+      <a:schemeClr val="lt1">
+        <a:alpha val="90000"/>
+      </a:schemeClr>
+    </dgm:fillClrLst>
+    <dgm:linClrLst>
+      <a:schemeClr val="accent5"/>
+      <a:schemeClr val="accent6"/>
+    </dgm:linClrLst>
+    <dgm:effectClrLst/>
+    <dgm:txLinClrLst/>
+    <dgm:txFillClrLst meth="repeat">
+      <a:schemeClr val="dk1"/>
+    </dgm:txFillClrLst>
+    <dgm:txEffectClrLst/>
+  </dgm:styleLbl>
+  <dgm:styleLbl name="conFgAcc1">
+    <dgm:fillClrLst meth="repeat">
+      <a:schemeClr val="lt1">
+        <a:alpha val="90000"/>
+      </a:schemeClr>
+    </dgm:fillClrLst>
+    <dgm:linClrLst>
+      <a:schemeClr val="accent5"/>
+      <a:schemeClr val="accent6"/>
+    </dgm:linClrLst>
+    <dgm:effectClrLst/>
+    <dgm:txLinClrLst/>
+    <dgm:txFillClrLst meth="repeat">
+      <a:schemeClr val="dk1"/>
+    </dgm:txFillClrLst>
+    <dgm:txEffectClrLst/>
+  </dgm:styleLbl>
+  <dgm:styleLbl name="alignAcc1">
+    <dgm:fillClrLst meth="repeat">
+      <a:schemeClr val="lt1">
+        <a:alpha val="90000"/>
+      </a:schemeClr>
+    </dgm:fillClrLst>
+    <dgm:linClrLst>
+      <a:schemeClr val="accent5"/>
+      <a:schemeClr val="accent6"/>
+    </dgm:linClrLst>
+    <dgm:effectClrLst/>
+    <dgm:txLinClrLst/>
+    <dgm:txFillClrLst meth="repeat">
+      <a:schemeClr val="dk1"/>
+    </dgm:txFillClrLst>
+    <dgm:txEffectClrLst/>
+  </dgm:styleLbl>
+  <dgm:styleLbl name="trAlignAcc1">
+    <dgm:fillClrLst meth="repeat">
+      <a:schemeClr val="lt1">
+        <a:alpha val="40000"/>
+      </a:schemeClr>
+    </dgm:fillClrLst>
+    <dgm:linClrLst meth="repeat">
+      <a:schemeClr val="accent5"/>
+    </dgm:linClrLst>
+    <dgm:effectClrLst/>
+    <dgm:txLinClrLst/>
+    <dgm:txFillClrLst meth="repeat">
+      <a:schemeClr val="dk1"/>
+    </dgm:txFillClrLst>
+    <dgm:txEffectClrLst/>
+  </dgm:styleLbl>
+  <dgm:styleLbl name="bgAcc1">
+    <dgm:fillClrLst meth="repeat">
+      <a:schemeClr val="lt1">
+        <a:alpha val="90000"/>
+      </a:schemeClr>
+    </dgm:fillClrLst>
+    <dgm:linClrLst>
+      <a:schemeClr val="accent5"/>
+      <a:schemeClr val="accent6"/>
+    </dgm:linClrLst>
+    <dgm:effectClrLst/>
+    <dgm:txLinClrLst/>
+    <dgm:txFillClrLst meth="repeat">
+      <a:schemeClr val="dk1"/>
+    </dgm:txFillClrLst>
+    <dgm:txEffectClrLst/>
+  </dgm:styleLbl>
+  <dgm:styleLbl name="solidFgAcc1">
+    <dgm:fillClrLst meth="repeat">
+      <a:schemeClr val="lt1"/>
+    </dgm:fillClrLst>
+    <dgm:linClrLst>
+      <a:schemeClr val="accent5"/>
+      <a:schemeClr val="accent6"/>
+    </dgm:linClrLst>
+    <dgm:effectClrLst/>
+    <dgm:txLinClrLst/>
+    <dgm:txFillClrLst meth="repeat">
+      <a:schemeClr val="dk1"/>
+    </dgm:txFillClrLst>
+    <dgm:txEffectClrLst/>
+  </dgm:styleLbl>
+  <dgm:styleLbl name="solidAlignAcc1">
+    <dgm:fillClrLst meth="repeat">
+      <a:schemeClr val="lt1"/>
+    </dgm:fillClrLst>
+    <dgm:linClrLst>
+      <a:schemeClr val="accent5"/>
+      <a:schemeClr val="accent6"/>
+    </dgm:linClrLst>
+    <dgm:effectClrLst/>
+    <dgm:txLinClrLst/>
+    <dgm:txFillClrLst meth="repeat">
+      <a:schemeClr val="dk1"/>
+    </dgm:txFillClrLst>
+    <dgm:txEffectClrLst/>
+  </dgm:styleLbl>
+  <dgm:styleLbl name="solidBgAcc1">
+    <dgm:fillClrLst meth="repeat">
+      <a:schemeClr val="lt1"/>
+    </dgm:fillClrLst>
+    <dgm:linClrLst>
+      <a:schemeClr val="accent5"/>
+      <a:schemeClr val="accent6"/>
+    </dgm:linClrLst>
+    <dgm:effectClrLst/>
+    <dgm:txLinClrLst/>
+    <dgm:txFillClrLst meth="repeat">
+      <a:schemeClr val="dk1"/>
+    </dgm:txFillClrLst>
+    <dgm:txEffectClrLst/>
+  </dgm:styleLbl>
+  <dgm:styleLbl name="fgAccFollowNode1">
+    <dgm:fillClrLst>
+      <a:schemeClr val="accent5">
+        <a:tint val="40000"/>
+        <a:alpha val="90000"/>
+      </a:schemeClr>
+      <a:schemeClr val="accent6">
+        <a:tint val="40000"/>
+        <a:alpha val="90000"/>
+      </a:schemeClr>
+    </dgm:fillClrLst>
+    <dgm:linClrLst>
+      <a:schemeClr val="accent5">
+        <a:tint val="40000"/>
+        <a:alpha val="90000"/>
+      </a:schemeClr>
+      <a:schemeClr val="accent5">
+        <a:tint val="40000"/>
+        <a:alpha val="90000"/>
+      </a:schemeClr>
+    </dgm:linClrLst>
+    <dgm:effectClrLst/>
+    <dgm:txLinClrLst/>
+    <dgm:txFillClrLst meth="repeat">
+      <a:schemeClr val="dk1"/>
+    </dgm:txFillClrLst>
+    <dgm:txEffectClrLst/>
+  </dgm:styleLbl>
+  <dgm:styleLbl name="alignAccFollowNode1">
+    <dgm:fillClrLst>
+      <a:schemeClr val="accent5">
+        <a:tint val="40000"/>
+        <a:alpha val="90000"/>
+      </a:schemeClr>
+      <a:schemeClr val="accent6">
+        <a:tint val="40000"/>
+        <a:alpha val="90000"/>
+      </a:schemeClr>
+    </dgm:fillClrLst>
+    <dgm:linClrLst>
+      <a:schemeClr val="accent5">
+        <a:tint val="40000"/>
+        <a:alpha val="90000"/>
+      </a:schemeClr>
+      <a:schemeClr val="accent6">
+        <a:tint val="40000"/>
+        <a:alpha val="90000"/>
+      </a:schemeClr>
+    </dgm:linClrLst>
+    <dgm:effectClrLst/>
+    <dgm:txLinClrLst/>
+    <dgm:txFillClrLst meth="repeat">
+      <a:schemeClr val="dk1"/>
+    </dgm:txFillClrLst>
+    <dgm:txEffectClrLst/>
+  </dgm:styleLbl>
+  <dgm:styleLbl name="bgAccFollowNode1">
+    <dgm:fillClrLst>
+      <a:schemeClr val="accent5">
+        <a:tint val="40000"/>
+        <a:alpha val="90000"/>
+      </a:schemeClr>
+      <a:schemeClr val="accent6">
+        <a:tint val="40000"/>
+        <a:alpha val="90000"/>
+      </a:schemeClr>
+    </dgm:fillClrLst>
+    <dgm:linClrLst>
+      <a:schemeClr val="accent5">
+        <a:tint val="40000"/>
+        <a:alpha val="90000"/>
+      </a:schemeClr>
+      <a:schemeClr val="accent6">
+        <a:tint val="40000"/>
+        <a:alpha val="90000"/>
+      </a:schemeClr>
+    </dgm:linClrLst>
+    <dgm:effectClrLst/>
+    <dgm:txLinClrLst/>
+    <dgm:txFillClrLst meth="repeat">
+      <a:schemeClr val="dk1"/>
+    </dgm:txFillClrLst>
+    <dgm:txEffectClrLst/>
+  </dgm:styleLbl>
+  <dgm:styleLbl name="fgAcc0">
+    <dgm:fillClrLst meth="repeat">
+      <a:schemeClr val="lt1">
+        <a:alpha val="90000"/>
+      </a:schemeClr>
+    </dgm:fillClrLst>
+    <dgm:linClrLst>
+      <a:schemeClr val="accent4"/>
+    </dgm:linClrLst>
+    <dgm:effectClrLst/>
+    <dgm:txLinClrLst/>
+    <dgm:txFillClrLst meth="repeat">
+      <a:schemeClr val="dk1"/>
+    </dgm:txFillClrLst>
+    <dgm:txEffectClrLst/>
+  </dgm:styleLbl>
+  <dgm:styleLbl name="fgAcc2">
+    <dgm:fillClrLst meth="repeat">
+      <a:schemeClr val="lt1">
+        <a:alpha val="90000"/>
+      </a:schemeClr>
+    </dgm:fillClrLst>
+    <dgm:linClrLst>
+      <a:schemeClr val="accent6"/>
+    </dgm:linClrLst>
+    <dgm:effectClrLst/>
+    <dgm:txLinClrLst/>
+    <dgm:txFillClrLst meth="repeat">
+      <a:schemeClr val="dk1"/>
+    </dgm:txFillClrLst>
+    <dgm:txEffectClrLst/>
+  </dgm:styleLbl>
+  <dgm:styleLbl name="fgAcc3">
+    <dgm:fillClrLst meth="repeat">
+      <a:schemeClr val="lt1">
+        <a:alpha val="90000"/>
+      </a:schemeClr>
+    </dgm:fillClrLst>
+    <dgm:linClrLst>
+      <a:schemeClr val="accent1"/>
+    </dgm:linClrLst>
+    <dgm:effectClrLst/>
+    <dgm:txLinClrLst/>
+    <dgm:txFillClrLst meth="repeat">
+      <a:schemeClr val="dk1"/>
+    </dgm:txFillClrLst>
+    <dgm:txEffectClrLst/>
+  </dgm:styleLbl>
+  <dgm:styleLbl name="fgAcc4">
+    <dgm:fillClrLst meth="repeat">
+      <a:schemeClr val="lt1">
+        <a:alpha val="90000"/>
+      </a:schemeClr>
+    </dgm:fillClrLst>
+    <dgm:linClrLst>
+      <a:schemeClr val="accent2"/>
+    </dgm:linClrLst>
+    <dgm:effectClrLst/>
+    <dgm:txLinClrLst/>
+    <dgm:txFillClrLst meth="repeat">
+      <a:schemeClr val="dk1"/>
+    </dgm:txFillClrLst>
+    <dgm:txEffectClrLst/>
+  </dgm:styleLbl>
+  <dgm:styleLbl name="bgShp">
+    <dgm:fillClrLst meth="repeat">
+      <a:schemeClr val="accent5">
+        <a:tint val="40000"/>
+      </a:schemeClr>
+    </dgm:fillClrLst>
+    <dgm:linClrLst meth="repeat">
+      <a:schemeClr val="dk1"/>
+    </dgm:linClrLst>
+    <dgm:effectClrLst/>
+    <dgm:txLinClrLst/>
+    <dgm:txFillClrLst meth="repeat">
+      <a:schemeClr val="dk1"/>
+    </dgm:txFillClrLst>
+    <dgm:txEffectClrLst/>
+  </dgm:styleLbl>
+  <dgm:styleLbl name="dkBgShp">
+    <dgm:fillClrLst meth="repeat">
+      <a:schemeClr val="accent5">
+        <a:shade val="90000"/>
+      </a:schemeClr>
+    </dgm:fillClrLst>
+    <dgm:linClrLst meth="repeat">
+      <a:schemeClr val="dk1"/>
+    </dgm:linClrLst>
+    <dgm:effectClrLst/>
+    <dgm:txLinClrLst/>
+    <dgm:txFillClrLst meth="repeat">
+      <a:schemeClr val="lt1"/>
+    </dgm:txFillClrLst>
+    <dgm:txEffectClrLst/>
+  </dgm:styleLbl>
+  <dgm:styleLbl name="trBgShp">
+    <dgm:fillClrLst meth="repeat">
+      <a:schemeClr val="accent5">
+        <a:tint val="50000"/>
+        <a:alpha val="40000"/>
+      </a:schemeClr>
+    </dgm:fillClrLst>
+    <dgm:linClrLst meth="repeat">
+      <a:schemeClr val="accent5"/>
+    </dgm:linClrLst>
+    <dgm:effectClrLst/>
+    <dgm:txLinClrLst/>
+    <dgm:txFillClrLst meth="repeat">
+      <a:schemeClr val="lt1"/>
+    </dgm:txFillClrLst>
+    <dgm:txEffectClrLst/>
+  </dgm:styleLbl>
+  <dgm:styleLbl name="fgShp">
+    <dgm:fillClrLst meth="repeat">
+      <a:schemeClr val="accent5">
+        <a:tint val="40000"/>
+      </a:schemeClr>
+    </dgm:fillClrLst>
+    <dgm:linClrLst meth="repeat">
+      <a:schemeClr val="lt1"/>
+    </dgm:linClrLst>
+    <dgm:effectClrLst/>
+    <dgm:txLinClrLst/>
+    <dgm:txFillClrLst meth="repeat">
+      <a:schemeClr val="dk1"/>
+    </dgm:txFillClrLst>
+    <dgm:txEffectClrLst/>
+  </dgm:styleLbl>
+  <dgm:styleLbl name="revTx">
+    <dgm:fillClrLst meth="repeat">
+      <a:schemeClr val="lt1">
+        <a:alpha val="0"/>
+      </a:schemeClr>
+    </dgm:fillClrLst>
+    <dgm:linClrLst meth="repeat">
+      <a:schemeClr val="dk1">
+        <a:alpha val="0"/>
+      </a:schemeClr>
+    </dgm:linClrLst>
+    <dgm:effectClrLst/>
+    <dgm:txLinClrLst/>
+    <dgm:txFillClrLst meth="repeat">
+      <a:schemeClr val="tx1"/>
+    </dgm:txFillClrLst>
+    <dgm:txEffectClrLst/>
+  </dgm:styleLbl>
+</dgm:colorsDef>
+</file>
+
+<file path=ppt/diagrams/data1.xml><?xml version="1.0" encoding="utf-8"?>
+<dgm:dataModel xmlns:dgm="http://schemas.openxmlformats.org/drawingml/2006/diagram" xmlns:a="http://schemas.openxmlformats.org/drawingml/2006/main">
+  <dgm:ptLst>
+    <dgm:pt modelId="{23998742-4BBD-43F7-B1A2-870D934CA229}" type="doc">
+      <dgm:prSet loTypeId="urn:microsoft.com/office/officeart/2005/8/layout/process2" loCatId="process" qsTypeId="urn:microsoft.com/office/officeart/2005/8/quickstyle/simple1" qsCatId="simple" csTypeId="urn:microsoft.com/office/officeart/2005/8/colors/colorful2" csCatId="colorful" phldr="1"/>
+      <dgm:spPr/>
+    </dgm:pt>
+    <dgm:pt modelId="{49FBDD2D-5434-41EA-B3D9-FF84E4EA7F5D}">
+      <dgm:prSet phldrT="[Text]"/>
+      <dgm:spPr/>
+      <dgm:t>
+        <a:bodyPr/>
+        <a:lstStyle/>
+        <a:p>
+          <a:r>
+            <a:rPr lang="en-US" dirty="0" smtClean="0"/>
+            <a:t>Normalization</a:t>
+          </a:r>
+          <a:endParaRPr lang="en-US" dirty="0"/>
+        </a:p>
+      </dgm:t>
+    </dgm:pt>
+    <dgm:pt modelId="{64AFF25E-BA22-4583-ABB0-49E59A6D090C}" type="parTrans" cxnId="{923DAB01-36AF-47B3-A835-CA4CB6790AD9}">
+      <dgm:prSet/>
+      <dgm:spPr/>
+      <dgm:t>
+        <a:bodyPr/>
+        <a:lstStyle/>
+        <a:p>
+          <a:endParaRPr lang="en-US"/>
+        </a:p>
+      </dgm:t>
+    </dgm:pt>
+    <dgm:pt modelId="{28B1D34E-5BB4-4B64-8F51-A8381B28A5D5}" type="sibTrans" cxnId="{923DAB01-36AF-47B3-A835-CA4CB6790AD9}">
+      <dgm:prSet/>
+      <dgm:spPr/>
+      <dgm:t>
+        <a:bodyPr/>
+        <a:lstStyle/>
+        <a:p>
+          <a:endParaRPr lang="en-US"/>
+        </a:p>
+      </dgm:t>
+    </dgm:pt>
+    <dgm:pt modelId="{EEF3C39E-8495-4134-B514-6487C56E64AC}">
+      <dgm:prSet phldrT="[Text]"/>
+      <dgm:spPr/>
+      <dgm:t>
+        <a:bodyPr/>
+        <a:lstStyle/>
+        <a:p>
+          <a:r>
+            <a:rPr lang="en-US" dirty="0" smtClean="0"/>
+            <a:t>Aggregation</a:t>
+          </a:r>
+          <a:endParaRPr lang="en-US" dirty="0"/>
+        </a:p>
+      </dgm:t>
+    </dgm:pt>
+    <dgm:pt modelId="{2287A586-7323-4802-B95F-BD4AE63B5C06}" type="parTrans" cxnId="{D018266A-9493-4381-A490-C227183E1AF9}">
+      <dgm:prSet/>
+      <dgm:spPr/>
+      <dgm:t>
+        <a:bodyPr/>
+        <a:lstStyle/>
+        <a:p>
+          <a:endParaRPr lang="en-US"/>
+        </a:p>
+      </dgm:t>
+    </dgm:pt>
+    <dgm:pt modelId="{0FB765F9-7CCD-4649-9544-6E294EA3B136}" type="sibTrans" cxnId="{D018266A-9493-4381-A490-C227183E1AF9}">
+      <dgm:prSet/>
+      <dgm:spPr/>
+      <dgm:t>
+        <a:bodyPr/>
+        <a:lstStyle/>
+        <a:p>
+          <a:endParaRPr lang="en-US"/>
+        </a:p>
+      </dgm:t>
+    </dgm:pt>
+    <dgm:pt modelId="{11785EDA-36DF-4890-A9A6-8ABD1A7D5C8E}">
+      <dgm:prSet phldrT="[Text]"/>
+      <dgm:spPr/>
+      <dgm:t>
+        <a:bodyPr/>
+        <a:lstStyle/>
+        <a:p>
+          <a:r>
+            <a:rPr lang="en-US" dirty="0" smtClean="0"/>
+            <a:t>Correlation </a:t>
+          </a:r>
+          <a:endParaRPr lang="en-US" dirty="0"/>
+        </a:p>
+      </dgm:t>
+    </dgm:pt>
+    <dgm:pt modelId="{4FE1E032-9766-4C23-A8EF-5B4A29DFA2C5}" type="parTrans" cxnId="{4E74E5FA-CF84-4D20-AC39-6206BC8F4525}">
+      <dgm:prSet/>
+      <dgm:spPr/>
+      <dgm:t>
+        <a:bodyPr/>
+        <a:lstStyle/>
+        <a:p>
+          <a:endParaRPr lang="en-US"/>
+        </a:p>
+      </dgm:t>
+    </dgm:pt>
+    <dgm:pt modelId="{8B6C66CB-5E08-43B3-90EA-C5575A1882A3}" type="sibTrans" cxnId="{4E74E5FA-CF84-4D20-AC39-6206BC8F4525}">
+      <dgm:prSet/>
+      <dgm:spPr/>
+      <dgm:t>
+        <a:bodyPr/>
+        <a:lstStyle/>
+        <a:p>
+          <a:endParaRPr lang="en-US"/>
+        </a:p>
+      </dgm:t>
+    </dgm:pt>
+    <dgm:pt modelId="{DBA2EBF2-F309-4C88-949A-D834FC3FF4C8}">
+      <dgm:prSet phldrT="[Text]"/>
+      <dgm:spPr/>
+      <dgm:t>
+        <a:bodyPr/>
+        <a:lstStyle/>
+        <a:p>
+          <a:r>
+            <a:rPr lang="en-US" dirty="0" smtClean="0"/>
+            <a:t>Plan Recognition</a:t>
+          </a:r>
+          <a:endParaRPr lang="en-US" dirty="0"/>
+        </a:p>
+      </dgm:t>
+    </dgm:pt>
+    <dgm:pt modelId="{B45BC689-8C00-40E5-B637-6C1E5E22A68D}" type="parTrans" cxnId="{25761806-47AB-4938-8523-0B785324E083}">
+      <dgm:prSet/>
+      <dgm:spPr/>
+      <dgm:t>
+        <a:bodyPr/>
+        <a:lstStyle/>
+        <a:p>
+          <a:endParaRPr lang="en-US"/>
+        </a:p>
+      </dgm:t>
+    </dgm:pt>
+    <dgm:pt modelId="{8528CD55-FEA4-44CE-8B82-062FC119F7FF}" type="sibTrans" cxnId="{25761806-47AB-4938-8523-0B785324E083}">
+      <dgm:prSet/>
+      <dgm:spPr/>
+      <dgm:t>
+        <a:bodyPr/>
+        <a:lstStyle/>
+        <a:p>
+          <a:endParaRPr lang="en-US"/>
+        </a:p>
+      </dgm:t>
+    </dgm:pt>
+    <dgm:pt modelId="{851BDFD8-BA0B-4F05-90E6-F53E19C193AD}" type="pres">
+      <dgm:prSet presAssocID="{23998742-4BBD-43F7-B1A2-870D934CA229}" presName="linearFlow" presStyleCnt="0">
+        <dgm:presLayoutVars>
+          <dgm:resizeHandles val="exact"/>
+        </dgm:presLayoutVars>
+      </dgm:prSet>
+      <dgm:spPr/>
+    </dgm:pt>
+    <dgm:pt modelId="{3523C36A-AB47-4F55-A31F-111FCAC46EAA}" type="pres">
+      <dgm:prSet presAssocID="{49FBDD2D-5434-41EA-B3D9-FF84E4EA7F5D}" presName="node" presStyleLbl="node1" presStyleIdx="0" presStyleCnt="4">
+        <dgm:presLayoutVars>
+          <dgm:bulletEnabled val="1"/>
+        </dgm:presLayoutVars>
+      </dgm:prSet>
+      <dgm:spPr/>
+      <dgm:t>
+        <a:bodyPr/>
+        <a:lstStyle/>
+        <a:p>
+          <a:endParaRPr lang="en-US"/>
+        </a:p>
+      </dgm:t>
+    </dgm:pt>
+    <dgm:pt modelId="{78B39B4F-8243-4495-AD0D-98C4BFD43452}" type="pres">
+      <dgm:prSet presAssocID="{28B1D34E-5BB4-4B64-8F51-A8381B28A5D5}" presName="sibTrans" presStyleLbl="sibTrans2D1" presStyleIdx="0" presStyleCnt="3"/>
+      <dgm:spPr/>
+    </dgm:pt>
+    <dgm:pt modelId="{7B942F0A-8B36-4B97-B683-D6A08317A60B}" type="pres">
+      <dgm:prSet presAssocID="{28B1D34E-5BB4-4B64-8F51-A8381B28A5D5}" presName="connectorText" presStyleLbl="sibTrans2D1" presStyleIdx="0" presStyleCnt="3"/>
+      <dgm:spPr/>
+    </dgm:pt>
+    <dgm:pt modelId="{1535538B-9CD0-4EF0-BF52-9240D6B91807}" type="pres">
+      <dgm:prSet presAssocID="{EEF3C39E-8495-4134-B514-6487C56E64AC}" presName="node" presStyleLbl="node1" presStyleIdx="1" presStyleCnt="4">
+        <dgm:presLayoutVars>
+          <dgm:bulletEnabled val="1"/>
+        </dgm:presLayoutVars>
+      </dgm:prSet>
+      <dgm:spPr/>
+      <dgm:t>
+        <a:bodyPr/>
+        <a:lstStyle/>
+        <a:p>
+          <a:endParaRPr lang="en-US"/>
+        </a:p>
+      </dgm:t>
+    </dgm:pt>
+    <dgm:pt modelId="{14873FD1-2DF1-465E-9900-825947480A0F}" type="pres">
+      <dgm:prSet presAssocID="{0FB765F9-7CCD-4649-9544-6E294EA3B136}" presName="sibTrans" presStyleLbl="sibTrans2D1" presStyleIdx="1" presStyleCnt="3"/>
+      <dgm:spPr/>
+    </dgm:pt>
+    <dgm:pt modelId="{CD0DE361-82BA-438C-9E57-6F6BCD96BFED}" type="pres">
+      <dgm:prSet presAssocID="{0FB765F9-7CCD-4649-9544-6E294EA3B136}" presName="connectorText" presStyleLbl="sibTrans2D1" presStyleIdx="1" presStyleCnt="3"/>
+      <dgm:spPr/>
+    </dgm:pt>
+    <dgm:pt modelId="{6CE4265D-4B2A-4AFF-96AA-FE7775BED6E6}" type="pres">
+      <dgm:prSet presAssocID="{11785EDA-36DF-4890-A9A6-8ABD1A7D5C8E}" presName="node" presStyleLbl="node1" presStyleIdx="2" presStyleCnt="4">
+        <dgm:presLayoutVars>
+          <dgm:bulletEnabled val="1"/>
+        </dgm:presLayoutVars>
+      </dgm:prSet>
+      <dgm:spPr/>
+      <dgm:t>
+        <a:bodyPr/>
+        <a:lstStyle/>
+        <a:p>
+          <a:endParaRPr lang="en-US"/>
+        </a:p>
+      </dgm:t>
+    </dgm:pt>
+    <dgm:pt modelId="{3D541C11-6439-4A0D-8A27-D76F1477476E}" type="pres">
+      <dgm:prSet presAssocID="{8B6C66CB-5E08-43B3-90EA-C5575A1882A3}" presName="sibTrans" presStyleLbl="sibTrans2D1" presStyleIdx="2" presStyleCnt="3"/>
+      <dgm:spPr/>
+    </dgm:pt>
+    <dgm:pt modelId="{707473D7-C664-4E77-916A-02B14696AFFB}" type="pres">
+      <dgm:prSet presAssocID="{8B6C66CB-5E08-43B3-90EA-C5575A1882A3}" presName="connectorText" presStyleLbl="sibTrans2D1" presStyleIdx="2" presStyleCnt="3"/>
+      <dgm:spPr/>
+    </dgm:pt>
+    <dgm:pt modelId="{242843E8-8943-4163-A14F-4E005FCEA932}" type="pres">
+      <dgm:prSet presAssocID="{DBA2EBF2-F309-4C88-949A-D834FC3FF4C8}" presName="node" presStyleLbl="node1" presStyleIdx="3" presStyleCnt="4">
+        <dgm:presLayoutVars>
+          <dgm:bulletEnabled val="1"/>
+        </dgm:presLayoutVars>
+      </dgm:prSet>
+      <dgm:spPr/>
+    </dgm:pt>
+  </dgm:ptLst>
+  <dgm:cxnLst>
+    <dgm:cxn modelId="{8D214791-CDB1-44FB-B929-2E6EFFD46440}" type="presOf" srcId="{23998742-4BBD-43F7-B1A2-870D934CA229}" destId="{851BDFD8-BA0B-4F05-90E6-F53E19C193AD}" srcOrd="0" destOrd="0" presId="urn:microsoft.com/office/officeart/2005/8/layout/process2"/>
+    <dgm:cxn modelId="{25761806-47AB-4938-8523-0B785324E083}" srcId="{23998742-4BBD-43F7-B1A2-870D934CA229}" destId="{DBA2EBF2-F309-4C88-949A-D834FC3FF4C8}" srcOrd="3" destOrd="0" parTransId="{B45BC689-8C00-40E5-B637-6C1E5E22A68D}" sibTransId="{8528CD55-FEA4-44CE-8B82-062FC119F7FF}"/>
+    <dgm:cxn modelId="{D018266A-9493-4381-A490-C227183E1AF9}" srcId="{23998742-4BBD-43F7-B1A2-870D934CA229}" destId="{EEF3C39E-8495-4134-B514-6487C56E64AC}" srcOrd="1" destOrd="0" parTransId="{2287A586-7323-4802-B95F-BD4AE63B5C06}" sibTransId="{0FB765F9-7CCD-4649-9544-6E294EA3B136}"/>
+    <dgm:cxn modelId="{9CE69B85-3162-4752-AE4E-956552D17F1D}" type="presOf" srcId="{28B1D34E-5BB4-4B64-8F51-A8381B28A5D5}" destId="{7B942F0A-8B36-4B97-B683-D6A08317A60B}" srcOrd="1" destOrd="0" presId="urn:microsoft.com/office/officeart/2005/8/layout/process2"/>
+    <dgm:cxn modelId="{3C6877DB-0E8D-4D42-9A37-0B8068727D4E}" type="presOf" srcId="{8B6C66CB-5E08-43B3-90EA-C5575A1882A3}" destId="{3D541C11-6439-4A0D-8A27-D76F1477476E}" srcOrd="0" destOrd="0" presId="urn:microsoft.com/office/officeart/2005/8/layout/process2"/>
+    <dgm:cxn modelId="{3572159B-6416-4D45-BCA0-7F8072CAD668}" type="presOf" srcId="{EEF3C39E-8495-4134-B514-6487C56E64AC}" destId="{1535538B-9CD0-4EF0-BF52-9240D6B91807}" srcOrd="0" destOrd="0" presId="urn:microsoft.com/office/officeart/2005/8/layout/process2"/>
+    <dgm:cxn modelId="{37B8E611-E7AF-4083-8A33-A727ADF95740}" type="presOf" srcId="{DBA2EBF2-F309-4C88-949A-D834FC3FF4C8}" destId="{242843E8-8943-4163-A14F-4E005FCEA932}" srcOrd="0" destOrd="0" presId="urn:microsoft.com/office/officeart/2005/8/layout/process2"/>
+    <dgm:cxn modelId="{55F7BD7B-F0BD-454A-A90B-78C7A359F311}" type="presOf" srcId="{28B1D34E-5BB4-4B64-8F51-A8381B28A5D5}" destId="{78B39B4F-8243-4495-AD0D-98C4BFD43452}" srcOrd="0" destOrd="0" presId="urn:microsoft.com/office/officeart/2005/8/layout/process2"/>
+    <dgm:cxn modelId="{4019CE3F-04A1-4B26-AA1F-953EA2C093B7}" type="presOf" srcId="{8B6C66CB-5E08-43B3-90EA-C5575A1882A3}" destId="{707473D7-C664-4E77-916A-02B14696AFFB}" srcOrd="1" destOrd="0" presId="urn:microsoft.com/office/officeart/2005/8/layout/process2"/>
+    <dgm:cxn modelId="{8BFBD2C9-7589-45F8-8137-1341C8C1D1F0}" type="presOf" srcId="{0FB765F9-7CCD-4649-9544-6E294EA3B136}" destId="{CD0DE361-82BA-438C-9E57-6F6BCD96BFED}" srcOrd="1" destOrd="0" presId="urn:microsoft.com/office/officeart/2005/8/layout/process2"/>
+    <dgm:cxn modelId="{9094CA90-2D9A-4C54-BCB3-6A9816A11AE8}" type="presOf" srcId="{11785EDA-36DF-4890-A9A6-8ABD1A7D5C8E}" destId="{6CE4265D-4B2A-4AFF-96AA-FE7775BED6E6}" srcOrd="0" destOrd="0" presId="urn:microsoft.com/office/officeart/2005/8/layout/process2"/>
+    <dgm:cxn modelId="{923DAB01-36AF-47B3-A835-CA4CB6790AD9}" srcId="{23998742-4BBD-43F7-B1A2-870D934CA229}" destId="{49FBDD2D-5434-41EA-B3D9-FF84E4EA7F5D}" srcOrd="0" destOrd="0" parTransId="{64AFF25E-BA22-4583-ABB0-49E59A6D090C}" sibTransId="{28B1D34E-5BB4-4B64-8F51-A8381B28A5D5}"/>
+    <dgm:cxn modelId="{4E74E5FA-CF84-4D20-AC39-6206BC8F4525}" srcId="{23998742-4BBD-43F7-B1A2-870D934CA229}" destId="{11785EDA-36DF-4890-A9A6-8ABD1A7D5C8E}" srcOrd="2" destOrd="0" parTransId="{4FE1E032-9766-4C23-A8EF-5B4A29DFA2C5}" sibTransId="{8B6C66CB-5E08-43B3-90EA-C5575A1882A3}"/>
+    <dgm:cxn modelId="{6AA42718-4687-4161-8A14-790EEB334FA2}" type="presOf" srcId="{0FB765F9-7CCD-4649-9544-6E294EA3B136}" destId="{14873FD1-2DF1-465E-9900-825947480A0F}" srcOrd="0" destOrd="0" presId="urn:microsoft.com/office/officeart/2005/8/layout/process2"/>
+    <dgm:cxn modelId="{241DC1A3-CE8E-48CC-90EF-3FB9C315CB5B}" type="presOf" srcId="{49FBDD2D-5434-41EA-B3D9-FF84E4EA7F5D}" destId="{3523C36A-AB47-4F55-A31F-111FCAC46EAA}" srcOrd="0" destOrd="0" presId="urn:microsoft.com/office/officeart/2005/8/layout/process2"/>
+    <dgm:cxn modelId="{FDAC0524-A471-442F-96E5-A5EB9D0A2474}" type="presParOf" srcId="{851BDFD8-BA0B-4F05-90E6-F53E19C193AD}" destId="{3523C36A-AB47-4F55-A31F-111FCAC46EAA}" srcOrd="0" destOrd="0" presId="urn:microsoft.com/office/officeart/2005/8/layout/process2"/>
+    <dgm:cxn modelId="{2795EC43-B7A8-4F04-9C11-D54128B1DF54}" type="presParOf" srcId="{851BDFD8-BA0B-4F05-90E6-F53E19C193AD}" destId="{78B39B4F-8243-4495-AD0D-98C4BFD43452}" srcOrd="1" destOrd="0" presId="urn:microsoft.com/office/officeart/2005/8/layout/process2"/>
+    <dgm:cxn modelId="{7AE87B95-AEF4-4AF4-BE01-0EAA28B1A8FA}" type="presParOf" srcId="{78B39B4F-8243-4495-AD0D-98C4BFD43452}" destId="{7B942F0A-8B36-4B97-B683-D6A08317A60B}" srcOrd="0" destOrd="0" presId="urn:microsoft.com/office/officeart/2005/8/layout/process2"/>
+    <dgm:cxn modelId="{2C39D478-DF8B-4D6E-8955-5B1F0FCC9A67}" type="presParOf" srcId="{851BDFD8-BA0B-4F05-90E6-F53E19C193AD}" destId="{1535538B-9CD0-4EF0-BF52-9240D6B91807}" srcOrd="2" destOrd="0" presId="urn:microsoft.com/office/officeart/2005/8/layout/process2"/>
+    <dgm:cxn modelId="{21E01984-A616-47CF-B01F-6845963844FE}" type="presParOf" srcId="{851BDFD8-BA0B-4F05-90E6-F53E19C193AD}" destId="{14873FD1-2DF1-465E-9900-825947480A0F}" srcOrd="3" destOrd="0" presId="urn:microsoft.com/office/officeart/2005/8/layout/process2"/>
+    <dgm:cxn modelId="{D464A65E-8F98-4EBD-A53C-FBB0CC0630FC}" type="presParOf" srcId="{14873FD1-2DF1-465E-9900-825947480A0F}" destId="{CD0DE361-82BA-438C-9E57-6F6BCD96BFED}" srcOrd="0" destOrd="0" presId="urn:microsoft.com/office/officeart/2005/8/layout/process2"/>
+    <dgm:cxn modelId="{38694AA3-26F0-4BBB-9A65-66E025B94F4C}" type="presParOf" srcId="{851BDFD8-BA0B-4F05-90E6-F53E19C193AD}" destId="{6CE4265D-4B2A-4AFF-96AA-FE7775BED6E6}" srcOrd="4" destOrd="0" presId="urn:microsoft.com/office/officeart/2005/8/layout/process2"/>
+    <dgm:cxn modelId="{4E6CDA33-D02A-4B90-8402-024F588B35F0}" type="presParOf" srcId="{851BDFD8-BA0B-4F05-90E6-F53E19C193AD}" destId="{3D541C11-6439-4A0D-8A27-D76F1477476E}" srcOrd="5" destOrd="0" presId="urn:microsoft.com/office/officeart/2005/8/layout/process2"/>
+    <dgm:cxn modelId="{14875132-0CE0-4145-AE73-75BFFA80F552}" type="presParOf" srcId="{3D541C11-6439-4A0D-8A27-D76F1477476E}" destId="{707473D7-C664-4E77-916A-02B14696AFFB}" srcOrd="0" destOrd="0" presId="urn:microsoft.com/office/officeart/2005/8/layout/process2"/>
+    <dgm:cxn modelId="{1D07765B-455F-4A42-A5D5-1F01FB4506D7}" type="presParOf" srcId="{851BDFD8-BA0B-4F05-90E6-F53E19C193AD}" destId="{242843E8-8943-4163-A14F-4E005FCEA932}" srcOrd="6" destOrd="0" presId="urn:microsoft.com/office/officeart/2005/8/layout/process2"/>
+  </dgm:cxnLst>
+  <dgm:bg/>
+  <dgm:whole/>
+  <dgm:extLst>
+    <a:ext uri="http://schemas.microsoft.com/office/drawing/2008/diagram">
+      <dsp:dataModelExt xmlns:dsp="http://schemas.microsoft.com/office/drawing/2008/diagram" xmlns="" relId="rId6" minVer="http://schemas.openxmlformats.org/drawingml/2006/diagram"/>
+    </a:ext>
+  </dgm:extLst>
+</dgm:dataModel>
+</file>
+
+<file path=ppt/diagrams/data2.xml><?xml version="1.0" encoding="utf-8"?>
+<dgm:dataModel xmlns:dgm="http://schemas.openxmlformats.org/drawingml/2006/diagram" xmlns:a="http://schemas.openxmlformats.org/drawingml/2006/main">
+  <dgm:ptLst>
+    <dgm:pt modelId="{B1CB5D99-6742-40FC-A10B-12BD2728B500}" type="doc">
+      <dgm:prSet loTypeId="urn:microsoft.com/office/officeart/2005/8/layout/process2" loCatId="process" qsTypeId="urn:microsoft.com/office/officeart/2005/8/quickstyle/simple1" qsCatId="simple" csTypeId="urn:microsoft.com/office/officeart/2005/8/colors/colorful5" csCatId="colorful" phldr="1"/>
+      <dgm:spPr/>
+    </dgm:pt>
+    <dgm:pt modelId="{581F49E0-2C89-4FF7-AC7D-3933500476D4}">
+      <dgm:prSet phldrT="[Text]"/>
+      <dgm:spPr/>
+      <dgm:t>
+        <a:bodyPr/>
+        <a:lstStyle/>
+        <a:p>
+          <a:r>
+            <a:rPr lang="en-US" dirty="0" smtClean="0"/>
+            <a:t>Server’s Info Collecting</a:t>
+          </a:r>
+          <a:endParaRPr lang="en-US" dirty="0"/>
+        </a:p>
+      </dgm:t>
+    </dgm:pt>
+    <dgm:pt modelId="{2BB5FE24-C5A9-48D7-973A-8F8FF91426D1}" type="parTrans" cxnId="{9022E27D-5F16-4AE9-A6D7-8F7A6CA6678F}">
+      <dgm:prSet/>
+      <dgm:spPr/>
+      <dgm:t>
+        <a:bodyPr/>
+        <a:lstStyle/>
+        <a:p>
+          <a:endParaRPr lang="en-US"/>
+        </a:p>
+      </dgm:t>
+    </dgm:pt>
+    <dgm:pt modelId="{B3D01DF0-BC95-4084-9A59-A851C8910303}" type="sibTrans" cxnId="{9022E27D-5F16-4AE9-A6D7-8F7A6CA6678F}">
+      <dgm:prSet/>
+      <dgm:spPr/>
+      <dgm:t>
+        <a:bodyPr/>
+        <a:lstStyle/>
+        <a:p>
+          <a:endParaRPr lang="en-US"/>
+        </a:p>
+      </dgm:t>
+    </dgm:pt>
+    <dgm:pt modelId="{1B43A58A-4247-4AE7-A46E-DBEEF4C3344A}">
+      <dgm:prSet phldrT="[Text]"/>
+      <dgm:spPr/>
+      <dgm:t>
+        <a:bodyPr/>
+        <a:lstStyle/>
+        <a:p>
+          <a:r>
+            <a:rPr lang="en-US" dirty="0" smtClean="0"/>
+            <a:t>Vulnerability Matching</a:t>
+          </a:r>
+          <a:endParaRPr lang="en-US" dirty="0"/>
+        </a:p>
+      </dgm:t>
+    </dgm:pt>
+    <dgm:pt modelId="{8448BEF2-7017-4F46-8413-B2E7716E1FA6}" type="parTrans" cxnId="{8A22AA56-03C7-4746-94D3-19A05D72E567}">
+      <dgm:prSet/>
+      <dgm:spPr/>
+      <dgm:t>
+        <a:bodyPr/>
+        <a:lstStyle/>
+        <a:p>
+          <a:endParaRPr lang="en-US"/>
+        </a:p>
+      </dgm:t>
+    </dgm:pt>
+    <dgm:pt modelId="{C494BF8C-56BE-4914-BC83-3475156C2858}" type="sibTrans" cxnId="{8A22AA56-03C7-4746-94D3-19A05D72E567}">
+      <dgm:prSet/>
+      <dgm:spPr/>
+      <dgm:t>
+        <a:bodyPr/>
+        <a:lstStyle/>
+        <a:p>
+          <a:endParaRPr lang="en-US"/>
+        </a:p>
+      </dgm:t>
+    </dgm:pt>
+    <dgm:pt modelId="{5B2EE7E7-C068-40B0-A82C-49F6463252E8}">
+      <dgm:prSet phldrT="[Text]"/>
+      <dgm:spPr/>
+      <dgm:t>
+        <a:bodyPr/>
+        <a:lstStyle/>
+        <a:p>
+          <a:r>
+            <a:rPr lang="en-US" dirty="0" smtClean="0"/>
+            <a:t>Vulnerability</a:t>
+          </a:r>
+          <a:endParaRPr lang="en-US" dirty="0"/>
+        </a:p>
+      </dgm:t>
+    </dgm:pt>
+    <dgm:pt modelId="{ACAC5174-30F0-4B41-8180-CF691EC11436}" type="parTrans" cxnId="{7B34395E-07B6-4272-82B4-B3BD2BBA5CB8}">
+      <dgm:prSet/>
+      <dgm:spPr/>
+      <dgm:t>
+        <a:bodyPr/>
+        <a:lstStyle/>
+        <a:p>
+          <a:endParaRPr lang="en-US"/>
+        </a:p>
+      </dgm:t>
+    </dgm:pt>
+    <dgm:pt modelId="{D93F0A5B-924C-4374-820E-A4B00EE31B09}" type="sibTrans" cxnId="{7B34395E-07B6-4272-82B4-B3BD2BBA5CB8}">
+      <dgm:prSet/>
+      <dgm:spPr/>
+      <dgm:t>
+        <a:bodyPr/>
+        <a:lstStyle/>
+        <a:p>
+          <a:endParaRPr lang="en-US"/>
+        </a:p>
+      </dgm:t>
+    </dgm:pt>
+    <dgm:pt modelId="{9B8F64F6-BD20-4856-9388-8398A2DC5657}" type="pres">
+      <dgm:prSet presAssocID="{B1CB5D99-6742-40FC-A10B-12BD2728B500}" presName="linearFlow" presStyleCnt="0">
+        <dgm:presLayoutVars>
+          <dgm:resizeHandles val="exact"/>
+        </dgm:presLayoutVars>
+      </dgm:prSet>
+      <dgm:spPr/>
+    </dgm:pt>
+    <dgm:pt modelId="{AC790EEB-76D9-4013-A164-1B4F9603D8DF}" type="pres">
+      <dgm:prSet presAssocID="{581F49E0-2C89-4FF7-AC7D-3933500476D4}" presName="node" presStyleLbl="node1" presStyleIdx="0" presStyleCnt="3">
+        <dgm:presLayoutVars>
+          <dgm:bulletEnabled val="1"/>
+        </dgm:presLayoutVars>
+      </dgm:prSet>
+      <dgm:spPr/>
+      <dgm:t>
+        <a:bodyPr/>
+        <a:lstStyle/>
+        <a:p>
+          <a:endParaRPr lang="en-US"/>
+        </a:p>
+      </dgm:t>
+    </dgm:pt>
+    <dgm:pt modelId="{072A762C-51F0-4055-94D2-C720D4C9D459}" type="pres">
+      <dgm:prSet presAssocID="{B3D01DF0-BC95-4084-9A59-A851C8910303}" presName="sibTrans" presStyleLbl="sibTrans2D1" presStyleIdx="0" presStyleCnt="2"/>
+      <dgm:spPr/>
+    </dgm:pt>
+    <dgm:pt modelId="{5E414EBC-5322-49B3-8B27-1EDD20ADDF7D}" type="pres">
+      <dgm:prSet presAssocID="{B3D01DF0-BC95-4084-9A59-A851C8910303}" presName="connectorText" presStyleLbl="sibTrans2D1" presStyleIdx="0" presStyleCnt="2"/>
+      <dgm:spPr/>
+    </dgm:pt>
+    <dgm:pt modelId="{306D4E32-DF30-4880-B79C-BEC857088537}" type="pres">
+      <dgm:prSet presAssocID="{1B43A58A-4247-4AE7-A46E-DBEEF4C3344A}" presName="node" presStyleLbl="node1" presStyleIdx="1" presStyleCnt="3">
+        <dgm:presLayoutVars>
+          <dgm:bulletEnabled val="1"/>
+        </dgm:presLayoutVars>
+      </dgm:prSet>
+      <dgm:spPr/>
+    </dgm:pt>
+    <dgm:pt modelId="{7A403E1D-BDD6-4B22-A6BA-A3075059EF21}" type="pres">
+      <dgm:prSet presAssocID="{C494BF8C-56BE-4914-BC83-3475156C2858}" presName="sibTrans" presStyleLbl="sibTrans2D1" presStyleIdx="1" presStyleCnt="2"/>
+      <dgm:spPr/>
+    </dgm:pt>
+    <dgm:pt modelId="{0373289B-1356-449E-897C-65660BC4CE5E}" type="pres">
+      <dgm:prSet presAssocID="{C494BF8C-56BE-4914-BC83-3475156C2858}" presName="connectorText" presStyleLbl="sibTrans2D1" presStyleIdx="1" presStyleCnt="2"/>
+      <dgm:spPr/>
+    </dgm:pt>
+    <dgm:pt modelId="{AFE8A85C-8D3B-4E37-A0CD-756D56FAA3B3}" type="pres">
+      <dgm:prSet presAssocID="{5B2EE7E7-C068-40B0-A82C-49F6463252E8}" presName="node" presStyleLbl="node1" presStyleIdx="2" presStyleCnt="3">
+        <dgm:presLayoutVars>
+          <dgm:bulletEnabled val="1"/>
+        </dgm:presLayoutVars>
+      </dgm:prSet>
+      <dgm:spPr/>
+    </dgm:pt>
+  </dgm:ptLst>
+  <dgm:cxnLst>
+    <dgm:cxn modelId="{43219238-10EE-49CA-B9D3-3265E6994061}" type="presOf" srcId="{581F49E0-2C89-4FF7-AC7D-3933500476D4}" destId="{AC790EEB-76D9-4013-A164-1B4F9603D8DF}" srcOrd="0" destOrd="0" presId="urn:microsoft.com/office/officeart/2005/8/layout/process2"/>
+    <dgm:cxn modelId="{2553DDD7-3617-4A3D-9F10-522FA4123239}" type="presOf" srcId="{B1CB5D99-6742-40FC-A10B-12BD2728B500}" destId="{9B8F64F6-BD20-4856-9388-8398A2DC5657}" srcOrd="0" destOrd="0" presId="urn:microsoft.com/office/officeart/2005/8/layout/process2"/>
+    <dgm:cxn modelId="{65A0452D-4372-4325-AEB2-FBFDD9FC1310}" type="presOf" srcId="{B3D01DF0-BC95-4084-9A59-A851C8910303}" destId="{5E414EBC-5322-49B3-8B27-1EDD20ADDF7D}" srcOrd="1" destOrd="0" presId="urn:microsoft.com/office/officeart/2005/8/layout/process2"/>
+    <dgm:cxn modelId="{8A22AA56-03C7-4746-94D3-19A05D72E567}" srcId="{B1CB5D99-6742-40FC-A10B-12BD2728B500}" destId="{1B43A58A-4247-4AE7-A46E-DBEEF4C3344A}" srcOrd="1" destOrd="0" parTransId="{8448BEF2-7017-4F46-8413-B2E7716E1FA6}" sibTransId="{C494BF8C-56BE-4914-BC83-3475156C2858}"/>
+    <dgm:cxn modelId="{A9C2A520-E3E4-49E2-B2C9-7B8B00FD349F}" type="presOf" srcId="{C494BF8C-56BE-4914-BC83-3475156C2858}" destId="{0373289B-1356-449E-897C-65660BC4CE5E}" srcOrd="1" destOrd="0" presId="urn:microsoft.com/office/officeart/2005/8/layout/process2"/>
+    <dgm:cxn modelId="{9022E27D-5F16-4AE9-A6D7-8F7A6CA6678F}" srcId="{B1CB5D99-6742-40FC-A10B-12BD2728B500}" destId="{581F49E0-2C89-4FF7-AC7D-3933500476D4}" srcOrd="0" destOrd="0" parTransId="{2BB5FE24-C5A9-48D7-973A-8F8FF91426D1}" sibTransId="{B3D01DF0-BC95-4084-9A59-A851C8910303}"/>
+    <dgm:cxn modelId="{7B34395E-07B6-4272-82B4-B3BD2BBA5CB8}" srcId="{B1CB5D99-6742-40FC-A10B-12BD2728B500}" destId="{5B2EE7E7-C068-40B0-A82C-49F6463252E8}" srcOrd="2" destOrd="0" parTransId="{ACAC5174-30F0-4B41-8180-CF691EC11436}" sibTransId="{D93F0A5B-924C-4374-820E-A4B00EE31B09}"/>
+    <dgm:cxn modelId="{465A6786-8341-4F16-A1B9-2456C5B296F9}" type="presOf" srcId="{C494BF8C-56BE-4914-BC83-3475156C2858}" destId="{7A403E1D-BDD6-4B22-A6BA-A3075059EF21}" srcOrd="0" destOrd="0" presId="urn:microsoft.com/office/officeart/2005/8/layout/process2"/>
+    <dgm:cxn modelId="{B1C04021-523C-43DF-98FA-DA4D96A18BC0}" type="presOf" srcId="{B3D01DF0-BC95-4084-9A59-A851C8910303}" destId="{072A762C-51F0-4055-94D2-C720D4C9D459}" srcOrd="0" destOrd="0" presId="urn:microsoft.com/office/officeart/2005/8/layout/process2"/>
+    <dgm:cxn modelId="{43833C73-ABA2-462B-A6DA-1E32E8AFC5BA}" type="presOf" srcId="{1B43A58A-4247-4AE7-A46E-DBEEF4C3344A}" destId="{306D4E32-DF30-4880-B79C-BEC857088537}" srcOrd="0" destOrd="0" presId="urn:microsoft.com/office/officeart/2005/8/layout/process2"/>
+    <dgm:cxn modelId="{B0AD56ED-8FA3-4368-B787-65FC72C2A9DB}" type="presOf" srcId="{5B2EE7E7-C068-40B0-A82C-49F6463252E8}" destId="{AFE8A85C-8D3B-4E37-A0CD-756D56FAA3B3}" srcOrd="0" destOrd="0" presId="urn:microsoft.com/office/officeart/2005/8/layout/process2"/>
+    <dgm:cxn modelId="{8997DC26-1832-48EF-BE8C-C42F3BFDBB92}" type="presParOf" srcId="{9B8F64F6-BD20-4856-9388-8398A2DC5657}" destId="{AC790EEB-76D9-4013-A164-1B4F9603D8DF}" srcOrd="0" destOrd="0" presId="urn:microsoft.com/office/officeart/2005/8/layout/process2"/>
+    <dgm:cxn modelId="{50925685-DB8B-4079-BB7A-868B1013184C}" type="presParOf" srcId="{9B8F64F6-BD20-4856-9388-8398A2DC5657}" destId="{072A762C-51F0-4055-94D2-C720D4C9D459}" srcOrd="1" destOrd="0" presId="urn:microsoft.com/office/officeart/2005/8/layout/process2"/>
+    <dgm:cxn modelId="{F601BB35-F2B6-4629-AFD5-871582F21DA1}" type="presParOf" srcId="{072A762C-51F0-4055-94D2-C720D4C9D459}" destId="{5E414EBC-5322-49B3-8B27-1EDD20ADDF7D}" srcOrd="0" destOrd="0" presId="urn:microsoft.com/office/officeart/2005/8/layout/process2"/>
+    <dgm:cxn modelId="{DD0D03E8-03B5-4484-986C-27254F5C9F2C}" type="presParOf" srcId="{9B8F64F6-BD20-4856-9388-8398A2DC5657}" destId="{306D4E32-DF30-4880-B79C-BEC857088537}" srcOrd="2" destOrd="0" presId="urn:microsoft.com/office/officeart/2005/8/layout/process2"/>
+    <dgm:cxn modelId="{D8018541-ADF6-4679-9DC5-327B1EB44C01}" type="presParOf" srcId="{9B8F64F6-BD20-4856-9388-8398A2DC5657}" destId="{7A403E1D-BDD6-4B22-A6BA-A3075059EF21}" srcOrd="3" destOrd="0" presId="urn:microsoft.com/office/officeart/2005/8/layout/process2"/>
+    <dgm:cxn modelId="{9599D3E6-CDED-4C5D-B435-B78FC4DDB21B}" type="presParOf" srcId="{7A403E1D-BDD6-4B22-A6BA-A3075059EF21}" destId="{0373289B-1356-449E-897C-65660BC4CE5E}" srcOrd="0" destOrd="0" presId="urn:microsoft.com/office/officeart/2005/8/layout/process2"/>
+    <dgm:cxn modelId="{147F0D41-DE9D-47D4-BFD2-C8E1417DAD30}" type="presParOf" srcId="{9B8F64F6-BD20-4856-9388-8398A2DC5657}" destId="{AFE8A85C-8D3B-4E37-A0CD-756D56FAA3B3}" srcOrd="4" destOrd="0" presId="urn:microsoft.com/office/officeart/2005/8/layout/process2"/>
+  </dgm:cxnLst>
+  <dgm:bg/>
+  <dgm:whole/>
+  <dgm:extLst>
+    <a:ext uri="http://schemas.microsoft.com/office/drawing/2008/diagram">
+      <dsp:dataModelExt xmlns:dsp="http://schemas.microsoft.com/office/drawing/2008/diagram" xmlns="" relId="rId6" minVer="http://schemas.openxmlformats.org/drawingml/2006/diagram"/>
+    </a:ext>
+  </dgm:extLst>
+</dgm:dataModel>
+</file>
+
+<file path=ppt/diagrams/drawing1.xml><?xml version="1.0" encoding="utf-8"?>
+<dsp:drawing xmlns:dgm="http://schemas.openxmlformats.org/drawingml/2006/diagram" xmlns:a="http://schemas.openxmlformats.org/drawingml/2006/main" xmlns:dsp="http://schemas.microsoft.com/office/drawing/2008/diagram">
+  <dsp:spTree>
+    <dsp:nvGrpSpPr>
+      <dsp:cNvPr id="0" name=""/>
+      <dsp:cNvGrpSpPr/>
+    </dsp:nvGrpSpPr>
+    <dsp:grpSpPr/>
+    <dsp:sp modelId="{3523C36A-AB47-4F55-A31F-111FCAC46EAA}">
+      <dsp:nvSpPr>
+        <dsp:cNvPr id="0" name=""/>
+        <dsp:cNvSpPr/>
+      </dsp:nvSpPr>
+      <dsp:spPr>
+        <a:xfrm>
+          <a:off x="3346651" y="2209"/>
+          <a:ext cx="1536297" cy="822098"/>
+        </a:xfrm>
+        <a:prstGeom prst="roundRect">
+          <a:avLst>
+            <a:gd name="adj" fmla="val 10000"/>
+          </a:avLst>
+        </a:prstGeom>
+        <a:solidFill>
+          <a:schemeClr val="accent2">
+            <a:hueOff val="0"/>
+            <a:satOff val="0"/>
+            <a:lumOff val="0"/>
+            <a:alphaOff val="0"/>
+          </a:schemeClr>
+        </a:solidFill>
+        <a:ln w="25400" cap="flat" cmpd="sng" algn="ctr">
+          <a:solidFill>
+            <a:schemeClr val="lt1">
+              <a:hueOff val="0"/>
+              <a:satOff val="0"/>
+              <a:lumOff val="0"/>
+              <a:alphaOff val="0"/>
+            </a:schemeClr>
+          </a:solidFill>
+          <a:prstDash val="solid"/>
+        </a:ln>
+        <a:effectLst/>
+      </dsp:spPr>
+      <dsp:style>
+        <a:lnRef idx="2">
+          <a:scrgbClr r="0" g="0" b="0"/>
+        </a:lnRef>
+        <a:fillRef idx="1">
+          <a:scrgbClr r="0" g="0" b="0"/>
+        </a:fillRef>
+        <a:effectRef idx="0">
+          <a:scrgbClr r="0" g="0" b="0"/>
+        </a:effectRef>
+        <a:fontRef idx="minor">
+          <a:schemeClr val="lt1"/>
+        </a:fontRef>
+      </dsp:style>
+      <dsp:txBody>
+        <a:bodyPr spcFirstLastPara="0" vert="horz" wrap="square" lIns="68580" tIns="68580" rIns="68580" bIns="68580" numCol="1" spcCol="1270" anchor="ctr" anchorCtr="0">
+          <a:noAutofit/>
+        </a:bodyPr>
+        <a:lstStyle/>
+        <a:p>
+          <a:pPr lvl="0" algn="ctr" defTabSz="800100">
+            <a:lnSpc>
+              <a:spcPct val="90000"/>
+            </a:lnSpc>
+            <a:spcBef>
+              <a:spcPct val="0"/>
+            </a:spcBef>
+            <a:spcAft>
+              <a:spcPct val="35000"/>
+            </a:spcAft>
+          </a:pPr>
+          <a:r>
+            <a:rPr lang="en-US" sz="1800" kern="1200" dirty="0" smtClean="0"/>
+            <a:t>Normalization</a:t>
+          </a:r>
+          <a:endParaRPr lang="en-US" sz="1800" kern="1200" dirty="0"/>
+        </a:p>
+      </dsp:txBody>
+      <dsp:txXfrm>
+        <a:off x="3346651" y="2209"/>
+        <a:ext cx="1536297" cy="822098"/>
+      </dsp:txXfrm>
+    </dsp:sp>
+    <dsp:sp modelId="{78B39B4F-8243-4495-AD0D-98C4BFD43452}">
+      <dsp:nvSpPr>
+        <dsp:cNvPr id="0" name=""/>
+        <dsp:cNvSpPr/>
+      </dsp:nvSpPr>
+      <dsp:spPr>
+        <a:xfrm rot="5400000">
+          <a:off x="3960656" y="844861"/>
+          <a:ext cx="308287" cy="369944"/>
+        </a:xfrm>
+        <a:prstGeom prst="rightArrow">
+          <a:avLst>
+            <a:gd name="adj1" fmla="val 60000"/>
+            <a:gd name="adj2" fmla="val 50000"/>
+          </a:avLst>
+        </a:prstGeom>
+        <a:solidFill>
+          <a:schemeClr val="accent2">
+            <a:hueOff val="0"/>
+            <a:satOff val="0"/>
+            <a:lumOff val="0"/>
+            <a:alphaOff val="0"/>
+          </a:schemeClr>
+        </a:solidFill>
+        <a:ln>
+          <a:noFill/>
+        </a:ln>
+        <a:effectLst/>
+      </dsp:spPr>
+      <dsp:style>
+        <a:lnRef idx="0">
+          <a:scrgbClr r="0" g="0" b="0"/>
+        </a:lnRef>
+        <a:fillRef idx="1">
+          <a:scrgbClr r="0" g="0" b="0"/>
+        </a:fillRef>
+        <a:effectRef idx="0">
+          <a:scrgbClr r="0" g="0" b="0"/>
+        </a:effectRef>
+        <a:fontRef idx="minor">
+          <a:schemeClr val="lt1"/>
+        </a:fontRef>
+      </dsp:style>
+      <dsp:txBody>
+        <a:bodyPr spcFirstLastPara="0" vert="horz" wrap="square" lIns="0" tIns="0" rIns="0" bIns="0" numCol="1" spcCol="1270" anchor="ctr" anchorCtr="0">
+          <a:noAutofit/>
+        </a:bodyPr>
+        <a:lstStyle/>
+        <a:p>
+          <a:pPr lvl="0" algn="ctr" defTabSz="622300">
+            <a:lnSpc>
+              <a:spcPct val="90000"/>
+            </a:lnSpc>
+            <a:spcBef>
+              <a:spcPct val="0"/>
+            </a:spcBef>
+            <a:spcAft>
+              <a:spcPct val="35000"/>
+            </a:spcAft>
+          </a:pPr>
+          <a:endParaRPr lang="en-US" sz="1400" kern="1200"/>
+        </a:p>
+      </dsp:txBody>
+      <dsp:txXfrm rot="5400000">
+        <a:off x="3960656" y="844861"/>
+        <a:ext cx="308287" cy="369944"/>
+      </dsp:txXfrm>
+    </dsp:sp>
+    <dsp:sp modelId="{1535538B-9CD0-4EF0-BF52-9240D6B91807}">
+      <dsp:nvSpPr>
+        <dsp:cNvPr id="0" name=""/>
+        <dsp:cNvSpPr/>
+      </dsp:nvSpPr>
+      <dsp:spPr>
+        <a:xfrm>
+          <a:off x="3346651" y="1235358"/>
+          <a:ext cx="1536297" cy="822098"/>
+        </a:xfrm>
+        <a:prstGeom prst="roundRect">
+          <a:avLst>
+            <a:gd name="adj" fmla="val 10000"/>
+          </a:avLst>
+        </a:prstGeom>
+        <a:solidFill>
+          <a:schemeClr val="accent2">
+            <a:hueOff val="1560506"/>
+            <a:satOff val="-1946"/>
+            <a:lumOff val="458"/>
+            <a:alphaOff val="0"/>
+          </a:schemeClr>
+        </a:solidFill>
+        <a:ln w="25400" cap="flat" cmpd="sng" algn="ctr">
+          <a:solidFill>
+            <a:schemeClr val="lt1">
+              <a:hueOff val="0"/>
+              <a:satOff val="0"/>
+              <a:lumOff val="0"/>
+              <a:alphaOff val="0"/>
+            </a:schemeClr>
+          </a:solidFill>
+          <a:prstDash val="solid"/>
+        </a:ln>
+        <a:effectLst/>
+      </dsp:spPr>
+      <dsp:style>
+        <a:lnRef idx="2">
+          <a:scrgbClr r="0" g="0" b="0"/>
+        </a:lnRef>
+        <a:fillRef idx="1">
+          <a:scrgbClr r="0" g="0" b="0"/>
+        </a:fillRef>
+        <a:effectRef idx="0">
+          <a:scrgbClr r="0" g="0" b="0"/>
+        </a:effectRef>
+        <a:fontRef idx="minor">
+          <a:schemeClr val="lt1"/>
+        </a:fontRef>
+      </dsp:style>
+      <dsp:txBody>
+        <a:bodyPr spcFirstLastPara="0" vert="horz" wrap="square" lIns="68580" tIns="68580" rIns="68580" bIns="68580" numCol="1" spcCol="1270" anchor="ctr" anchorCtr="0">
+          <a:noAutofit/>
+        </a:bodyPr>
+        <a:lstStyle/>
+        <a:p>
+          <a:pPr lvl="0" algn="ctr" defTabSz="800100">
+            <a:lnSpc>
+              <a:spcPct val="90000"/>
+            </a:lnSpc>
+            <a:spcBef>
+              <a:spcPct val="0"/>
+            </a:spcBef>
+            <a:spcAft>
+              <a:spcPct val="35000"/>
+            </a:spcAft>
+          </a:pPr>
+          <a:r>
+            <a:rPr lang="en-US" sz="1800" kern="1200" dirty="0" smtClean="0"/>
+            <a:t>Aggregation</a:t>
+          </a:r>
+          <a:endParaRPr lang="en-US" sz="1800" kern="1200" dirty="0"/>
+        </a:p>
+      </dsp:txBody>
+      <dsp:txXfrm>
+        <a:off x="3346651" y="1235358"/>
+        <a:ext cx="1536297" cy="822098"/>
+      </dsp:txXfrm>
+    </dsp:sp>
+    <dsp:sp modelId="{14873FD1-2DF1-465E-9900-825947480A0F}">
+      <dsp:nvSpPr>
+        <dsp:cNvPr id="0" name=""/>
+        <dsp:cNvSpPr/>
+      </dsp:nvSpPr>
+      <dsp:spPr>
+        <a:xfrm rot="5400000">
+          <a:off x="3960656" y="2078009"/>
+          <a:ext cx="308287" cy="369944"/>
+        </a:xfrm>
+        <a:prstGeom prst="rightArrow">
+          <a:avLst>
+            <a:gd name="adj1" fmla="val 60000"/>
+            <a:gd name="adj2" fmla="val 50000"/>
+          </a:avLst>
+        </a:prstGeom>
+        <a:solidFill>
+          <a:schemeClr val="accent2">
+            <a:hueOff val="2340759"/>
+            <a:satOff val="-2919"/>
+            <a:lumOff val="686"/>
+            <a:alphaOff val="0"/>
+          </a:schemeClr>
+        </a:solidFill>
+        <a:ln>
+          <a:noFill/>
+        </a:ln>
+        <a:effectLst/>
+      </dsp:spPr>
+      <dsp:style>
+        <a:lnRef idx="0">
+          <a:scrgbClr r="0" g="0" b="0"/>
+        </a:lnRef>
+        <a:fillRef idx="1">
+          <a:scrgbClr r="0" g="0" b="0"/>
+        </a:fillRef>
+        <a:effectRef idx="0">
+          <a:scrgbClr r="0" g="0" b="0"/>
+        </a:effectRef>
+        <a:fontRef idx="minor">
+          <a:schemeClr val="lt1"/>
+        </a:fontRef>
+      </dsp:style>
+      <dsp:txBody>
+        <a:bodyPr spcFirstLastPara="0" vert="horz" wrap="square" lIns="0" tIns="0" rIns="0" bIns="0" numCol="1" spcCol="1270" anchor="ctr" anchorCtr="0">
+          <a:noAutofit/>
+        </a:bodyPr>
+        <a:lstStyle/>
+        <a:p>
+          <a:pPr lvl="0" algn="ctr" defTabSz="622300">
+            <a:lnSpc>
+              <a:spcPct val="90000"/>
+            </a:lnSpc>
+            <a:spcBef>
+              <a:spcPct val="0"/>
+            </a:spcBef>
+            <a:spcAft>
+              <a:spcPct val="35000"/>
+            </a:spcAft>
+          </a:pPr>
+          <a:endParaRPr lang="en-US" sz="1400" kern="1200"/>
+        </a:p>
+      </dsp:txBody>
+      <dsp:txXfrm rot="5400000">
+        <a:off x="3960656" y="2078009"/>
+        <a:ext cx="308287" cy="369944"/>
+      </dsp:txXfrm>
+    </dsp:sp>
+    <dsp:sp modelId="{6CE4265D-4B2A-4AFF-96AA-FE7775BED6E6}">
+      <dsp:nvSpPr>
+        <dsp:cNvPr id="0" name=""/>
+        <dsp:cNvSpPr/>
+      </dsp:nvSpPr>
+      <dsp:spPr>
+        <a:xfrm>
+          <a:off x="3346651" y="2468506"/>
+          <a:ext cx="1536297" cy="822098"/>
+        </a:xfrm>
+        <a:prstGeom prst="roundRect">
+          <a:avLst>
+            <a:gd name="adj" fmla="val 10000"/>
+          </a:avLst>
+        </a:prstGeom>
+        <a:solidFill>
+          <a:schemeClr val="accent2">
+            <a:hueOff val="3121013"/>
+            <a:satOff val="-3893"/>
+            <a:lumOff val="915"/>
+            <a:alphaOff val="0"/>
+          </a:schemeClr>
+        </a:solidFill>
+        <a:ln w="25400" cap="flat" cmpd="sng" algn="ctr">
+          <a:solidFill>
+            <a:schemeClr val="lt1">
+              <a:hueOff val="0"/>
+              <a:satOff val="0"/>
+              <a:lumOff val="0"/>
+              <a:alphaOff val="0"/>
+            </a:schemeClr>
+          </a:solidFill>
+          <a:prstDash val="solid"/>
+        </a:ln>
+        <a:effectLst/>
+      </dsp:spPr>
+      <dsp:style>
+        <a:lnRef idx="2">
+          <a:scrgbClr r="0" g="0" b="0"/>
+        </a:lnRef>
+        <a:fillRef idx="1">
+          <a:scrgbClr r="0" g="0" b="0"/>
+        </a:fillRef>
+        <a:effectRef idx="0">
+          <a:scrgbClr r="0" g="0" b="0"/>
+        </a:effectRef>
+        <a:fontRef idx="minor">
+          <a:schemeClr val="lt1"/>
+        </a:fontRef>
+      </dsp:style>
+      <dsp:txBody>
+        <a:bodyPr spcFirstLastPara="0" vert="horz" wrap="square" lIns="68580" tIns="68580" rIns="68580" bIns="68580" numCol="1" spcCol="1270" anchor="ctr" anchorCtr="0">
+          <a:noAutofit/>
+        </a:bodyPr>
+        <a:lstStyle/>
+        <a:p>
+          <a:pPr lvl="0" algn="ctr" defTabSz="800100">
+            <a:lnSpc>
+              <a:spcPct val="90000"/>
+            </a:lnSpc>
+            <a:spcBef>
+              <a:spcPct val="0"/>
+            </a:spcBef>
+            <a:spcAft>
+              <a:spcPct val="35000"/>
+            </a:spcAft>
+          </a:pPr>
+          <a:r>
+            <a:rPr lang="en-US" sz="1800" kern="1200" dirty="0" smtClean="0"/>
+            <a:t>Correlation </a:t>
+          </a:r>
+          <a:endParaRPr lang="en-US" sz="1800" kern="1200" dirty="0"/>
+        </a:p>
+      </dsp:txBody>
+      <dsp:txXfrm>
+        <a:off x="3346651" y="2468506"/>
+        <a:ext cx="1536297" cy="822098"/>
+      </dsp:txXfrm>
+    </dsp:sp>
+    <dsp:sp modelId="{3D541C11-6439-4A0D-8A27-D76F1477476E}">
+      <dsp:nvSpPr>
+        <dsp:cNvPr id="0" name=""/>
+        <dsp:cNvSpPr/>
+      </dsp:nvSpPr>
+      <dsp:spPr>
+        <a:xfrm rot="5400000">
+          <a:off x="3960656" y="3311157"/>
+          <a:ext cx="308287" cy="369944"/>
+        </a:xfrm>
+        <a:prstGeom prst="rightArrow">
+          <a:avLst>
+            <a:gd name="adj1" fmla="val 60000"/>
+            <a:gd name="adj2" fmla="val 50000"/>
+          </a:avLst>
+        </a:prstGeom>
+        <a:solidFill>
+          <a:schemeClr val="accent2">
+            <a:hueOff val="4681519"/>
+            <a:satOff val="-5839"/>
+            <a:lumOff val="1373"/>
+            <a:alphaOff val="0"/>
+          </a:schemeClr>
+        </a:solidFill>
+        <a:ln>
+          <a:noFill/>
+        </a:ln>
+        <a:effectLst/>
+      </dsp:spPr>
+      <dsp:style>
+        <a:lnRef idx="0">
+          <a:scrgbClr r="0" g="0" b="0"/>
+        </a:lnRef>
+        <a:fillRef idx="1">
+          <a:scrgbClr r="0" g="0" b="0"/>
+        </a:fillRef>
+        <a:effectRef idx="0">
+          <a:scrgbClr r="0" g="0" b="0"/>
+        </a:effectRef>
+        <a:fontRef idx="minor">
+          <a:schemeClr val="lt1"/>
+        </a:fontRef>
+      </dsp:style>
+      <dsp:txBody>
+        <a:bodyPr spcFirstLastPara="0" vert="horz" wrap="square" lIns="0" tIns="0" rIns="0" bIns="0" numCol="1" spcCol="1270" anchor="ctr" anchorCtr="0">
+          <a:noAutofit/>
+        </a:bodyPr>
+        <a:lstStyle/>
+        <a:p>
+          <a:pPr lvl="0" algn="ctr" defTabSz="622300">
+            <a:lnSpc>
+              <a:spcPct val="90000"/>
+            </a:lnSpc>
+            <a:spcBef>
+              <a:spcPct val="0"/>
+            </a:spcBef>
+            <a:spcAft>
+              <a:spcPct val="35000"/>
+            </a:spcAft>
+          </a:pPr>
+          <a:endParaRPr lang="en-US" sz="1400" kern="1200"/>
+        </a:p>
+      </dsp:txBody>
+      <dsp:txXfrm rot="5400000">
+        <a:off x="3960656" y="3311157"/>
+        <a:ext cx="308287" cy="369944"/>
+      </dsp:txXfrm>
+    </dsp:sp>
+    <dsp:sp modelId="{242843E8-8943-4163-A14F-4E005FCEA932}">
+      <dsp:nvSpPr>
+        <dsp:cNvPr id="0" name=""/>
+        <dsp:cNvSpPr/>
+      </dsp:nvSpPr>
+      <dsp:spPr>
+        <a:xfrm>
+          <a:off x="3346651" y="3701654"/>
+          <a:ext cx="1536297" cy="822098"/>
+        </a:xfrm>
+        <a:prstGeom prst="roundRect">
+          <a:avLst>
+            <a:gd name="adj" fmla="val 10000"/>
+          </a:avLst>
+        </a:prstGeom>
+        <a:solidFill>
+          <a:schemeClr val="accent2">
+            <a:hueOff val="4681519"/>
+            <a:satOff val="-5839"/>
+            <a:lumOff val="1373"/>
+            <a:alphaOff val="0"/>
+          </a:schemeClr>
+        </a:solidFill>
+        <a:ln w="25400" cap="flat" cmpd="sng" algn="ctr">
+          <a:solidFill>
+            <a:schemeClr val="lt1">
+              <a:hueOff val="0"/>
+              <a:satOff val="0"/>
+              <a:lumOff val="0"/>
+              <a:alphaOff val="0"/>
+            </a:schemeClr>
+          </a:solidFill>
+          <a:prstDash val="solid"/>
+        </a:ln>
+        <a:effectLst/>
+      </dsp:spPr>
+      <dsp:style>
+        <a:lnRef idx="2">
+          <a:scrgbClr r="0" g="0" b="0"/>
+        </a:lnRef>
+        <a:fillRef idx="1">
+          <a:scrgbClr r="0" g="0" b="0"/>
+        </a:fillRef>
+        <a:effectRef idx="0">
+          <a:scrgbClr r="0" g="0" b="0"/>
+        </a:effectRef>
+        <a:fontRef idx="minor">
+          <a:schemeClr val="lt1"/>
+        </a:fontRef>
+      </dsp:style>
+      <dsp:txBody>
+        <a:bodyPr spcFirstLastPara="0" vert="horz" wrap="square" lIns="68580" tIns="68580" rIns="68580" bIns="68580" numCol="1" spcCol="1270" anchor="ctr" anchorCtr="0">
+          <a:noAutofit/>
+        </a:bodyPr>
+        <a:lstStyle/>
+        <a:p>
+          <a:pPr lvl="0" algn="ctr" defTabSz="800100">
+            <a:lnSpc>
+              <a:spcPct val="90000"/>
+            </a:lnSpc>
+            <a:spcBef>
+              <a:spcPct val="0"/>
+            </a:spcBef>
+            <a:spcAft>
+              <a:spcPct val="35000"/>
+            </a:spcAft>
+          </a:pPr>
+          <a:r>
+            <a:rPr lang="en-US" sz="1800" kern="1200" dirty="0" smtClean="0"/>
+            <a:t>Plan Recognition</a:t>
+          </a:r>
+          <a:endParaRPr lang="en-US" sz="1800" kern="1200" dirty="0"/>
+        </a:p>
+      </dsp:txBody>
+      <dsp:txXfrm>
+        <a:off x="3346651" y="3701654"/>
+        <a:ext cx="1536297" cy="822098"/>
+      </dsp:txXfrm>
+    </dsp:sp>
+  </dsp:spTree>
+</dsp:drawing>
+</file>
+
+<file path=ppt/diagrams/drawing2.xml><?xml version="1.0" encoding="utf-8"?>
+<dsp:drawing xmlns:dgm="http://schemas.openxmlformats.org/drawingml/2006/diagram" xmlns:a="http://schemas.openxmlformats.org/drawingml/2006/main" xmlns:dsp="http://schemas.microsoft.com/office/drawing/2008/diagram">
+  <dsp:spTree>
+    <dsp:nvGrpSpPr>
+      <dsp:cNvPr id="0" name=""/>
+      <dsp:cNvGrpSpPr/>
+    </dsp:nvGrpSpPr>
+    <dsp:grpSpPr/>
+    <dsp:sp modelId="{AC790EEB-76D9-4013-A164-1B4F9603D8DF}">
+      <dsp:nvSpPr>
+        <dsp:cNvPr id="0" name=""/>
+        <dsp:cNvSpPr/>
+      </dsp:nvSpPr>
+      <dsp:spPr>
+        <a:xfrm>
+          <a:off x="1215389" y="0"/>
+          <a:ext cx="1988820" cy="1104900"/>
+        </a:xfrm>
+        <a:prstGeom prst="roundRect">
+          <a:avLst>
+            <a:gd name="adj" fmla="val 10000"/>
+          </a:avLst>
+        </a:prstGeom>
+        <a:solidFill>
+          <a:schemeClr val="accent5">
+            <a:hueOff val="0"/>
+            <a:satOff val="0"/>
+            <a:lumOff val="0"/>
+            <a:alphaOff val="0"/>
+          </a:schemeClr>
+        </a:solidFill>
+        <a:ln w="25400" cap="flat" cmpd="sng" algn="ctr">
+          <a:solidFill>
+            <a:schemeClr val="lt1">
+              <a:hueOff val="0"/>
+              <a:satOff val="0"/>
+              <a:lumOff val="0"/>
+              <a:alphaOff val="0"/>
+            </a:schemeClr>
+          </a:solidFill>
+          <a:prstDash val="solid"/>
+        </a:ln>
+        <a:effectLst/>
+      </dsp:spPr>
+      <dsp:style>
+        <a:lnRef idx="2">
+          <a:scrgbClr r="0" g="0" b="0"/>
+        </a:lnRef>
+        <a:fillRef idx="1">
+          <a:scrgbClr r="0" g="0" b="0"/>
+        </a:fillRef>
+        <a:effectRef idx="0">
+          <a:scrgbClr r="0" g="0" b="0"/>
+        </a:effectRef>
+        <a:fontRef idx="minor">
+          <a:schemeClr val="lt1"/>
+        </a:fontRef>
+      </dsp:style>
+      <dsp:txBody>
+        <a:bodyPr spcFirstLastPara="0" vert="horz" wrap="square" lIns="99060" tIns="99060" rIns="99060" bIns="99060" numCol="1" spcCol="1270" anchor="ctr" anchorCtr="0">
+          <a:noAutofit/>
+        </a:bodyPr>
+        <a:lstStyle/>
+        <a:p>
+          <a:pPr lvl="0" algn="ctr" defTabSz="1155700">
+            <a:lnSpc>
+              <a:spcPct val="90000"/>
+            </a:lnSpc>
+            <a:spcBef>
+              <a:spcPct val="0"/>
+            </a:spcBef>
+            <a:spcAft>
+              <a:spcPct val="35000"/>
+            </a:spcAft>
+          </a:pPr>
+          <a:r>
+            <a:rPr lang="en-US" sz="2600" kern="1200" dirty="0" smtClean="0"/>
+            <a:t>Server’s Info Collecting</a:t>
+          </a:r>
+          <a:endParaRPr lang="en-US" sz="2600" kern="1200" dirty="0"/>
+        </a:p>
+      </dsp:txBody>
+      <dsp:txXfrm>
+        <a:off x="1215389" y="0"/>
+        <a:ext cx="1988820" cy="1104900"/>
+      </dsp:txXfrm>
+    </dsp:sp>
+    <dsp:sp modelId="{072A762C-51F0-4055-94D2-C720D4C9D459}">
+      <dsp:nvSpPr>
+        <dsp:cNvPr id="0" name=""/>
+        <dsp:cNvSpPr/>
+      </dsp:nvSpPr>
+      <dsp:spPr>
+        <a:xfrm rot="5400000">
+          <a:off x="2002631" y="1132522"/>
+          <a:ext cx="414337" cy="497205"/>
+        </a:xfrm>
+        <a:prstGeom prst="rightArrow">
+          <a:avLst>
+            <a:gd name="adj1" fmla="val 60000"/>
+            <a:gd name="adj2" fmla="val 50000"/>
+          </a:avLst>
+        </a:prstGeom>
+        <a:solidFill>
+          <a:schemeClr val="accent5">
+            <a:hueOff val="0"/>
+            <a:satOff val="0"/>
+            <a:lumOff val="0"/>
+            <a:alphaOff val="0"/>
+          </a:schemeClr>
+        </a:solidFill>
+        <a:ln>
+          <a:noFill/>
+        </a:ln>
+        <a:effectLst/>
+      </dsp:spPr>
+      <dsp:style>
+        <a:lnRef idx="0">
+          <a:scrgbClr r="0" g="0" b="0"/>
+        </a:lnRef>
+        <a:fillRef idx="1">
+          <a:scrgbClr r="0" g="0" b="0"/>
+        </a:fillRef>
+        <a:effectRef idx="0">
+          <a:scrgbClr r="0" g="0" b="0"/>
+        </a:effectRef>
+        <a:fontRef idx="minor">
+          <a:schemeClr val="lt1"/>
+        </a:fontRef>
+      </dsp:style>
+      <dsp:txBody>
+        <a:bodyPr spcFirstLastPara="0" vert="horz" wrap="square" lIns="0" tIns="0" rIns="0" bIns="0" numCol="1" spcCol="1270" anchor="ctr" anchorCtr="0">
+          <a:noAutofit/>
+        </a:bodyPr>
+        <a:lstStyle/>
+        <a:p>
+          <a:pPr lvl="0" algn="ctr" defTabSz="889000">
+            <a:lnSpc>
+              <a:spcPct val="90000"/>
+            </a:lnSpc>
+            <a:spcBef>
+              <a:spcPct val="0"/>
+            </a:spcBef>
+            <a:spcAft>
+              <a:spcPct val="35000"/>
+            </a:spcAft>
+          </a:pPr>
+          <a:endParaRPr lang="en-US" sz="2000" kern="1200"/>
+        </a:p>
+      </dsp:txBody>
+      <dsp:txXfrm rot="5400000">
+        <a:off x="2002631" y="1132522"/>
+        <a:ext cx="414337" cy="497205"/>
+      </dsp:txXfrm>
+    </dsp:sp>
+    <dsp:sp modelId="{306D4E32-DF30-4880-B79C-BEC857088537}">
+      <dsp:nvSpPr>
+        <dsp:cNvPr id="0" name=""/>
+        <dsp:cNvSpPr/>
+      </dsp:nvSpPr>
+      <dsp:spPr>
+        <a:xfrm>
+          <a:off x="1215389" y="1657350"/>
+          <a:ext cx="1988820" cy="1104900"/>
+        </a:xfrm>
+        <a:prstGeom prst="roundRect">
+          <a:avLst>
+            <a:gd name="adj" fmla="val 10000"/>
+          </a:avLst>
+        </a:prstGeom>
+        <a:solidFill>
+          <a:schemeClr val="accent5">
+            <a:hueOff val="-4966938"/>
+            <a:satOff val="19906"/>
+            <a:lumOff val="4314"/>
+            <a:alphaOff val="0"/>
+          </a:schemeClr>
+        </a:solidFill>
+        <a:ln w="25400" cap="flat" cmpd="sng" algn="ctr">
+          <a:solidFill>
+            <a:schemeClr val="lt1">
+              <a:hueOff val="0"/>
+              <a:satOff val="0"/>
+              <a:lumOff val="0"/>
+              <a:alphaOff val="0"/>
+            </a:schemeClr>
+          </a:solidFill>
+          <a:prstDash val="solid"/>
+        </a:ln>
+        <a:effectLst/>
+      </dsp:spPr>
+      <dsp:style>
+        <a:lnRef idx="2">
+          <a:scrgbClr r="0" g="0" b="0"/>
+        </a:lnRef>
+        <a:fillRef idx="1">
+          <a:scrgbClr r="0" g="0" b="0"/>
+        </a:fillRef>
+        <a:effectRef idx="0">
+          <a:scrgbClr r="0" g="0" b="0"/>
+        </a:effectRef>
+        <a:fontRef idx="minor">
+          <a:schemeClr val="lt1"/>
+        </a:fontRef>
+      </dsp:style>
+      <dsp:txBody>
+        <a:bodyPr spcFirstLastPara="0" vert="horz" wrap="square" lIns="99060" tIns="99060" rIns="99060" bIns="99060" numCol="1" spcCol="1270" anchor="ctr" anchorCtr="0">
+          <a:noAutofit/>
+        </a:bodyPr>
+        <a:lstStyle/>
+        <a:p>
+          <a:pPr lvl="0" algn="ctr" defTabSz="1155700">
+            <a:lnSpc>
+              <a:spcPct val="90000"/>
+            </a:lnSpc>
+            <a:spcBef>
+              <a:spcPct val="0"/>
+            </a:spcBef>
+            <a:spcAft>
+              <a:spcPct val="35000"/>
+            </a:spcAft>
+          </a:pPr>
+          <a:r>
+            <a:rPr lang="en-US" sz="2600" kern="1200" dirty="0" smtClean="0"/>
+            <a:t>Vulnerability Matching</a:t>
+          </a:r>
+          <a:endParaRPr lang="en-US" sz="2600" kern="1200" dirty="0"/>
+        </a:p>
+      </dsp:txBody>
+      <dsp:txXfrm>
+        <a:off x="1215389" y="1657350"/>
+        <a:ext cx="1988820" cy="1104900"/>
+      </dsp:txXfrm>
+    </dsp:sp>
+    <dsp:sp modelId="{7A403E1D-BDD6-4B22-A6BA-A3075059EF21}">
+      <dsp:nvSpPr>
+        <dsp:cNvPr id="0" name=""/>
+        <dsp:cNvSpPr/>
+      </dsp:nvSpPr>
+      <dsp:spPr>
+        <a:xfrm rot="5400000">
+          <a:off x="2002631" y="2789872"/>
+          <a:ext cx="414337" cy="497205"/>
+        </a:xfrm>
+        <a:prstGeom prst="rightArrow">
+          <a:avLst>
+            <a:gd name="adj1" fmla="val 60000"/>
+            <a:gd name="adj2" fmla="val 50000"/>
+          </a:avLst>
+        </a:prstGeom>
+        <a:solidFill>
+          <a:schemeClr val="accent5">
+            <a:hueOff val="-9933876"/>
+            <a:satOff val="39811"/>
+            <a:lumOff val="8628"/>
+            <a:alphaOff val="0"/>
+          </a:schemeClr>
+        </a:solidFill>
+        <a:ln>
+          <a:noFill/>
+        </a:ln>
+        <a:effectLst/>
+      </dsp:spPr>
+      <dsp:style>
+        <a:lnRef idx="0">
+          <a:scrgbClr r="0" g="0" b="0"/>
+        </a:lnRef>
+        <a:fillRef idx="1">
+          <a:scrgbClr r="0" g="0" b="0"/>
+        </a:fillRef>
+        <a:effectRef idx="0">
+          <a:scrgbClr r="0" g="0" b="0"/>
+        </a:effectRef>
+        <a:fontRef idx="minor">
+          <a:schemeClr val="lt1"/>
+        </a:fontRef>
+      </dsp:style>
+      <dsp:txBody>
+        <a:bodyPr spcFirstLastPara="0" vert="horz" wrap="square" lIns="0" tIns="0" rIns="0" bIns="0" numCol="1" spcCol="1270" anchor="ctr" anchorCtr="0">
+          <a:noAutofit/>
+        </a:bodyPr>
+        <a:lstStyle/>
+        <a:p>
+          <a:pPr lvl="0" algn="ctr" defTabSz="889000">
+            <a:lnSpc>
+              <a:spcPct val="90000"/>
+            </a:lnSpc>
+            <a:spcBef>
+              <a:spcPct val="0"/>
+            </a:spcBef>
+            <a:spcAft>
+              <a:spcPct val="35000"/>
+            </a:spcAft>
+          </a:pPr>
+          <a:endParaRPr lang="en-US" sz="2000" kern="1200"/>
+        </a:p>
+      </dsp:txBody>
+      <dsp:txXfrm rot="5400000">
+        <a:off x="2002631" y="2789872"/>
+        <a:ext cx="414337" cy="497205"/>
+      </dsp:txXfrm>
+    </dsp:sp>
+    <dsp:sp modelId="{AFE8A85C-8D3B-4E37-A0CD-756D56FAA3B3}">
+      <dsp:nvSpPr>
+        <dsp:cNvPr id="0" name=""/>
+        <dsp:cNvSpPr/>
+      </dsp:nvSpPr>
+      <dsp:spPr>
+        <a:xfrm>
+          <a:off x="1215389" y="3314700"/>
+          <a:ext cx="1988820" cy="1104900"/>
+        </a:xfrm>
+        <a:prstGeom prst="roundRect">
+          <a:avLst>
+            <a:gd name="adj" fmla="val 10000"/>
+          </a:avLst>
+        </a:prstGeom>
+        <a:solidFill>
+          <a:schemeClr val="accent5">
+            <a:hueOff val="-9933876"/>
+            <a:satOff val="39811"/>
+            <a:lumOff val="8628"/>
+            <a:alphaOff val="0"/>
+          </a:schemeClr>
+        </a:solidFill>
+        <a:ln w="25400" cap="flat" cmpd="sng" algn="ctr">
+          <a:solidFill>
+            <a:schemeClr val="lt1">
+              <a:hueOff val="0"/>
+              <a:satOff val="0"/>
+              <a:lumOff val="0"/>
+              <a:alphaOff val="0"/>
+            </a:schemeClr>
+          </a:solidFill>
+          <a:prstDash val="solid"/>
+        </a:ln>
+        <a:effectLst/>
+      </dsp:spPr>
+      <dsp:style>
+        <a:lnRef idx="2">
+          <a:scrgbClr r="0" g="0" b="0"/>
+        </a:lnRef>
+        <a:fillRef idx="1">
+          <a:scrgbClr r="0" g="0" b="0"/>
+        </a:fillRef>
+        <a:effectRef idx="0">
+          <a:scrgbClr r="0" g="0" b="0"/>
+        </a:effectRef>
+        <a:fontRef idx="minor">
+          <a:schemeClr val="lt1"/>
+        </a:fontRef>
+      </dsp:style>
+      <dsp:txBody>
+        <a:bodyPr spcFirstLastPara="0" vert="horz" wrap="square" lIns="99060" tIns="99060" rIns="99060" bIns="99060" numCol="1" spcCol="1270" anchor="ctr" anchorCtr="0">
+          <a:noAutofit/>
+        </a:bodyPr>
+        <a:lstStyle/>
+        <a:p>
+          <a:pPr lvl="0" algn="ctr" defTabSz="1155700">
+            <a:lnSpc>
+              <a:spcPct val="90000"/>
+            </a:lnSpc>
+            <a:spcBef>
+              <a:spcPct val="0"/>
+            </a:spcBef>
+            <a:spcAft>
+              <a:spcPct val="35000"/>
+            </a:spcAft>
+          </a:pPr>
+          <a:r>
+            <a:rPr lang="en-US" sz="2600" kern="1200" dirty="0" smtClean="0"/>
+            <a:t>Vulnerability</a:t>
+          </a:r>
+          <a:endParaRPr lang="en-US" sz="2600" kern="1200" dirty="0"/>
+        </a:p>
+      </dsp:txBody>
+      <dsp:txXfrm>
+        <a:off x="1215389" y="3314700"/>
+        <a:ext cx="1988820" cy="1104900"/>
+      </dsp:txXfrm>
+    </dsp:sp>
+  </dsp:spTree>
+</dsp:drawing>
+</file>
+
+<file path=ppt/diagrams/layout1.xml><?xml version="1.0" encoding="utf-8"?>
+<dgm:layoutDef xmlns:dgm="http://schemas.openxmlformats.org/drawingml/2006/diagram" xmlns:a="http://schemas.openxmlformats.org/drawingml/2006/main" uniqueId="urn:microsoft.com/office/officeart/2005/8/layout/process2">
+  <dgm:title val=""/>
+  <dgm:desc val=""/>
+  <dgm:catLst>
+    <dgm:cat type="process" pri="13000"/>
+  </dgm:catLst>
+  <dgm:sampData useDef="1">
+    <dgm:dataModel>
+      <dgm:ptLst/>
+      <dgm:bg/>
+      <dgm:whole/>
+    </dgm:dataModel>
+  </dgm:sampData>
+  <dgm:styleData>
+    <dgm:dataModel>
+      <dgm:ptLst>
+        <dgm:pt modelId="0" type="doc"/>
+        <dgm:pt modelId="1"/>
+        <dgm:pt modelId="2"/>
+      </dgm:ptLst>
+      <dgm:cxnLst>
+        <dgm:cxn modelId="3" srcId="0" destId="1" srcOrd="0" destOrd="0"/>
+        <dgm:cxn modelId="4" srcId="0" destId="2" srcOrd="1" destOrd="0"/>
+      </dgm:cxnLst>
+      <dgm:bg/>
+      <dgm:whole/>
+    </dgm:dataModel>
+  </dgm:styleData>
+  <dgm:clrData>
+    <dgm:dataModel>
+      <dgm:ptLst>
+        <dgm:pt modelId="0" type="doc"/>
+        <dgm:pt modelId="1"/>
+        <dgm:pt modelId="2"/>
+        <dgm:pt modelId="3"/>
+        <dgm:pt modelId="4"/>
+      </dgm:ptLst>
+      <dgm:cxnLst>
+        <dgm:cxn modelId="5" srcId="0" destId="1" srcOrd="0" destOrd="0"/>
+        <dgm:cxn modelId="6" srcId="0" destId="2" srcOrd="1" destOrd="0"/>
+        <dgm:cxn modelId="7" srcId="0" destId="3" srcOrd="2" destOrd="0"/>
+        <dgm:cxn modelId="8" srcId="0" destId="4" srcOrd="3" destOrd="0"/>
+      </dgm:cxnLst>
+      <dgm:bg/>
+      <dgm:whole/>
+    </dgm:dataModel>
+  </dgm:clrData>
+  <dgm:layoutNode name="linearFlow">
+    <dgm:varLst>
+      <dgm:resizeHandles val="exact"/>
+    </dgm:varLst>
+    <dgm:alg type="lin">
+      <dgm:param type="linDir" val="fromT"/>
+    </dgm:alg>
+    <dgm:shape xmlns:r="http://schemas.openxmlformats.org/officeDocument/2006/relationships" r:blip="">
+      <dgm:adjLst/>
+    </dgm:shape>
+    <dgm:presOf/>
+    <dgm:constrLst>
+      <dgm:constr type="h" for="ch" ptType="node" refType="h"/>
+      <dgm:constr type="h" for="ch" ptType="sibTrans" refType="h" refFor="ch" refPtType="node" fact="0.5"/>
+      <dgm:constr type="w" for="ch" ptType="node" op="equ"/>
+      <dgm:constr type="primFontSz" for="ch" ptType="node" op="equ" val="65"/>
+      <dgm:constr type="primFontSz" for="des" forName="connectorText" op="equ" val="55"/>
+      <dgm:constr type="primFontSz" for="des" forName="connectorText" refType="primFontSz" refFor="ch" refPtType="node" op="lte" fact="0.8"/>
+    </dgm:constrLst>
+    <dgm:ruleLst/>
+    <dgm:forEach name="nodesForEach" axis="ch" ptType="node">
+      <dgm:layoutNode name="node">
+        <dgm:varLst>
+          <dgm:bulletEnabled val="1"/>
+        </dgm:varLst>
+        <dgm:choose name="Name0">
+          <dgm:if name="Name1" axis="root des" ptType="all node" func="maxDepth" op="gt" val="1">
+            <dgm:alg type="tx">
+              <dgm:param type="parTxLTRAlign" val="l"/>
+              <dgm:param type="parTxRTLAlign" val="r"/>
+              <dgm:param type="txAnchorVertCh" val="mid"/>
+            </dgm:alg>
+          </dgm:if>
+          <dgm:else name="Name2">
+            <dgm:alg type="tx"/>
+          </dgm:else>
+        </dgm:choose>
+        <dgm:shape xmlns:r="http://schemas.openxmlformats.org/officeDocument/2006/relationships" type="roundRect" r:blip="">
+          <dgm:adjLst>
+            <dgm:adj idx="1" val="0.1"/>
+          </dgm:adjLst>
+        </dgm:shape>
+        <dgm:presOf axis="desOrSelf" ptType="node"/>
+        <dgm:constrLst>
+          <dgm:constr type="w" refType="h" fact="1.8"/>
+          <dgm:constr type="tMarg" refType="primFontSz" fact="0.3"/>
+          <dgm:constr type="bMarg" refType="primFontSz" fact="0.3"/>
+          <dgm:constr type="lMarg" refType="primFontSz" fact="0.3"/>
+          <dgm:constr type="rMarg" refType="primFontSz" fact="0.3"/>
+        </dgm:constrLst>
+        <dgm:ruleLst>
+          <dgm:rule type="primFontSz" val="18" fact="NaN" max="NaN"/>
+          <dgm:rule type="w" val="NaN" fact="4" max="NaN"/>
+          <dgm:rule type="primFontSz" val="5" fact="NaN" max="NaN"/>
+        </dgm:ruleLst>
+      </dgm:layoutNode>
+      <dgm:forEach name="sibTransForEach" axis="followSib" ptType="sibTrans" cnt="1">
+        <dgm:layoutNode name="sibTrans">
+          <dgm:alg type="conn">
+            <dgm:param type="begPts" val="auto"/>
+            <dgm:param type="endPts" val="auto"/>
+          </dgm:alg>
+          <dgm:shape xmlns:r="http://schemas.openxmlformats.org/officeDocument/2006/relationships" type="conn" r:blip="">
+            <dgm:adjLst/>
+          </dgm:shape>
+          <dgm:presOf axis="self"/>
+          <dgm:constrLst>
+            <dgm:constr type="w" refType="h" fact="0.9"/>
+            <dgm:constr type="connDist"/>
+            <dgm:constr type="wArH" refType="w" fact="0.5"/>
+            <dgm:constr type="hArH" refType="w"/>
+            <dgm:constr type="stemThick" refType="w" fact="0.6"/>
+            <dgm:constr type="begPad" refType="connDist" fact="0.125"/>
+            <dgm:constr type="endPad" refType="connDist" fact="0.125"/>
+          </dgm:constrLst>
+          <dgm:ruleLst/>
+          <dgm:layoutNode name="connectorText">
+            <dgm:alg type="tx">
+              <dgm:param type="autoTxRot" val="upr"/>
+            </dgm:alg>
+            <dgm:shape xmlns:r="http://schemas.openxmlformats.org/officeDocument/2006/relationships" type="conn" r:blip="" hideGeom="1">
+              <dgm:adjLst/>
+            </dgm:shape>
+            <dgm:presOf axis="self"/>
+            <dgm:constrLst>
+              <dgm:constr type="lMarg"/>
+              <dgm:constr type="rMarg"/>
+              <dgm:constr type="tMarg"/>
+              <dgm:constr type="bMarg"/>
+            </dgm:constrLst>
+            <dgm:ruleLst>
+              <dgm:rule type="primFontSz" val="5" fact="NaN" max="NaN"/>
+            </dgm:ruleLst>
+          </dgm:layoutNode>
+        </dgm:layoutNode>
+      </dgm:forEach>
+    </dgm:forEach>
+  </dgm:layoutNode>
+</dgm:layoutDef>
+</file>
+
+<file path=ppt/diagrams/layout2.xml><?xml version="1.0" encoding="utf-8"?>
+<dgm:layoutDef xmlns:dgm="http://schemas.openxmlformats.org/drawingml/2006/diagram" xmlns:a="http://schemas.openxmlformats.org/drawingml/2006/main" uniqueId="urn:microsoft.com/office/officeart/2005/8/layout/process2">
+  <dgm:title val=""/>
+  <dgm:desc val=""/>
+  <dgm:catLst>
+    <dgm:cat type="process" pri="13000"/>
+  </dgm:catLst>
+  <dgm:sampData useDef="1">
+    <dgm:dataModel>
+      <dgm:ptLst/>
+      <dgm:bg/>
+      <dgm:whole/>
+    </dgm:dataModel>
+  </dgm:sampData>
+  <dgm:styleData>
+    <dgm:dataModel>
+      <dgm:ptLst>
+        <dgm:pt modelId="0" type="doc"/>
+        <dgm:pt modelId="1"/>
+        <dgm:pt modelId="2"/>
+      </dgm:ptLst>
+      <dgm:cxnLst>
+        <dgm:cxn modelId="3" srcId="0" destId="1" srcOrd="0" destOrd="0"/>
+        <dgm:cxn modelId="4" srcId="0" destId="2" srcOrd="1" destOrd="0"/>
+      </dgm:cxnLst>
+      <dgm:bg/>
+      <dgm:whole/>
+    </dgm:dataModel>
+  </dgm:styleData>
+  <dgm:clrData>
+    <dgm:dataModel>
+      <dgm:ptLst>
+        <dgm:pt modelId="0" type="doc"/>
+        <dgm:pt modelId="1"/>
+        <dgm:pt modelId="2"/>
+        <dgm:pt modelId="3"/>
+        <dgm:pt modelId="4"/>
+      </dgm:ptLst>
+      <dgm:cxnLst>
+        <dgm:cxn modelId="5" srcId="0" destId="1" srcOrd="0" destOrd="0"/>
+        <dgm:cxn modelId="6" srcId="0" destId="2" srcOrd="1" destOrd="0"/>
+        <dgm:cxn modelId="7" srcId="0" destId="3" srcOrd="2" destOrd="0"/>
+        <dgm:cxn modelId="8" srcId="0" destId="4" srcOrd="3" destOrd="0"/>
+      </dgm:cxnLst>
+      <dgm:bg/>
+      <dgm:whole/>
+    </dgm:dataModel>
+  </dgm:clrData>
+  <dgm:layoutNode name="linearFlow">
+    <dgm:varLst>
+      <dgm:resizeHandles val="exact"/>
+    </dgm:varLst>
+    <dgm:alg type="lin">
+      <dgm:param type="linDir" val="fromT"/>
+    </dgm:alg>
+    <dgm:shape xmlns:r="http://schemas.openxmlformats.org/officeDocument/2006/relationships" r:blip="">
+      <dgm:adjLst/>
+    </dgm:shape>
+    <dgm:presOf/>
+    <dgm:constrLst>
+      <dgm:constr type="h" for="ch" ptType="node" refType="h"/>
+      <dgm:constr type="h" for="ch" ptType="sibTrans" refType="h" refFor="ch" refPtType="node" fact="0.5"/>
+      <dgm:constr type="w" for="ch" ptType="node" op="equ"/>
+      <dgm:constr type="primFontSz" for="ch" ptType="node" op="equ" val="65"/>
+      <dgm:constr type="primFontSz" for="des" forName="connectorText" op="equ" val="55"/>
+      <dgm:constr type="primFontSz" for="des" forName="connectorText" refType="primFontSz" refFor="ch" refPtType="node" op="lte" fact="0.8"/>
+    </dgm:constrLst>
+    <dgm:ruleLst/>
+    <dgm:forEach name="nodesForEach" axis="ch" ptType="node">
+      <dgm:layoutNode name="node">
+        <dgm:varLst>
+          <dgm:bulletEnabled val="1"/>
+        </dgm:varLst>
+        <dgm:choose name="Name0">
+          <dgm:if name="Name1" axis="root des" ptType="all node" func="maxDepth" op="gt" val="1">
+            <dgm:alg type="tx">
+              <dgm:param type="parTxLTRAlign" val="l"/>
+              <dgm:param type="parTxRTLAlign" val="r"/>
+              <dgm:param type="txAnchorVertCh" val="mid"/>
+            </dgm:alg>
+          </dgm:if>
+          <dgm:else name="Name2">
+            <dgm:alg type="tx"/>
+          </dgm:else>
+        </dgm:choose>
+        <dgm:shape xmlns:r="http://schemas.openxmlformats.org/officeDocument/2006/relationships" type="roundRect" r:blip="">
+          <dgm:adjLst>
+            <dgm:adj idx="1" val="0.1"/>
+          </dgm:adjLst>
+        </dgm:shape>
+        <dgm:presOf axis="desOrSelf" ptType="node"/>
+        <dgm:constrLst>
+          <dgm:constr type="w" refType="h" fact="1.8"/>
+          <dgm:constr type="tMarg" refType="primFontSz" fact="0.3"/>
+          <dgm:constr type="bMarg" refType="primFontSz" fact="0.3"/>
+          <dgm:constr type="lMarg" refType="primFontSz" fact="0.3"/>
+          <dgm:constr type="rMarg" refType="primFontSz" fact="0.3"/>
+        </dgm:constrLst>
+        <dgm:ruleLst>
+          <dgm:rule type="primFontSz" val="18" fact="NaN" max="NaN"/>
+          <dgm:rule type="w" val="NaN" fact="4" max="NaN"/>
+          <dgm:rule type="primFontSz" val="5" fact="NaN" max="NaN"/>
+        </dgm:ruleLst>
+      </dgm:layoutNode>
+      <dgm:forEach name="sibTransForEach" axis="followSib" ptType="sibTrans" cnt="1">
+        <dgm:layoutNode name="sibTrans">
+          <dgm:alg type="conn">
+            <dgm:param type="begPts" val="auto"/>
+            <dgm:param type="endPts" val="auto"/>
+          </dgm:alg>
+          <dgm:shape xmlns:r="http://schemas.openxmlformats.org/officeDocument/2006/relationships" type="conn" r:blip="">
+            <dgm:adjLst/>
+          </dgm:shape>
+          <dgm:presOf axis="self"/>
+          <dgm:constrLst>
+            <dgm:constr type="w" refType="h" fact="0.9"/>
+            <dgm:constr type="connDist"/>
+            <dgm:constr type="wArH" refType="w" fact="0.5"/>
+            <dgm:constr type="hArH" refType="w"/>
+            <dgm:constr type="stemThick" refType="w" fact="0.6"/>
+            <dgm:constr type="begPad" refType="connDist" fact="0.125"/>
+            <dgm:constr type="endPad" refType="connDist" fact="0.125"/>
+          </dgm:constrLst>
+          <dgm:ruleLst/>
+          <dgm:layoutNode name="connectorText">
+            <dgm:alg type="tx">
+              <dgm:param type="autoTxRot" val="upr"/>
+            </dgm:alg>
+            <dgm:shape xmlns:r="http://schemas.openxmlformats.org/officeDocument/2006/relationships" type="conn" r:blip="" hideGeom="1">
+              <dgm:adjLst/>
+            </dgm:shape>
+            <dgm:presOf axis="self"/>
+            <dgm:constrLst>
+              <dgm:constr type="lMarg"/>
+              <dgm:constr type="rMarg"/>
+              <dgm:constr type="tMarg"/>
+              <dgm:constr type="bMarg"/>
+            </dgm:constrLst>
+            <dgm:ruleLst>
+              <dgm:rule type="primFontSz" val="5" fact="NaN" max="NaN"/>
+            </dgm:ruleLst>
+          </dgm:layoutNode>
+        </dgm:layoutNode>
+      </dgm:forEach>
+    </dgm:forEach>
+  </dgm:layoutNode>
+</dgm:layoutDef>
+</file>
+
+<file path=ppt/diagrams/quickStyle1.xml><?xml version="1.0" encoding="utf-8"?>
+<dgm:styleDef xmlns:dgm="http://schemas.openxmlformats.org/drawingml/2006/diagram" xmlns:a="http://schemas.openxmlformats.org/drawingml/2006/main" uniqueId="urn:microsoft.com/office/officeart/2005/8/quickstyle/simple1">
+  <dgm:title val=""/>
+  <dgm:desc val=""/>
+  <dgm:catLst>
+    <dgm:cat type="simple" pri="10100"/>
+  </dgm:catLst>
+  <dgm:scene3d>
+    <a:camera prst="orthographicFront"/>
+    <a:lightRig rig="threePt" dir="t"/>
+  </dgm:scene3d>
+  <dgm:styleLbl name="node0">
+    <dgm:scene3d>
+      <a:camera prst="orthographicFront"/>
+      <a:lightRig rig="threePt" dir="t"/>
+    </dgm:scene3d>
+    <dgm:sp3d/>
+    <dgm:txPr/>
+    <dgm:style>
+      <a:lnRef idx="2">
+        <a:scrgbClr r="0" g="0" b="0"/>
+      </a:lnRef>
+      <a:fillRef idx="1">
+        <a:scrgbClr r="0" g="0" b="0"/>
+      </a:fillRef>
+      <a:effectRef idx="0">
+        <a:scrgbClr r="0" g="0" b="0"/>
+      </a:effectRef>
+      <a:fontRef idx="minor">
+        <a:schemeClr val="lt1"/>
+      </a:fontRef>
+    </dgm:style>
+  </dgm:styleLbl>
+  <dgm:styleLbl name="lnNode1">
+    <dgm:scene3d>
+      <a:camera prst="orthographicFront"/>
+      <a:lightRig rig="threePt" dir="t"/>
+    </dgm:scene3d>
+    <dgm:sp3d/>
+    <dgm:txPr/>
+    <dgm:style>
+      <a:lnRef idx="2">
+        <a:scrgbClr r="0" g="0" b="0"/>
+      </a:lnRef>
+      <a:fillRef idx="1">
+        <a:scrgbClr r="0" g="0" b="0"/>
+      </a:fillRef>
+      <a:effectRef idx="0">
+        <a:scrgbClr r="0" g="0" b="0"/>
+      </a:effectRef>
+      <a:fontRef idx="minor">
+        <a:schemeClr val="lt1"/>
+      </a:fontRef>
+    </dgm:style>
+  </dgm:styleLbl>
+  <dgm:styleLbl name="vennNode1">
+    <dgm:scene3d>
+      <a:camera prst="orthographicFront"/>
+      <a:lightRig rig="threePt" dir="t"/>
+    </dgm:scene3d>
+    <dgm:sp3d/>
+    <dgm:txPr/>
+    <dgm:style>
+      <a:lnRef idx="2">
+        <a:scrgbClr r="0" g="0" b="0"/>
+      </a:lnRef>
+      <a:fillRef idx="1">
+        <a:scrgbClr r="0" g="0" b="0"/>
+      </a:fillRef>
+      <a:effectRef idx="0">
+        <a:scrgbClr r="0" g="0" b="0"/>
+      </a:effectRef>
+      <a:fontRef idx="minor">
+        <a:schemeClr val="tx1"/>
+      </a:fontRef>
+    </dgm:style>
+  </dgm:styleLbl>
+  <dgm:styleLbl name="alignNode1">
+    <dgm:scene3d>
+      <a:camera prst="orthographicFront"/>
+      <a:lightRig rig="threePt" dir="t"/>
+    </dgm:scene3d>
+    <dgm:sp3d/>
+    <dgm:txPr/>
+    <dgm:style>
+      <a:lnRef idx="2">
+        <a:scrgbClr r="0" g="0" b="0"/>
+      </a:lnRef>
+      <a:fillRef idx="1">
+        <a:scrgbClr r="0" g="0" b="0"/>
+      </a:fillRef>
+      <a:effectRef idx="0">
+        <a:scrgbClr r="0" g="0" b="0"/>
+      </a:effectRef>
+      <a:fontRef idx="minor">
+        <a:schemeClr val="lt1"/>
+      </a:fontRef>
+    </dgm:style>
+  </dgm:styleLbl>
+  <dgm:styleLbl name="node1">
+    <dgm:scene3d>
+      <a:camera prst="orthographicFront"/>
+      <a:lightRig rig="threePt" dir="t"/>
+    </dgm:scene3d>
+    <dgm:sp3d/>
+    <dgm:txPr/>
+    <dgm:style>
+      <a:lnRef idx="2">
+        <a:scrgbClr r="0" g="0" b="0"/>
+      </a:lnRef>
+      <a:fillRef idx="1">
+        <a:scrgbClr r="0" g="0" b="0"/>
+      </a:fillRef>
+      <a:effectRef idx="0">
+        <a:scrgbClr r="0" g="0" b="0"/>
+      </a:effectRef>
+      <a:fontRef idx="minor">
+        <a:schemeClr val="lt1"/>
+      </a:fontRef>
+    </dgm:style>
+  </dgm:styleLbl>
+  <dgm:styleLbl name="node2">
+    <dgm:scene3d>
+      <a:camera prst="orthographicFront"/>
+      <a:lightRig rig="threePt" dir="t"/>
+    </dgm:scene3d>
+    <dgm:sp3d/>
+    <dgm:txPr/>
+    <dgm:style>
+      <a:lnRef idx="2">
+        <a:scrgbClr r="0" g="0" b="0"/>
+      </a:lnRef>
+      <a:fillRef idx="1">
+        <a:scrgbClr r="0" g="0" b="0"/>
+      </a:fillRef>
+      <a:effectRef idx="0">
+        <a:scrgbClr r="0" g="0" b="0"/>
+      </a:effectRef>
+      <a:fontRef idx="minor">
+        <a:schemeClr val="lt1"/>
+      </a:fontRef>
+    </dgm:style>
+  </dgm:styleLbl>
+  <dgm:styleLbl name="node3">
+    <dgm:scene3d>
+      <a:camera prst="orthographicFront"/>
+      <a:lightRig rig="threePt" dir="t"/>
+    </dgm:scene3d>
+    <dgm:sp3d/>
+    <dgm:txPr/>
+    <dgm:style>
+      <a:lnRef idx="2">
+        <a:scrgbClr r="0" g="0" b="0"/>
+      </a:lnRef>
+      <a:fillRef idx="1">
+        <a:scrgbClr r="0" g="0" b="0"/>
+      </a:fillRef>
+      <a:effectRef idx="0">
+        <a:scrgbClr r="0" g="0" b="0"/>
+      </a:effectRef>
+      <a:fontRef idx="minor">
+        <a:schemeClr val="lt1"/>
+      </a:fontRef>
+    </dgm:style>
+  </dgm:styleLbl>
+  <dgm:styleLbl name="node4">
+    <dgm:scene3d>
+      <a:camera prst="orthographicFront"/>
+      <a:lightRig rig="threePt" dir="t"/>
+    </dgm:scene3d>
+    <dgm:sp3d/>
+    <dgm:txPr/>
+    <dgm:style>
+      <a:lnRef idx="2">
+        <a:scrgbClr r="0" g="0" b="0"/>
+      </a:lnRef>
+      <a:fillRef idx="1">
+        <a:scrgbClr r="0" g="0" b="0"/>
+      </a:fillRef>
+      <a:effectRef idx="0">
+        <a:scrgbClr r="0" g="0" b="0"/>
+      </a:effectRef>
+      <a:fontRef idx="minor">
+        <a:schemeClr val="lt1"/>
+      </a:fontRef>
+    </dgm:style>
+  </dgm:styleLbl>
+  <dgm:styleLbl name="fgImgPlace1">
+    <dgm:scene3d>
+      <a:camera prst="orthographicFront"/>
+      <a:lightRig rig="threePt" dir="t"/>
+    </dgm:scene3d>
+    <dgm:sp3d/>
+    <dgm:txPr/>
+    <dgm:style>
+      <a:lnRef idx="2">
+        <a:scrgbClr r="0" g="0" b="0"/>
+      </a:lnRef>
+      <a:fillRef idx="1">
+        <a:scrgbClr r="0" g="0" b="0"/>
+      </a:fillRef>
+      <a:effectRef idx="0">
+        <a:scrgbClr r="0" g="0" b="0"/>
+      </a:effectRef>
+      <a:fontRef idx="minor"/>
+    </dgm:style>
+  </dgm:styleLbl>
+  <dgm:styleLbl name="alignImgPlace1">
+    <dgm:scene3d>
+      <a:camera prst="orthographicFront"/>
+      <a:lightRig rig="threePt" dir="t"/>
+    </dgm:scene3d>
+    <dgm:sp3d/>
+    <dgm:txPr/>
+    <dgm:style>
+      <a:lnRef idx="2">
+        <a:scrgbClr r="0" g="0" b="0"/>
+      </a:lnRef>
+      <a:fillRef idx="1">
+        <a:scrgbClr r="0" g="0" b="0"/>
+      </a:fillRef>
+      <a:effectRef idx="0">
+        <a:scrgbClr r="0" g="0" b="0"/>
+      </a:effectRef>
+      <a:fontRef idx="minor"/>
+    </dgm:style>
+  </dgm:styleLbl>
+  <dgm:styleLbl name="bgImgPlace1">
+    <dgm:scene3d>
+      <a:camera prst="orthographicFront"/>
+      <a:lightRig rig="threePt" dir="t"/>
+    </dgm:scene3d>
+    <dgm:sp3d/>
+    <dgm:txPr/>
+    <dgm:style>
+      <a:lnRef idx="2">
+        <a:scrgbClr r="0" g="0" b="0"/>
+      </a:lnRef>
+      <a:fillRef idx="1">
+        <a:scrgbClr r="0" g="0" b="0"/>
+      </a:fillRef>
+      <a:effectRef idx="0">
+        <a:scrgbClr r="0" g="0" b="0"/>
+      </a:effectRef>
+      <a:fontRef idx="minor"/>
+    </dgm:style>
+  </dgm:styleLbl>
+  <dgm:styleLbl name="sibTrans2D1">
+    <dgm:scene3d>
+      <a:camera prst="orthographicFront"/>
+      <a:lightRig rig="threePt" dir="t"/>
+    </dgm:scene3d>
+    <dgm:sp3d/>
+    <dgm:txPr/>
+    <dgm:style>
+      <a:lnRef idx="0">
+        <a:scrgbClr r="0" g="0" b="0"/>
+      </a:lnRef>
+      <a:fillRef idx="1">
+        <a:scrgbClr r="0" g="0" b="0"/>
+      </a:fillRef>
+      <a:effectRef idx="0">
+        <a:scrgbClr r="0" g="0" b="0"/>
+      </a:effectRef>
+      <a:fontRef idx="minor">
+        <a:schemeClr val="lt1"/>
+      </a:fontRef>
+    </dgm:style>
+  </dgm:styleLbl>
+  <dgm:styleLbl name="fgSibTrans2D1">
+    <dgm:scene3d>
+      <a:camera prst="orthographicFront"/>
+      <a:lightRig rig="threePt" dir="t"/>
+    </dgm:scene3d>
+    <dgm:sp3d/>
+    <dgm:txPr/>
+    <dgm:style>
+      <a:lnRef idx="0">
+        <a:scrgbClr r="0" g="0" b="0"/>
+      </a:lnRef>
+      <a:fillRef idx="1">
+        <a:scrgbClr r="0" g="0" b="0"/>
+      </a:fillRef>
+      <a:effectRef idx="0">
+        <a:scrgbClr r="0" g="0" b="0"/>
+      </a:effectRef>
+      <a:fontRef idx="minor">
+        <a:schemeClr val="lt1"/>
+      </a:fontRef>
+    </dgm:style>
+  </dgm:styleLbl>
+  <dgm:styleLbl name="bgSibTrans2D1">
+    <dgm:scene3d>
+      <a:camera prst="orthographicFront"/>
+      <a:lightRig rig="threePt" dir="t"/>
+    </dgm:scene3d>
+    <dgm:sp3d/>
+    <dgm:txPr/>
+    <dgm:style>
+      <a:lnRef idx="0">
+        <a:scrgbClr r="0" g="0" b="0"/>
+      </a:lnRef>
+      <a:fillRef idx="1">
+        <a:scrgbClr r="0" g="0" b="0"/>
+      </a:fillRef>
+      <a:effectRef idx="0">
+        <a:scrgbClr r="0" g="0" b="0"/>
+      </a:effectRef>
+      <a:fontRef idx="minor">
+        <a:schemeClr val="lt1"/>
+      </a:fontRef>
+    </dgm:style>
+  </dgm:styleLbl>
+  <dgm:styleLbl name="sibTrans1D1">
+    <dgm:scene3d>
+      <a:camera prst="orthographicFront"/>
+      <a:lightRig rig="threePt" dir="t"/>
+    </dgm:scene3d>
+    <dgm:sp3d/>
+    <dgm:txPr/>
+    <dgm:style>
+      <a:lnRef idx="1">
+        <a:scrgbClr r="0" g="0" b="0"/>
+      </a:lnRef>
+      <a:fillRef idx="0">
+        <a:scrgbClr r="0" g="0" b="0"/>
+      </a:fillRef>
+      <a:effectRef idx="0">
+        <a:scrgbClr r="0" g="0" b="0"/>
+      </a:effectRef>
+      <a:fontRef idx="minor"/>
+    </dgm:style>
+  </dgm:styleLbl>
+  <dgm:styleLbl name="callout">
+    <dgm:scene3d>
+      <a:camera prst="orthographicFront"/>
+      <a:lightRig rig="threePt" dir="t"/>
+    </dgm:scene3d>
+    <dgm:sp3d/>
+    <dgm:txPr/>
+    <dgm:style>
+      <a:lnRef idx="2">
+        <a:scrgbClr r="0" g="0" b="0"/>
+      </a:lnRef>
+      <a:fillRef idx="1">
+        <a:scrgbClr r="0" g="0" b="0"/>
+      </a:fillRef>
+      <a:effectRef idx="0">
+        <a:scrgbClr r="0" g="0" b="0"/>
+      </a:effectRef>
+      <a:fontRef idx="minor"/>
+    </dgm:style>
+  </dgm:styleLbl>
+  <dgm:styleLbl name="asst0">
+    <dgm:scene3d>
+      <a:camera prst="orthographicFront"/>
+      <a:lightRig rig="threePt" dir="t"/>
+    </dgm:scene3d>
+    <dgm:sp3d/>
+    <dgm:txPr/>
+    <dgm:style>
+      <a:lnRef idx="2">
+        <a:scrgbClr r="0" g="0" b="0"/>
+      </a:lnRef>
+      <a:fillRef idx="1">
+        <a:scrgbClr r="0" g="0" b="0"/>
+      </a:fillRef>
+      <a:effectRef idx="0">
+        <a:scrgbClr r="0" g="0" b="0"/>
+      </a:effectRef>
+      <a:fontRef idx="minor">
+        <a:schemeClr val="lt1"/>
+      </a:fontRef>
+    </dgm:style>
+  </dgm:styleLbl>
+  <dgm:styleLbl name="asst1">
+    <dgm:scene3d>
+      <a:camera prst="orthographicFront"/>
+      <a:lightRig rig="threePt" dir="t"/>
+    </dgm:scene3d>
+    <dgm:sp3d/>
+    <dgm:txPr/>
+    <dgm:style>
+      <a:lnRef idx="2">
+        <a:scrgbClr r="0" g="0" b="0"/>
+      </a:lnRef>
+      <a:fillRef idx="1">
+        <a:scrgbClr r="0" g="0" b="0"/>
+      </a:fillRef>
+      <a:effectRef idx="0">
+        <a:scrgbClr r="0" g="0" b="0"/>
+      </a:effectRef>
+      <a:fontRef idx="minor">
+        <a:schemeClr val="lt1"/>
+      </a:fontRef>
+    </dgm:style>
+  </dgm:styleLbl>
+  <dgm:styleLbl name="asst2">
+    <dgm:scene3d>
+      <a:camera prst="orthographicFront"/>
+      <a:lightRig rig="threePt" dir="t"/>
+    </dgm:scene3d>
+    <dgm:sp3d/>
+    <dgm:txPr/>
+    <dgm:style>
+      <a:lnRef idx="2">
+        <a:scrgbClr r="0" g="0" b="0"/>
+      </a:lnRef>
+      <a:fillRef idx="1">
+        <a:scrgbClr r="0" g="0" b="0"/>
+      </a:fillRef>
+      <a:effectRef idx="0">
+        <a:scrgbClr r="0" g="0" b="0"/>
+      </a:effectRef>
+      <a:fontRef idx="minor">
+        <a:schemeClr val="lt1"/>
+      </a:fontRef>
+    </dgm:style>
+  </dgm:styleLbl>
+  <dgm:styleLbl name="asst3">
+    <dgm:scene3d>
+      <a:camera prst="orthographicFront"/>
+      <a:lightRig rig="threePt" dir="t"/>
+    </dgm:scene3d>
+    <dgm:sp3d/>
+    <dgm:txPr/>
+    <dgm:style>
+      <a:lnRef idx="2">
+        <a:scrgbClr r="0" g="0" b="0"/>
+      </a:lnRef>
+      <a:fillRef idx="1">
+        <a:scrgbClr r="0" g="0" b="0"/>
+      </a:fillRef>
+      <a:effectRef idx="0">
+        <a:scrgbClr r="0" g="0" b="0"/>
+      </a:effectRef>
+      <a:fontRef idx="minor">
+        <a:schemeClr val="lt1"/>
+      </a:fontRef>
+    </dgm:style>
+  </dgm:styleLbl>
+  <dgm:styleLbl name="asst4">
+    <dgm:scene3d>
+      <a:camera prst="orthographicFront"/>
+      <a:lightRig rig="threePt" dir="t"/>
+    </dgm:scene3d>
+    <dgm:sp3d/>
+    <dgm:txPr/>
+    <dgm:style>
+      <a:lnRef idx="2">
+        <a:scrgbClr r="0" g="0" b="0"/>
+      </a:lnRef>
+      <a:fillRef idx="1">
+        <a:scrgbClr r="0" g="0" b="0"/>
+      </a:fillRef>
+      <a:effectRef idx="0">
+        <a:scrgbClr r="0" g="0" b="0"/>
+      </a:effectRef>
+      <a:fontRef idx="minor">
+        <a:schemeClr val="lt1"/>
+      </a:fontRef>
+    </dgm:style>
+  </dgm:styleLbl>
+  <dgm:styleLbl name="parChTrans2D1">
+    <dgm:scene3d>
+      <a:camera prst="orthographicFront"/>
+      <a:lightRig rig="threePt" dir="t"/>
+    </dgm:scene3d>
+    <dgm:sp3d/>
+    <dgm:txPr/>
+    <dgm:style>
+      <a:lnRef idx="2">
+        <a:scrgbClr r="0" g="0" b="0"/>
+      </a:lnRef>
+      <a:fillRef idx="1">
+        <a:scrgbClr r="0" g="0" b="0"/>
+      </a:fillRef>
+      <a:effectRef idx="0">
+        <a:scrgbClr r="0" g="0" b="0"/>
+      </a:effectRef>
+      <a:fontRef idx="minor">
+        <a:schemeClr val="lt1"/>
+      </a:fontRef>
+    </dgm:style>
+  </dgm:styleLbl>
+  <dgm:styleLbl name="parChTrans2D2">
+    <dgm:scene3d>
+      <a:camera prst="orthographicFront"/>
+      <a:lightRig rig="threePt" dir="t"/>
+    </dgm:scene3d>
+    <dgm:sp3d/>
+    <dgm:txPr/>
+    <dgm:style>
+      <a:lnRef idx="2">
+        <a:scrgbClr r="0" g="0" b="0"/>
+      </a:lnRef>
+      <a:fillRef idx="1">
+        <a:scrgbClr r="0" g="0" b="0"/>
+      </a:fillRef>
+      <a:effectRef idx="0">
+        <a:scrgbClr r="0" g="0" b="0"/>
+      </a:effectRef>
+      <a:fontRef idx="minor">
+        <a:schemeClr val="lt1"/>
+      </a:fontRef>
+    </dgm:style>
+  </dgm:styleLbl>
+  <dgm:styleLbl name="parChTrans2D3">
+    <dgm:scene3d>
+      <a:camera prst="orthographicFront"/>
+      <a:lightRig rig="threePt" dir="t"/>
+    </dgm:scene3d>
+    <dgm:sp3d/>
+    <dgm:txPr/>
+    <dgm:style>
+      <a:lnRef idx="2">
+        <a:scrgbClr r="0" g="0" b="0"/>
+      </a:lnRef>
+      <a:fillRef idx="1">
+        <a:scrgbClr r="0" g="0" b="0"/>
+      </a:fillRef>
+      <a:effectRef idx="0">
+        <a:scrgbClr r="0" g="0" b="0"/>
+      </a:effectRef>
+      <a:fontRef idx="minor">
+        <a:schemeClr val="lt1"/>
+      </a:fontRef>
+    </dgm:style>
+  </dgm:styleLbl>
+  <dgm:styleLbl name="parChTrans2D4">
+    <dgm:scene3d>
+      <a:camera prst="orthographicFront"/>
+      <a:lightRig rig="threePt" dir="t"/>
+    </dgm:scene3d>
+    <dgm:sp3d/>
+    <dgm:txPr/>
+    <dgm:style>
+      <a:lnRef idx="2">
+        <a:scrgbClr r="0" g="0" b="0"/>
+      </a:lnRef>
+      <a:fillRef idx="1">
+        <a:scrgbClr r="0" g="0" b="0"/>
+      </a:fillRef>
+      <a:effectRef idx="0">
+        <a:scrgbClr r="0" g="0" b="0"/>
+      </a:effectRef>
+      <a:fontRef idx="minor">
+        <a:schemeClr val="lt1"/>
+      </a:fontRef>
+    </dgm:style>
+  </dgm:styleLbl>
+  <dgm:styleLbl name="parChTrans1D1">
+    <dgm:scene3d>
+      <a:camera prst="orthographicFront"/>
+      <a:lightRig rig="threePt" dir="t"/>
+    </dgm:scene3d>
+    <dgm:sp3d/>
+    <dgm:txPr/>
+    <dgm:style>
+      <a:lnRef idx="2">
+        <a:scrgbClr r="0" g="0" b="0"/>
+      </a:lnRef>
+      <a:fillRef idx="0">
+        <a:scrgbClr r="0" g="0" b="0"/>
+      </a:fillRef>
+      <a:effectRef idx="0">
+        <a:scrgbClr r="0" g="0" b="0"/>
+      </a:effectRef>
+      <a:fontRef idx="minor"/>
+    </dgm:style>
+  </dgm:styleLbl>
+  <dgm:styleLbl name="parChTrans1D2">
+    <dgm:scene3d>
+      <a:camera prst="orthographicFront"/>
+      <a:lightRig rig="threePt" dir="t"/>
+    </dgm:scene3d>
+    <dgm:sp3d/>
+    <dgm:txPr/>
+    <dgm:style>
+      <a:lnRef idx="2">
+        <a:scrgbClr r="0" g="0" b="0"/>
+      </a:lnRef>
+      <a:fillRef idx="0">
+        <a:scrgbClr r="0" g="0" b="0"/>
+      </a:fillRef>
+      <a:effectRef idx="0">
+        <a:scrgbClr r="0" g="0" b="0"/>
+      </a:effectRef>
+      <a:fontRef idx="minor"/>
+    </dgm:style>
+  </dgm:styleLbl>
+  <dgm:styleLbl name="parChTrans1D3">
+    <dgm:scene3d>
+      <a:camera prst="orthographicFront"/>
+      <a:lightRig rig="threePt" dir="t"/>
+    </dgm:scene3d>
+    <dgm:sp3d/>
+    <dgm:txPr/>
+    <dgm:style>
+      <a:lnRef idx="2">
+        <a:scrgbClr r="0" g="0" b="0"/>
+      </a:lnRef>
+      <a:fillRef idx="0">
+        <a:scrgbClr r="0" g="0" b="0"/>
+      </a:fillRef>
+      <a:effectRef idx="0">
+        <a:scrgbClr r="0" g="0" b="0"/>
+      </a:effectRef>
+      <a:fontRef idx="minor"/>
+    </dgm:style>
+  </dgm:styleLbl>
+  <dgm:styleLbl name="parChTrans1D4">
+    <dgm:scene3d>
+      <a:camera prst="orthographicFront"/>
+      <a:lightRig rig="threePt" dir="t"/>
+    </dgm:scene3d>
+    <dgm:sp3d/>
+    <dgm:txPr/>
+    <dgm:style>
+      <a:lnRef idx="2">
+        <a:scrgbClr r="0" g="0" b="0"/>
+      </a:lnRef>
+      <a:fillRef idx="0">
+        <a:scrgbClr r="0" g="0" b="0"/>
+      </a:fillRef>
+      <a:effectRef idx="0">
+        <a:scrgbClr r="0" g="0" b="0"/>
+      </a:effectRef>
+      <a:fontRef idx="minor"/>
+    </dgm:style>
+  </dgm:styleLbl>
+  <dgm:styleLbl name="fgAcc1">
+    <dgm:scene3d>
+      <a:camera prst="orthographicFront"/>
+      <a:lightRig rig="threePt" dir="t"/>
+    </dgm:scene3d>
+    <dgm:sp3d/>
+    <dgm:txPr/>
+    <dgm:style>
+      <a:lnRef idx="2">
+        <a:scrgbClr r="0" g="0" b="0"/>
+      </a:lnRef>
+      <a:fillRef idx="1">
+        <a:scrgbClr r="0" g="0" b="0"/>
+      </a:fillRef>
+      <a:effectRef idx="0">
+        <a:scrgbClr r="0" g="0" b="0"/>
+      </a:effectRef>
+      <a:fontRef idx="minor"/>
+    </dgm:style>
+  </dgm:styleLbl>
+  <dgm:styleLbl name="conFgAcc1">
+    <dgm:scene3d>
+      <a:camera prst="orthographicFront"/>
+      <a:lightRig rig="threePt" dir="t"/>
+    </dgm:scene3d>
+    <dgm:sp3d/>
+    <dgm:txPr/>
+    <dgm:style>
+      <a:lnRef idx="2">
+        <a:scrgbClr r="0" g="0" b="0"/>
+      </a:lnRef>
+      <a:fillRef idx="1">
+        <a:scrgbClr r="0" g="0" b="0"/>
+      </a:fillRef>
+      <a:effectRef idx="0">
+        <a:scrgbClr r="0" g="0" b="0"/>
+      </a:effectRef>
+      <a:fontRef idx="minor"/>
+    </dgm:style>
+  </dgm:styleLbl>
+  <dgm:styleLbl name="alignAcc1">
+    <dgm:scene3d>
+      <a:camera prst="orthographicFront"/>
+      <a:lightRig rig="threePt" dir="t"/>
+    </dgm:scene3d>
+    <dgm:sp3d/>
+    <dgm:txPr/>
+    <dgm:style>
+      <a:lnRef idx="2">
+        <a:scrgbClr r="0" g="0" b="0"/>
+      </a:lnRef>
+      <a:fillRef idx="1">
+        <a:scrgbClr r="0" g="0" b="0"/>
+      </a:fillRef>
+      <a:effectRef idx="0">
+        <a:scrgbClr r="0" g="0" b="0"/>
+      </a:effectRef>
+      <a:fontRef idx="minor"/>
+    </dgm:style>
+  </dgm:styleLbl>
+  <dgm:styleLbl name="trAlignAcc1">
+    <dgm:scene3d>
+      <a:camera prst="orthographicFront"/>
+      <a:lightRig rig="threePt" dir="t"/>
+    </dgm:scene3d>
+    <dgm:sp3d/>
+    <dgm:txPr/>
+    <dgm:style>
+      <a:lnRef idx="1">
+        <a:scrgbClr r="0" g="0" b="0"/>
+      </a:lnRef>
+      <a:fillRef idx="1">
+        <a:scrgbClr r="0" g="0" b="0"/>
+      </a:fillRef>
+      <a:effectRef idx="0">
+        <a:scrgbClr r="0" g="0" b="0"/>
+      </a:effectRef>
+      <a:fontRef idx="minor"/>
+    </dgm:style>
+  </dgm:styleLbl>
+  <dgm:styleLbl name="bgAcc1">
+    <dgm:scene3d>
+      <a:camera prst="orthographicFront"/>
+      <a:lightRig rig="threePt" dir="t"/>
+    </dgm:scene3d>
+    <dgm:sp3d/>
+    <dgm:txPr/>
+    <dgm:style>
+      <a:lnRef idx="2">
+        <a:scrgbClr r="0" g="0" b="0"/>
+      </a:lnRef>
+      <a:fillRef idx="1">
+        <a:scrgbClr r="0" g="0" b="0"/>
+      </a:fillRef>
+      <a:effectRef idx="0">
+        <a:scrgbClr r="0" g="0" b="0"/>
+      </a:effectRef>
+      <a:fontRef idx="minor"/>
+    </dgm:style>
+  </dgm:styleLbl>
+  <dgm:styleLbl name="solidFgAcc1">
+    <dgm:scene3d>
+      <a:camera prst="orthographicFront"/>
+      <a:lightRig rig="threePt" dir="t"/>
+    </dgm:scene3d>
+    <dgm:sp3d/>
+    <dgm:txPr/>
+    <dgm:style>
+      <a:lnRef idx="2">
+        <a:scrgbClr r="0" g="0" b="0"/>
+      </a:lnRef>
+      <a:fillRef idx="1">
+        <a:scrgbClr r="0" g="0" b="0"/>
+      </a:fillRef>
+      <a:effectRef idx="0">
+        <a:scrgbClr r="0" g="0" b="0"/>
+      </a:effectRef>
+      <a:fontRef idx="minor"/>
+    </dgm:style>
+  </dgm:styleLbl>
+  <dgm:styleLbl name="solidAlignAcc1">
+    <dgm:scene3d>
+      <a:camera prst="orthographicFront"/>
+      <a:lightRig rig="threePt" dir="t"/>
+    </dgm:scene3d>
+    <dgm:sp3d/>
+    <dgm:txPr/>
+    <dgm:style>
+      <a:lnRef idx="2">
+        <a:scrgbClr r="0" g="0" b="0"/>
+      </a:lnRef>
+      <a:fillRef idx="1">
+        <a:scrgbClr r="0" g="0" b="0"/>
+      </a:fillRef>
+      <a:effectRef idx="0">
+        <a:scrgbClr r="0" g="0" b="0"/>
+      </a:effectRef>
+      <a:fontRef idx="minor"/>
+    </dgm:style>
+  </dgm:styleLbl>
+  <dgm:styleLbl name="solidBgAcc1">
+    <dgm:scene3d>
+      <a:camera prst="orthographicFront"/>
+      <a:lightRig rig="threePt" dir="t"/>
+    </dgm:scene3d>
+    <dgm:sp3d/>
+    <dgm:txPr/>
+    <dgm:style>
+      <a:lnRef idx="2">
+        <a:scrgbClr r="0" g="0" b="0"/>
+      </a:lnRef>
+      <a:fillRef idx="1">
+        <a:scrgbClr r="0" g="0" b="0"/>
+      </a:fillRef>
+      <a:effectRef idx="0">
+        <a:scrgbClr r="0" g="0" b="0"/>
+      </a:effectRef>
+      <a:fontRef idx="minor"/>
+    </dgm:style>
+  </dgm:styleLbl>
+  <dgm:styleLbl name="fgAccFollowNode1">
+    <dgm:scene3d>
+      <a:camera prst="orthographicFront"/>
+      <a:lightRig rig="threePt" dir="t"/>
+    </dgm:scene3d>
+    <dgm:sp3d/>
+    <dgm:txPr/>
+    <dgm:style>
+      <a:lnRef idx="2">
+        <a:scrgbClr r="0" g="0" b="0"/>
+      </a:lnRef>
+      <a:fillRef idx="1">
+        <a:scrgbClr r="0" g="0" b="0"/>
+      </a:fillRef>
+      <a:effectRef idx="0">
+        <a:scrgbClr r="0" g="0" b="0"/>
+      </a:effectRef>
+      <a:fontRef idx="minor"/>
+    </dgm:style>
+  </dgm:styleLbl>
+  <dgm:styleLbl name="alignAccFollowNode1">
+    <dgm:scene3d>
+      <a:camera prst="orthographicFront"/>
+      <a:lightRig rig="threePt" dir="t"/>
+    </dgm:scene3d>
+    <dgm:sp3d/>
+    <dgm:txPr/>
+    <dgm:style>
+      <a:lnRef idx="2">
+        <a:scrgbClr r="0" g="0" b="0"/>
+      </a:lnRef>
+      <a:fillRef idx="1">
+        <a:scrgbClr r="0" g="0" b="0"/>
+      </a:fillRef>
+      <a:effectRef idx="0">
+        <a:scrgbClr r="0" g="0" b="0"/>
+      </a:effectRef>
+      <a:fontRef idx="minor"/>
+    </dgm:style>
+  </dgm:styleLbl>
+  <dgm:styleLbl name="bgAccFollowNode1">
+    <dgm:scene3d>
+      <a:camera prst="orthographicFront"/>
+      <a:lightRig rig="threePt" dir="t"/>
+    </dgm:scene3d>
+    <dgm:sp3d/>
+    <dgm:txPr/>
+    <dgm:style>
+      <a:lnRef idx="2">
+        <a:scrgbClr r="0" g="0" b="0"/>
+      </a:lnRef>
+      <a:fillRef idx="1">
+        <a:scrgbClr r="0" g="0" b="0"/>
+      </a:fillRef>
+      <a:effectRef idx="0">
+        <a:scrgbClr r="0" g="0" b="0"/>
+      </a:effectRef>
+      <a:fontRef idx="minor"/>
+    </dgm:style>
+  </dgm:styleLbl>
+  <dgm:styleLbl name="fgAcc0">
+    <dgm:scene3d>
+      <a:camera prst="orthographicFront"/>
+      <a:lightRig rig="threePt" dir="t"/>
+    </dgm:scene3d>
+    <dgm:sp3d/>
+    <dgm:txPr/>
+    <dgm:style>
+      <a:lnRef idx="2">
+        <a:scrgbClr r="0" g="0" b="0"/>
+      </a:lnRef>
+      <a:fillRef idx="1">
+        <a:scrgbClr r="0" g="0" b="0"/>
+      </a:fillRef>
+      <a:effectRef idx="0">
+        <a:scrgbClr r="0" g="0" b="0"/>
+      </a:effectRef>
+      <a:fontRef idx="minor"/>
+    </dgm:style>
+  </dgm:styleLbl>
+  <dgm:styleLbl name="fgAcc2">
+    <dgm:scene3d>
+      <a:camera prst="orthographicFront"/>
+      <a:lightRig rig="threePt" dir="t"/>
+    </dgm:scene3d>
+    <dgm:sp3d/>
+    <dgm:txPr/>
+    <dgm:style>
+      <a:lnRef idx="2">
+        <a:scrgbClr r="0" g="0" b="0"/>
+      </a:lnRef>
+      <a:fillRef idx="1">
+        <a:scrgbClr r="0" g="0" b="0"/>
+      </a:fillRef>
+      <a:effectRef idx="0">
+        <a:scrgbClr r="0" g="0" b="0"/>
+      </a:effectRef>
+      <a:fontRef idx="minor"/>
+    </dgm:style>
+  </dgm:styleLbl>
+  <dgm:styleLbl name="fgAcc3">
+    <dgm:scene3d>
+      <a:camera prst="orthographicFront"/>
+      <a:lightRig rig="threePt" dir="t"/>
+    </dgm:scene3d>
+    <dgm:sp3d/>
+    <dgm:txPr/>
+    <dgm:style>
+      <a:lnRef idx="2">
+        <a:scrgbClr r="0" g="0" b="0"/>
+      </a:lnRef>
+      <a:fillRef idx="1">
+        <a:scrgbClr r="0" g="0" b="0"/>
+      </a:fillRef>
+      <a:effectRef idx="0">
+        <a:scrgbClr r="0" g="0" b="0"/>
+      </a:effectRef>
+      <a:fontRef idx="minor"/>
+    </dgm:style>
+  </dgm:styleLbl>
+  <dgm:styleLbl name="fgAcc4">
+    <dgm:scene3d>
+      <a:camera prst="orthographicFront"/>
+      <a:lightRig rig="threePt" dir="t"/>
+    </dgm:scene3d>
+    <dgm:sp3d/>
+    <dgm:txPr/>
+    <dgm:style>
+      <a:lnRef idx="2">
+        <a:scrgbClr r="0" g="0" b="0"/>
+      </a:lnRef>
+      <a:fillRef idx="1">
+        <a:scrgbClr r="0" g="0" b="0"/>
+      </a:fillRef>
+      <a:effectRef idx="0">
+        <a:scrgbClr r="0" g="0" b="0"/>
+      </a:effectRef>
+      <a:fontRef idx="minor"/>
+    </dgm:style>
+  </dgm:styleLbl>
+  <dgm:styleLbl name="bgShp">
+    <dgm:scene3d>
+      <a:camera prst="orthographicFront"/>
+      <a:lightRig rig="threePt" dir="t"/>
+    </dgm:scene3d>
+    <dgm:sp3d/>
+    <dgm:txPr/>
+    <dgm:style>
+      <a:lnRef idx="0">
+        <a:scrgbClr r="0" g="0" b="0"/>
+      </a:lnRef>
+      <a:fillRef idx="1">
+        <a:scrgbClr r="0" g="0" b="0"/>
+      </a:fillRef>
+      <a:effectRef idx="0">
+        <a:scrgbClr r="0" g="0" b="0"/>
+      </a:effectRef>
+      <a:fontRef idx="minor"/>
+    </dgm:style>
+  </dgm:styleLbl>
+  <dgm:styleLbl name="dkBgShp">
+    <dgm:scene3d>
+      <a:camera prst="orthographicFront"/>
+      <a:lightRig rig="threePt" dir="t"/>
+    </dgm:scene3d>
+    <dgm:sp3d/>
+    <dgm:txPr/>
+    <dgm:style>
+      <a:lnRef idx="0">
+        <a:scrgbClr r="0" g="0" b="0"/>
+      </a:lnRef>
+      <a:fillRef idx="1">
+        <a:scrgbClr r="0" g="0" b="0"/>
+      </a:fillRef>
+      <a:effectRef idx="0">
+        <a:scrgbClr r="0" g="0" b="0"/>
+      </a:effectRef>
+      <a:fontRef idx="minor"/>
+    </dgm:style>
+  </dgm:styleLbl>
+  <dgm:styleLbl name="trBgShp">
+    <dgm:scene3d>
+      <a:camera prst="orthographicFront"/>
+      <a:lightRig rig="threePt" dir="t"/>
+    </dgm:scene3d>
+    <dgm:sp3d/>
+    <dgm:txPr/>
+    <dgm:style>
+      <a:lnRef idx="0">
+        <a:scrgbClr r="0" g="0" b="0"/>
+      </a:lnRef>
+      <a:fillRef idx="1">
+        <a:scrgbClr r="0" g="0" b="0"/>
+      </a:fillRef>
+      <a:effectRef idx="0">
+        <a:scrgbClr r="0" g="0" b="0"/>
+      </a:effectRef>
+      <a:fontRef idx="minor"/>
+    </dgm:style>
+  </dgm:styleLbl>
+  <dgm:styleLbl name="fgShp">
+    <dgm:scene3d>
+      <a:camera prst="orthographicFront"/>
+      <a:lightRig rig="threePt" dir="t"/>
+    </dgm:scene3d>
+    <dgm:sp3d/>
+    <dgm:txPr/>
+    <dgm:style>
+      <a:lnRef idx="2">
+        <a:scrgbClr r="0" g="0" b="0"/>
+      </a:lnRef>
+      <a:fillRef idx="1">
+        <a:scrgbClr r="0" g="0" b="0"/>
+      </a:fillRef>
+      <a:effectRef idx="0">
+        <a:scrgbClr r="0" g="0" b="0"/>
+      </a:effectRef>
+      <a:fontRef idx="minor"/>
+    </dgm:style>
+  </dgm:styleLbl>
+  <dgm:styleLbl name="revTx">
+    <dgm:scene3d>
+      <a:camera prst="orthographicFront"/>
+      <a:lightRig rig="threePt" dir="t"/>
+    </dgm:scene3d>
+    <dgm:sp3d/>
+    <dgm:txPr/>
+    <dgm:style>
+      <a:lnRef idx="0">
+        <a:scrgbClr r="0" g="0" b="0"/>
+      </a:lnRef>
+      <a:fillRef idx="0">
+        <a:scrgbClr r="0" g="0" b="0"/>
+      </a:fillRef>
+      <a:effectRef idx="0">
+        <a:scrgbClr r="0" g="0" b="0"/>
+      </a:effectRef>
+      <a:fontRef idx="minor"/>
+    </dgm:style>
+  </dgm:styleLbl>
+</dgm:styleDef>
+</file>
+
+<file path=ppt/diagrams/quickStyle2.xml><?xml version="1.0" encoding="utf-8"?>
+<dgm:styleDef xmlns:dgm="http://schemas.openxmlformats.org/drawingml/2006/diagram" xmlns:a="http://schemas.openxmlformats.org/drawingml/2006/main" uniqueId="urn:microsoft.com/office/officeart/2005/8/quickstyle/simple1">
+  <dgm:title val=""/>
+  <dgm:desc val=""/>
+  <dgm:catLst>
+    <dgm:cat type="simple" pri="10100"/>
+  </dgm:catLst>
+  <dgm:scene3d>
+    <a:camera prst="orthographicFront"/>
+    <a:lightRig rig="threePt" dir="t"/>
+  </dgm:scene3d>
+  <dgm:styleLbl name="node0">
+    <dgm:scene3d>
+      <a:camera prst="orthographicFront"/>
+      <a:lightRig rig="threePt" dir="t"/>
+    </dgm:scene3d>
+    <dgm:sp3d/>
+    <dgm:txPr/>
+    <dgm:style>
+      <a:lnRef idx="2">
+        <a:scrgbClr r="0" g="0" b="0"/>
+      </a:lnRef>
+      <a:fillRef idx="1">
+        <a:scrgbClr r="0" g="0" b="0"/>
+      </a:fillRef>
+      <a:effectRef idx="0">
+        <a:scrgbClr r="0" g="0" b="0"/>
+      </a:effectRef>
+      <a:fontRef idx="minor">
+        <a:schemeClr val="lt1"/>
+      </a:fontRef>
+    </dgm:style>
+  </dgm:styleLbl>
+  <dgm:styleLbl name="lnNode1">
+    <dgm:scene3d>
+      <a:camera prst="orthographicFront"/>
+      <a:lightRig rig="threePt" dir="t"/>
+    </dgm:scene3d>
+    <dgm:sp3d/>
+    <dgm:txPr/>
+    <dgm:style>
+      <a:lnRef idx="2">
+        <a:scrgbClr r="0" g="0" b="0"/>
+      </a:lnRef>
+      <a:fillRef idx="1">
+        <a:scrgbClr r="0" g="0" b="0"/>
+      </a:fillRef>
+      <a:effectRef idx="0">
+        <a:scrgbClr r="0" g="0" b="0"/>
+      </a:effectRef>
+      <a:fontRef idx="minor">
+        <a:schemeClr val="lt1"/>
+      </a:fontRef>
+    </dgm:style>
+  </dgm:styleLbl>
+  <dgm:styleLbl name="vennNode1">
+    <dgm:scene3d>
+      <a:camera prst="orthographicFront"/>
+      <a:lightRig rig="threePt" dir="t"/>
+    </dgm:scene3d>
+    <dgm:sp3d/>
+    <dgm:txPr/>
+    <dgm:style>
+      <a:lnRef idx="2">
+        <a:scrgbClr r="0" g="0" b="0"/>
+      </a:lnRef>
+      <a:fillRef idx="1">
+        <a:scrgbClr r="0" g="0" b="0"/>
+      </a:fillRef>
+      <a:effectRef idx="0">
+        <a:scrgbClr r="0" g="0" b="0"/>
+      </a:effectRef>
+      <a:fontRef idx="minor">
+        <a:schemeClr val="tx1"/>
+      </a:fontRef>
+    </dgm:style>
+  </dgm:styleLbl>
+  <dgm:styleLbl name="alignNode1">
+    <dgm:scene3d>
+      <a:camera prst="orthographicFront"/>
+      <a:lightRig rig="threePt" dir="t"/>
+    </dgm:scene3d>
+    <dgm:sp3d/>
+    <dgm:txPr/>
+    <dgm:style>
+      <a:lnRef idx="2">
+        <a:scrgbClr r="0" g="0" b="0"/>
+      </a:lnRef>
+      <a:fillRef idx="1">
+        <a:scrgbClr r="0" g="0" b="0"/>
+      </a:fillRef>
+      <a:effectRef idx="0">
+        <a:scrgbClr r="0" g="0" b="0"/>
+      </a:effectRef>
+      <a:fontRef idx="minor">
+        <a:schemeClr val="lt1"/>
+      </a:fontRef>
+    </dgm:style>
+  </dgm:styleLbl>
+  <dgm:styleLbl name="node1">
+    <dgm:scene3d>
+      <a:camera prst="orthographicFront"/>
+      <a:lightRig rig="threePt" dir="t"/>
+    </dgm:scene3d>
+    <dgm:sp3d/>
+    <dgm:txPr/>
+    <dgm:style>
+      <a:lnRef idx="2">
+        <a:scrgbClr r="0" g="0" b="0"/>
+      </a:lnRef>
+      <a:fillRef idx="1">
+        <a:scrgbClr r="0" g="0" b="0"/>
+      </a:fillRef>
+      <a:effectRef idx="0">
+        <a:scrgbClr r="0" g="0" b="0"/>
+      </a:effectRef>
+      <a:fontRef idx="minor">
+        <a:schemeClr val="lt1"/>
+      </a:fontRef>
+    </dgm:style>
+  </dgm:styleLbl>
+  <dgm:styleLbl name="node2">
+    <dgm:scene3d>
+      <a:camera prst="orthographicFront"/>
+      <a:lightRig rig="threePt" dir="t"/>
+    </dgm:scene3d>
+    <dgm:sp3d/>
+    <dgm:txPr/>
+    <dgm:style>
+      <a:lnRef idx="2">
+        <a:scrgbClr r="0" g="0" b="0"/>
+      </a:lnRef>
+      <a:fillRef idx="1">
+        <a:scrgbClr r="0" g="0" b="0"/>
+      </a:fillRef>
+      <a:effectRef idx="0">
+        <a:scrgbClr r="0" g="0" b="0"/>
+      </a:effectRef>
+      <a:fontRef idx="minor">
+        <a:schemeClr val="lt1"/>
+      </a:fontRef>
+    </dgm:style>
+  </dgm:styleLbl>
+  <dgm:styleLbl name="node3">
+    <dgm:scene3d>
+      <a:camera prst="orthographicFront"/>
+      <a:lightRig rig="threePt" dir="t"/>
+    </dgm:scene3d>
+    <dgm:sp3d/>
+    <dgm:txPr/>
+    <dgm:style>
+      <a:lnRef idx="2">
+        <a:scrgbClr r="0" g="0" b="0"/>
+      </a:lnRef>
+      <a:fillRef idx="1">
+        <a:scrgbClr r="0" g="0" b="0"/>
+      </a:fillRef>
+      <a:effectRef idx="0">
+        <a:scrgbClr r="0" g="0" b="0"/>
+      </a:effectRef>
+      <a:fontRef idx="minor">
+        <a:schemeClr val="lt1"/>
+      </a:fontRef>
+    </dgm:style>
+  </dgm:styleLbl>
+  <dgm:styleLbl name="node4">
+    <dgm:scene3d>
+      <a:camera prst="orthographicFront"/>
+      <a:lightRig rig="threePt" dir="t"/>
+    </dgm:scene3d>
+    <dgm:sp3d/>
+    <dgm:txPr/>
+    <dgm:style>
+      <a:lnRef idx="2">
+        <a:scrgbClr r="0" g="0" b="0"/>
+      </a:lnRef>
+      <a:fillRef idx="1">
+        <a:scrgbClr r="0" g="0" b="0"/>
+      </a:fillRef>
+      <a:effectRef idx="0">
+        <a:scrgbClr r="0" g="0" b="0"/>
+      </a:effectRef>
+      <a:fontRef idx="minor">
+        <a:schemeClr val="lt1"/>
+      </a:fontRef>
+    </dgm:style>
+  </dgm:styleLbl>
+  <dgm:styleLbl name="fgImgPlace1">
+    <dgm:scene3d>
+      <a:camera prst="orthographicFront"/>
+      <a:lightRig rig="threePt" dir="t"/>
+    </dgm:scene3d>
+    <dgm:sp3d/>
+    <dgm:txPr/>
+    <dgm:style>
+      <a:lnRef idx="2">
+        <a:scrgbClr r="0" g="0" b="0"/>
+      </a:lnRef>
+      <a:fillRef idx="1">
+        <a:scrgbClr r="0" g="0" b="0"/>
+      </a:fillRef>
+      <a:effectRef idx="0">
+        <a:scrgbClr r="0" g="0" b="0"/>
+      </a:effectRef>
+      <a:fontRef idx="minor"/>
+    </dgm:style>
+  </dgm:styleLbl>
+  <dgm:styleLbl name="alignImgPlace1">
+    <dgm:scene3d>
+      <a:camera prst="orthographicFront"/>
+      <a:lightRig rig="threePt" dir="t"/>
+    </dgm:scene3d>
+    <dgm:sp3d/>
+    <dgm:txPr/>
+    <dgm:style>
+      <a:lnRef idx="2">
+        <a:scrgbClr r="0" g="0" b="0"/>
+      </a:lnRef>
+      <a:fillRef idx="1">
+        <a:scrgbClr r="0" g="0" b="0"/>
+      </a:fillRef>
+      <a:effectRef idx="0">
+        <a:scrgbClr r="0" g="0" b="0"/>
+      </a:effectRef>
+      <a:fontRef idx="minor"/>
+    </dgm:style>
+  </dgm:styleLbl>
+  <dgm:styleLbl name="bgImgPlace1">
+    <dgm:scene3d>
+      <a:camera prst="orthographicFront"/>
+      <a:lightRig rig="threePt" dir="t"/>
+    </dgm:scene3d>
+    <dgm:sp3d/>
+    <dgm:txPr/>
+    <dgm:style>
+      <a:lnRef idx="2">
+        <a:scrgbClr r="0" g="0" b="0"/>
+      </a:lnRef>
+      <a:fillRef idx="1">
+        <a:scrgbClr r="0" g="0" b="0"/>
+      </a:fillRef>
+      <a:effectRef idx="0">
+        <a:scrgbClr r="0" g="0" b="0"/>
+      </a:effectRef>
+      <a:fontRef idx="minor"/>
+    </dgm:style>
+  </dgm:styleLbl>
+  <dgm:styleLbl name="sibTrans2D1">
+    <dgm:scene3d>
+      <a:camera prst="orthographicFront"/>
+      <a:lightRig rig="threePt" dir="t"/>
+    </dgm:scene3d>
+    <dgm:sp3d/>
+    <dgm:txPr/>
+    <dgm:style>
+      <a:lnRef idx="0">
+        <a:scrgbClr r="0" g="0" b="0"/>
+      </a:lnRef>
+      <a:fillRef idx="1">
+        <a:scrgbClr r="0" g="0" b="0"/>
+      </a:fillRef>
+      <a:effectRef idx="0">
+        <a:scrgbClr r="0" g="0" b="0"/>
+      </a:effectRef>
+      <a:fontRef idx="minor">
+        <a:schemeClr val="lt1"/>
+      </a:fontRef>
+    </dgm:style>
+  </dgm:styleLbl>
+  <dgm:styleLbl name="fgSibTrans2D1">
+    <dgm:scene3d>
+      <a:camera prst="orthographicFront"/>
+      <a:lightRig rig="threePt" dir="t"/>
+    </dgm:scene3d>
+    <dgm:sp3d/>
+    <dgm:txPr/>
+    <dgm:style>
+      <a:lnRef idx="0">
+        <a:scrgbClr r="0" g="0" b="0"/>
+      </a:lnRef>
+      <a:fillRef idx="1">
+        <a:scrgbClr r="0" g="0" b="0"/>
+      </a:fillRef>
+      <a:effectRef idx="0">
+        <a:scrgbClr r="0" g="0" b="0"/>
+      </a:effectRef>
+      <a:fontRef idx="minor">
+        <a:schemeClr val="lt1"/>
+      </a:fontRef>
+    </dgm:style>
+  </dgm:styleLbl>
+  <dgm:styleLbl name="bgSibTrans2D1">
+    <dgm:scene3d>
+      <a:camera prst="orthographicFront"/>
+      <a:lightRig rig="threePt" dir="t"/>
+    </dgm:scene3d>
+    <dgm:sp3d/>
+    <dgm:txPr/>
+    <dgm:style>
+      <a:lnRef idx="0">
+        <a:scrgbClr r="0" g="0" b="0"/>
+      </a:lnRef>
+      <a:fillRef idx="1">
+        <a:scrgbClr r="0" g="0" b="0"/>
+      </a:fillRef>
+      <a:effectRef idx="0">
+        <a:scrgbClr r="0" g="0" b="0"/>
+      </a:effectRef>
+      <a:fontRef idx="minor">
+        <a:schemeClr val="lt1"/>
+      </a:fontRef>
+    </dgm:style>
+  </dgm:styleLbl>
+  <dgm:styleLbl name="sibTrans1D1">
+    <dgm:scene3d>
+      <a:camera prst="orthographicFront"/>
+      <a:lightRig rig="threePt" dir="t"/>
+    </dgm:scene3d>
+    <dgm:sp3d/>
+    <dgm:txPr/>
+    <dgm:style>
+      <a:lnRef idx="1">
+        <a:scrgbClr r="0" g="0" b="0"/>
+      </a:lnRef>
+      <a:fillRef idx="0">
+        <a:scrgbClr r="0" g="0" b="0"/>
+      </a:fillRef>
+      <a:effectRef idx="0">
+        <a:scrgbClr r="0" g="0" b="0"/>
+      </a:effectRef>
+      <a:fontRef idx="minor"/>
+    </dgm:style>
+  </dgm:styleLbl>
+  <dgm:styleLbl name="callout">
+    <dgm:scene3d>
+      <a:camera prst="orthographicFront"/>
+      <a:lightRig rig="threePt" dir="t"/>
+    </dgm:scene3d>
+    <dgm:sp3d/>
+    <dgm:txPr/>
+    <dgm:style>
+      <a:lnRef idx="2">
+        <a:scrgbClr r="0" g="0" b="0"/>
+      </a:lnRef>
+      <a:fillRef idx="1">
+        <a:scrgbClr r="0" g="0" b="0"/>
+      </a:fillRef>
+      <a:effectRef idx="0">
+        <a:scrgbClr r="0" g="0" b="0"/>
+      </a:effectRef>
+      <a:fontRef idx="minor"/>
+    </dgm:style>
+  </dgm:styleLbl>
+  <dgm:styleLbl name="asst0">
+    <dgm:scene3d>
+      <a:camera prst="orthographicFront"/>
+      <a:lightRig rig="threePt" dir="t"/>
+    </dgm:scene3d>
+    <dgm:sp3d/>
+    <dgm:txPr/>
+    <dgm:style>
+      <a:lnRef idx="2">
+        <a:scrgbClr r="0" g="0" b="0"/>
+      </a:lnRef>
+      <a:fillRef idx="1">
+        <a:scrgbClr r="0" g="0" b="0"/>
+      </a:fillRef>
+      <a:effectRef idx="0">
+        <a:scrgbClr r="0" g="0" b="0"/>
+      </a:effectRef>
+      <a:fontRef idx="minor">
+        <a:schemeClr val="lt1"/>
+      </a:fontRef>
+    </dgm:style>
+  </dgm:styleLbl>
+  <dgm:styleLbl name="asst1">
+    <dgm:scene3d>
+      <a:camera prst="orthographicFront"/>
+      <a:lightRig rig="threePt" dir="t"/>
+    </dgm:scene3d>
+    <dgm:sp3d/>
+    <dgm:txPr/>
+    <dgm:style>
+      <a:lnRef idx="2">
+        <a:scrgbClr r="0" g="0" b="0"/>
+      </a:lnRef>
+      <a:fillRef idx="1">
+        <a:scrgbClr r="0" g="0" b="0"/>
+      </a:fillRef>
+      <a:effectRef idx="0">
+        <a:scrgbClr r="0" g="0" b="0"/>
+      </a:effectRef>
+      <a:fontRef idx="minor">
+        <a:schemeClr val="lt1"/>
+      </a:fontRef>
+    </dgm:style>
+  </dgm:styleLbl>
+  <dgm:styleLbl name="asst2">
+    <dgm:scene3d>
+      <a:camera prst="orthographicFront"/>
+      <a:lightRig rig="threePt" dir="t"/>
+    </dgm:scene3d>
+    <dgm:sp3d/>
+    <dgm:txPr/>
+    <dgm:style>
+      <a:lnRef idx="2">
+        <a:scrgbClr r="0" g="0" b="0"/>
+      </a:lnRef>
+      <a:fillRef idx="1">
+        <a:scrgbClr r="0" g="0" b="0"/>
+      </a:fillRef>
+      <a:effectRef idx="0">
+        <a:scrgbClr r="0" g="0" b="0"/>
+      </a:effectRef>
+      <a:fontRef idx="minor">
+        <a:schemeClr val="lt1"/>
+      </a:fontRef>
+    </dgm:style>
+  </dgm:styleLbl>
+  <dgm:styleLbl name="asst3">
+    <dgm:scene3d>
+      <a:camera prst="orthographicFront"/>
+      <a:lightRig rig="threePt" dir="t"/>
+    </dgm:scene3d>
+    <dgm:sp3d/>
+    <dgm:txPr/>
+    <dgm:style>
+      <a:lnRef idx="2">
+        <a:scrgbClr r="0" g="0" b="0"/>
+      </a:lnRef>
+      <a:fillRef idx="1">
+        <a:scrgbClr r="0" g="0" b="0"/>
+      </a:fillRef>
+      <a:effectRef idx="0">
+        <a:scrgbClr r="0" g="0" b="0"/>
+      </a:effectRef>
+      <a:fontRef idx="minor">
+        <a:schemeClr val="lt1"/>
+      </a:fontRef>
+    </dgm:style>
+  </dgm:styleLbl>
+  <dgm:styleLbl name="asst4">
+    <dgm:scene3d>
+      <a:camera prst="orthographicFront"/>
+      <a:lightRig rig="threePt" dir="t"/>
+    </dgm:scene3d>
+    <dgm:sp3d/>
+    <dgm:txPr/>
+    <dgm:style>
+      <a:lnRef idx="2">
+        <a:scrgbClr r="0" g="0" b="0"/>
+      </a:lnRef>
+      <a:fillRef idx="1">
+        <a:scrgbClr r="0" g="0" b="0"/>
+      </a:fillRef>
+      <a:effectRef idx="0">
+        <a:scrgbClr r="0" g="0" b="0"/>
+      </a:effectRef>
+      <a:fontRef idx="minor">
+        <a:schemeClr val="lt1"/>
+      </a:fontRef>
+    </dgm:style>
+  </dgm:styleLbl>
+  <dgm:styleLbl name="parChTrans2D1">
+    <dgm:scene3d>
+      <a:camera prst="orthographicFront"/>
+      <a:lightRig rig="threePt" dir="t"/>
+    </dgm:scene3d>
+    <dgm:sp3d/>
+    <dgm:txPr/>
+    <dgm:style>
+      <a:lnRef idx="2">
+        <a:scrgbClr r="0" g="0" b="0"/>
+      </a:lnRef>
+      <a:fillRef idx="1">
+        <a:scrgbClr r="0" g="0" b="0"/>
+      </a:fillRef>
+      <a:effectRef idx="0">
+        <a:scrgbClr r="0" g="0" b="0"/>
+      </a:effectRef>
+      <a:fontRef idx="minor">
+        <a:schemeClr val="lt1"/>
+      </a:fontRef>
+    </dgm:style>
+  </dgm:styleLbl>
+  <dgm:styleLbl name="parChTrans2D2">
+    <dgm:scene3d>
+      <a:camera prst="orthographicFront"/>
+      <a:lightRig rig="threePt" dir="t"/>
+    </dgm:scene3d>
+    <dgm:sp3d/>
+    <dgm:txPr/>
+    <dgm:style>
+      <a:lnRef idx="2">
+        <a:scrgbClr r="0" g="0" b="0"/>
+      </a:lnRef>
+      <a:fillRef idx="1">
+        <a:scrgbClr r="0" g="0" b="0"/>
+      </a:fillRef>
+      <a:effectRef idx="0">
+        <a:scrgbClr r="0" g="0" b="0"/>
+      </a:effectRef>
+      <a:fontRef idx="minor">
+        <a:schemeClr val="lt1"/>
+      </a:fontRef>
+    </dgm:style>
+  </dgm:styleLbl>
+  <dgm:styleLbl name="parChTrans2D3">
+    <dgm:scene3d>
+      <a:camera prst="orthographicFront"/>
+      <a:lightRig rig="threePt" dir="t"/>
+    </dgm:scene3d>
+    <dgm:sp3d/>
+    <dgm:txPr/>
+    <dgm:style>
+      <a:lnRef idx="2">
+        <a:scrgbClr r="0" g="0" b="0"/>
+      </a:lnRef>
+      <a:fillRef idx="1">
+        <a:scrgbClr r="0" g="0" b="0"/>
+      </a:fillRef>
+      <a:effectRef idx="0">
+        <a:scrgbClr r="0" g="0" b="0"/>
+      </a:effectRef>
+      <a:fontRef idx="minor">
+        <a:schemeClr val="lt1"/>
+      </a:fontRef>
+    </dgm:style>
+  </dgm:styleLbl>
+  <dgm:styleLbl name="parChTrans2D4">
+    <dgm:scene3d>
+      <a:camera prst="orthographicFront"/>
+      <a:lightRig rig="threePt" dir="t"/>
+    </dgm:scene3d>
+    <dgm:sp3d/>
+    <dgm:txPr/>
+    <dgm:style>
+      <a:lnRef idx="2">
+        <a:scrgbClr r="0" g="0" b="0"/>
+      </a:lnRef>
+      <a:fillRef idx="1">
+        <a:scrgbClr r="0" g="0" b="0"/>
+      </a:fillRef>
+      <a:effectRef idx="0">
+        <a:scrgbClr r="0" g="0" b="0"/>
+      </a:effectRef>
+      <a:fontRef idx="minor">
+        <a:schemeClr val="lt1"/>
+      </a:fontRef>
+    </dgm:style>
+  </dgm:styleLbl>
+  <dgm:styleLbl name="parChTrans1D1">
+    <dgm:scene3d>
+      <a:camera prst="orthographicFront"/>
+      <a:lightRig rig="threePt" dir="t"/>
+    </dgm:scene3d>
+    <dgm:sp3d/>
+    <dgm:txPr/>
+    <dgm:style>
+      <a:lnRef idx="2">
+        <a:scrgbClr r="0" g="0" b="0"/>
+      </a:lnRef>
+      <a:fillRef idx="0">
+        <a:scrgbClr r="0" g="0" b="0"/>
+      </a:fillRef>
+      <a:effectRef idx="0">
+        <a:scrgbClr r="0" g="0" b="0"/>
+      </a:effectRef>
+      <a:fontRef idx="minor"/>
+    </dgm:style>
+  </dgm:styleLbl>
+  <dgm:styleLbl name="parChTrans1D2">
+    <dgm:scene3d>
+      <a:camera prst="orthographicFront"/>
+      <a:lightRig rig="threePt" dir="t"/>
+    </dgm:scene3d>
+    <dgm:sp3d/>
+    <dgm:txPr/>
+    <dgm:style>
+      <a:lnRef idx="2">
+        <a:scrgbClr r="0" g="0" b="0"/>
+      </a:lnRef>
+      <a:fillRef idx="0">
+        <a:scrgbClr r="0" g="0" b="0"/>
+      </a:fillRef>
+      <a:effectRef idx="0">
+        <a:scrgbClr r="0" g="0" b="0"/>
+      </a:effectRef>
+      <a:fontRef idx="minor"/>
+    </dgm:style>
+  </dgm:styleLbl>
+  <dgm:styleLbl name="parChTrans1D3">
+    <dgm:scene3d>
+      <a:camera prst="orthographicFront"/>
+      <a:lightRig rig="threePt" dir="t"/>
+    </dgm:scene3d>
+    <dgm:sp3d/>
+    <dgm:txPr/>
+    <dgm:style>
+      <a:lnRef idx="2">
+        <a:scrgbClr r="0" g="0" b="0"/>
+      </a:lnRef>
+      <a:fillRef idx="0">
+        <a:scrgbClr r="0" g="0" b="0"/>
+      </a:fillRef>
+      <a:effectRef idx="0">
+        <a:scrgbClr r="0" g="0" b="0"/>
+      </a:effectRef>
+      <a:fontRef idx="minor"/>
+    </dgm:style>
+  </dgm:styleLbl>
+  <dgm:styleLbl name="parChTrans1D4">
+    <dgm:scene3d>
+      <a:camera prst="orthographicFront"/>
+      <a:lightRig rig="threePt" dir="t"/>
+    </dgm:scene3d>
+    <dgm:sp3d/>
+    <dgm:txPr/>
+    <dgm:style>
+      <a:lnRef idx="2">
+        <a:scrgbClr r="0" g="0" b="0"/>
+      </a:lnRef>
+      <a:fillRef idx="0">
+        <a:scrgbClr r="0" g="0" b="0"/>
+      </a:fillRef>
+      <a:effectRef idx="0">
+        <a:scrgbClr r="0" g="0" b="0"/>
+      </a:effectRef>
+      <a:fontRef idx="minor"/>
+    </dgm:style>
+  </dgm:styleLbl>
+  <dgm:styleLbl name="fgAcc1">
+    <dgm:scene3d>
+      <a:camera prst="orthographicFront"/>
+      <a:lightRig rig="threePt" dir="t"/>
+    </dgm:scene3d>
+    <dgm:sp3d/>
+    <dgm:txPr/>
+    <dgm:style>
+      <a:lnRef idx="2">
+        <a:scrgbClr r="0" g="0" b="0"/>
+      </a:lnRef>
+      <a:fillRef idx="1">
+        <a:scrgbClr r="0" g="0" b="0"/>
+      </a:fillRef>
+      <a:effectRef idx="0">
+        <a:scrgbClr r="0" g="0" b="0"/>
+      </a:effectRef>
+      <a:fontRef idx="minor"/>
+    </dgm:style>
+  </dgm:styleLbl>
+  <dgm:styleLbl name="conFgAcc1">
+    <dgm:scene3d>
+      <a:camera prst="orthographicFront"/>
+      <a:lightRig rig="threePt" dir="t"/>
+    </dgm:scene3d>
+    <dgm:sp3d/>
+    <dgm:txPr/>
+    <dgm:style>
+      <a:lnRef idx="2">
+        <a:scrgbClr r="0" g="0" b="0"/>
+      </a:lnRef>
+      <a:fillRef idx="1">
+        <a:scrgbClr r="0" g="0" b="0"/>
+      </a:fillRef>
+      <a:effectRef idx="0">
+        <a:scrgbClr r="0" g="0" b="0"/>
+      </a:effectRef>
+      <a:fontRef idx="minor"/>
+    </dgm:style>
+  </dgm:styleLbl>
+  <dgm:styleLbl name="alignAcc1">
+    <dgm:scene3d>
+      <a:camera prst="orthographicFront"/>
+      <a:lightRig rig="threePt" dir="t"/>
+    </dgm:scene3d>
+    <dgm:sp3d/>
+    <dgm:txPr/>
+    <dgm:style>
+      <a:lnRef idx="2">
+        <a:scrgbClr r="0" g="0" b="0"/>
+      </a:lnRef>
+      <a:fillRef idx="1">
+        <a:scrgbClr r="0" g="0" b="0"/>
+      </a:fillRef>
+      <a:effectRef idx="0">
+        <a:scrgbClr r="0" g="0" b="0"/>
+      </a:effectRef>
+      <a:fontRef idx="minor"/>
+    </dgm:style>
+  </dgm:styleLbl>
+  <dgm:styleLbl name="trAlignAcc1">
+    <dgm:scene3d>
+      <a:camera prst="orthographicFront"/>
+      <a:lightRig rig="threePt" dir="t"/>
+    </dgm:scene3d>
+    <dgm:sp3d/>
+    <dgm:txPr/>
+    <dgm:style>
+      <a:lnRef idx="1">
+        <a:scrgbClr r="0" g="0" b="0"/>
+      </a:lnRef>
+      <a:fillRef idx="1">
+        <a:scrgbClr r="0" g="0" b="0"/>
+      </a:fillRef>
+      <a:effectRef idx="0">
+        <a:scrgbClr r="0" g="0" b="0"/>
+      </a:effectRef>
+      <a:fontRef idx="minor"/>
+    </dgm:style>
+  </dgm:styleLbl>
+  <dgm:styleLbl name="bgAcc1">
+    <dgm:scene3d>
+      <a:camera prst="orthographicFront"/>
+      <a:lightRig rig="threePt" dir="t"/>
+    </dgm:scene3d>
+    <dgm:sp3d/>
+    <dgm:txPr/>
+    <dgm:style>
+      <a:lnRef idx="2">
+        <a:scrgbClr r="0" g="0" b="0"/>
+      </a:lnRef>
+      <a:fillRef idx="1">
+        <a:scrgbClr r="0" g="0" b="0"/>
+      </a:fillRef>
+      <a:effectRef idx="0">
+        <a:scrgbClr r="0" g="0" b="0"/>
+      </a:effectRef>
+      <a:fontRef idx="minor"/>
+    </dgm:style>
+  </dgm:styleLbl>
+  <dgm:styleLbl name="solidFgAcc1">
+    <dgm:scene3d>
+      <a:camera prst="orthographicFront"/>
+      <a:lightRig rig="threePt" dir="t"/>
+    </dgm:scene3d>
+    <dgm:sp3d/>
+    <dgm:txPr/>
+    <dgm:style>
+      <a:lnRef idx="2">
+        <a:scrgbClr r="0" g="0" b="0"/>
+      </a:lnRef>
+      <a:fillRef idx="1">
+        <a:scrgbClr r="0" g="0" b="0"/>
+      </a:fillRef>
+      <a:effectRef idx="0">
+        <a:scrgbClr r="0" g="0" b="0"/>
+      </a:effectRef>
+      <a:fontRef idx="minor"/>
+    </dgm:style>
+  </dgm:styleLbl>
+  <dgm:styleLbl name="solidAlignAcc1">
+    <dgm:scene3d>
+      <a:camera prst="orthographicFront"/>
+      <a:lightRig rig="threePt" dir="t"/>
+    </dgm:scene3d>
+    <dgm:sp3d/>
+    <dgm:txPr/>
+    <dgm:style>
+      <a:lnRef idx="2">
+        <a:scrgbClr r="0" g="0" b="0"/>
+      </a:lnRef>
+      <a:fillRef idx="1">
+        <a:scrgbClr r="0" g="0" b="0"/>
+      </a:fillRef>
+      <a:effectRef idx="0">
+        <a:scrgbClr r="0" g="0" b="0"/>
+      </a:effectRef>
+      <a:fontRef idx="minor"/>
+    </dgm:style>
+  </dgm:styleLbl>
+  <dgm:styleLbl name="solidBgAcc1">
+    <dgm:scene3d>
+      <a:camera prst="orthographicFront"/>
+      <a:lightRig rig="threePt" dir="t"/>
+    </dgm:scene3d>
+    <dgm:sp3d/>
+    <dgm:txPr/>
+    <dgm:style>
+      <a:lnRef idx="2">
+        <a:scrgbClr r="0" g="0" b="0"/>
+      </a:lnRef>
+      <a:fillRef idx="1">
+        <a:scrgbClr r="0" g="0" b="0"/>
+      </a:fillRef>
+      <a:effectRef idx="0">
+        <a:scrgbClr r="0" g="0" b="0"/>
+      </a:effectRef>
+      <a:fontRef idx="minor"/>
+    </dgm:style>
+  </dgm:styleLbl>
+  <dgm:styleLbl name="fgAccFollowNode1">
+    <dgm:scene3d>
+      <a:camera prst="orthographicFront"/>
+      <a:lightRig rig="threePt" dir="t"/>
+    </dgm:scene3d>
+    <dgm:sp3d/>
+    <dgm:txPr/>
+    <dgm:style>
+      <a:lnRef idx="2">
+        <a:scrgbClr r="0" g="0" b="0"/>
+      </a:lnRef>
+      <a:fillRef idx="1">
+        <a:scrgbClr r="0" g="0" b="0"/>
+      </a:fillRef>
+      <a:effectRef idx="0">
+        <a:scrgbClr r="0" g="0" b="0"/>
+      </a:effectRef>
+      <a:fontRef idx="minor"/>
+    </dgm:style>
+  </dgm:styleLbl>
+  <dgm:styleLbl name="alignAccFollowNode1">
+    <dgm:scene3d>
+      <a:camera prst="orthographicFront"/>
+      <a:lightRig rig="threePt" dir="t"/>
+    </dgm:scene3d>
+    <dgm:sp3d/>
+    <dgm:txPr/>
+    <dgm:style>
+      <a:lnRef idx="2">
+        <a:scrgbClr r="0" g="0" b="0"/>
+      </a:lnRef>
+      <a:fillRef idx="1">
+        <a:scrgbClr r="0" g="0" b="0"/>
+      </a:fillRef>
+      <a:effectRef idx="0">
+        <a:scrgbClr r="0" g="0" b="0"/>
+      </a:effectRef>
+      <a:fontRef idx="minor"/>
+    </dgm:style>
+  </dgm:styleLbl>
+  <dgm:styleLbl name="bgAccFollowNode1">
+    <dgm:scene3d>
+      <a:camera prst="orthographicFront"/>
+      <a:lightRig rig="threePt" dir="t"/>
+    </dgm:scene3d>
+    <dgm:sp3d/>
+    <dgm:txPr/>
+    <dgm:style>
+      <a:lnRef idx="2">
+        <a:scrgbClr r="0" g="0" b="0"/>
+      </a:lnRef>
+      <a:fillRef idx="1">
+        <a:scrgbClr r="0" g="0" b="0"/>
+      </a:fillRef>
+      <a:effectRef idx="0">
+        <a:scrgbClr r="0" g="0" b="0"/>
+      </a:effectRef>
+      <a:fontRef idx="minor"/>
+    </dgm:style>
+  </dgm:styleLbl>
+  <dgm:styleLbl name="fgAcc0">
+    <dgm:scene3d>
+      <a:camera prst="orthographicFront"/>
+      <a:lightRig rig="threePt" dir="t"/>
+    </dgm:scene3d>
+    <dgm:sp3d/>
+    <dgm:txPr/>
+    <dgm:style>
+      <a:lnRef idx="2">
+        <a:scrgbClr r="0" g="0" b="0"/>
+      </a:lnRef>
+      <a:fillRef idx="1">
+        <a:scrgbClr r="0" g="0" b="0"/>
+      </a:fillRef>
+      <a:effectRef idx="0">
+        <a:scrgbClr r="0" g="0" b="0"/>
+      </a:effectRef>
+      <a:fontRef idx="minor"/>
+    </dgm:style>
+  </dgm:styleLbl>
+  <dgm:styleLbl name="fgAcc2">
+    <dgm:scene3d>
+      <a:camera prst="orthographicFront"/>
+      <a:lightRig rig="threePt" dir="t"/>
+    </dgm:scene3d>
+    <dgm:sp3d/>
+    <dgm:txPr/>
+    <dgm:style>
+      <a:lnRef idx="2">
+        <a:scrgbClr r="0" g="0" b="0"/>
+      </a:lnRef>
+      <a:fillRef idx="1">
+        <a:scrgbClr r="0" g="0" b="0"/>
+      </a:fillRef>
+      <a:effectRef idx="0">
+        <a:scrgbClr r="0" g="0" b="0"/>
+      </a:effectRef>
+      <a:fontRef idx="minor"/>
+    </dgm:style>
+  </dgm:styleLbl>
+  <dgm:styleLbl name="fgAcc3">
+    <dgm:scene3d>
+      <a:camera prst="orthographicFront"/>
+      <a:lightRig rig="threePt" dir="t"/>
+    </dgm:scene3d>
+    <dgm:sp3d/>
+    <dgm:txPr/>
+    <dgm:style>
+      <a:lnRef idx="2">
+        <a:scrgbClr r="0" g="0" b="0"/>
+      </a:lnRef>
+      <a:fillRef idx="1">
+        <a:scrgbClr r="0" g="0" b="0"/>
+      </a:fillRef>
+      <a:effectRef idx="0">
+        <a:scrgbClr r="0" g="0" b="0"/>
+      </a:effectRef>
+      <a:fontRef idx="minor"/>
+    </dgm:style>
+  </dgm:styleLbl>
+  <dgm:styleLbl name="fgAcc4">
+    <dgm:scene3d>
+      <a:camera prst="orthographicFront"/>
+      <a:lightRig rig="threePt" dir="t"/>
+    </dgm:scene3d>
+    <dgm:sp3d/>
+    <dgm:txPr/>
+    <dgm:style>
+      <a:lnRef idx="2">
+        <a:scrgbClr r="0" g="0" b="0"/>
+      </a:lnRef>
+      <a:fillRef idx="1">
+        <a:scrgbClr r="0" g="0" b="0"/>
+      </a:fillRef>
+      <a:effectRef idx="0">
+        <a:scrgbClr r="0" g="0" b="0"/>
+      </a:effectRef>
+      <a:fontRef idx="minor"/>
+    </dgm:style>
+  </dgm:styleLbl>
+  <dgm:styleLbl name="bgShp">
+    <dgm:scene3d>
+      <a:camera prst="orthographicFront"/>
+      <a:lightRig rig="threePt" dir="t"/>
+    </dgm:scene3d>
+    <dgm:sp3d/>
+    <dgm:txPr/>
+    <dgm:style>
+      <a:lnRef idx="0">
+        <a:scrgbClr r="0" g="0" b="0"/>
+      </a:lnRef>
+      <a:fillRef idx="1">
+        <a:scrgbClr r="0" g="0" b="0"/>
+      </a:fillRef>
+      <a:effectRef idx="0">
+        <a:scrgbClr r="0" g="0" b="0"/>
+      </a:effectRef>
+      <a:fontRef idx="minor"/>
+    </dgm:style>
+  </dgm:styleLbl>
+  <dgm:styleLbl name="dkBgShp">
+    <dgm:scene3d>
+      <a:camera prst="orthographicFront"/>
+      <a:lightRig rig="threePt" dir="t"/>
+    </dgm:scene3d>
+    <dgm:sp3d/>
+    <dgm:txPr/>
+    <dgm:style>
+      <a:lnRef idx="0">
+        <a:scrgbClr r="0" g="0" b="0"/>
+      </a:lnRef>
+      <a:fillRef idx="1">
+        <a:scrgbClr r="0" g="0" b="0"/>
+      </a:fillRef>
+      <a:effectRef idx="0">
+        <a:scrgbClr r="0" g="0" b="0"/>
+      </a:effectRef>
+      <a:fontRef idx="minor"/>
+    </dgm:style>
+  </dgm:styleLbl>
+  <dgm:styleLbl name="trBgShp">
+    <dgm:scene3d>
+      <a:camera prst="orthographicFront"/>
+      <a:lightRig rig="threePt" dir="t"/>
+    </dgm:scene3d>
+    <dgm:sp3d/>
+    <dgm:txPr/>
+    <dgm:style>
+      <a:lnRef idx="0">
+        <a:scrgbClr r="0" g="0" b="0"/>
+      </a:lnRef>
+      <a:fillRef idx="1">
+        <a:scrgbClr r="0" g="0" b="0"/>
+      </a:fillRef>
+      <a:effectRef idx="0">
+        <a:scrgbClr r="0" g="0" b="0"/>
+      </a:effectRef>
+      <a:fontRef idx="minor"/>
+    </dgm:style>
+  </dgm:styleLbl>
+  <dgm:styleLbl name="fgShp">
+    <dgm:scene3d>
+      <a:camera prst="orthographicFront"/>
+      <a:lightRig rig="threePt" dir="t"/>
+    </dgm:scene3d>
+    <dgm:sp3d/>
+    <dgm:txPr/>
+    <dgm:style>
+      <a:lnRef idx="2">
+        <a:scrgbClr r="0" g="0" b="0"/>
+      </a:lnRef>
+      <a:fillRef idx="1">
+        <a:scrgbClr r="0" g="0" b="0"/>
+      </a:fillRef>
+      <a:effectRef idx="0">
+        <a:scrgbClr r="0" g="0" b="0"/>
+      </a:effectRef>
+      <a:fontRef idx="minor"/>
+    </dgm:style>
+  </dgm:styleLbl>
+  <dgm:styleLbl name="revTx">
+    <dgm:scene3d>
+      <a:camera prst="orthographicFront"/>
+      <a:lightRig rig="threePt" dir="t"/>
+    </dgm:scene3d>
+    <dgm:sp3d/>
+    <dgm:txPr/>
+    <dgm:style>
+      <a:lnRef idx="0">
+        <a:scrgbClr r="0" g="0" b="0"/>
+      </a:lnRef>
+      <a:fillRef idx="0">
+        <a:scrgbClr r="0" g="0" b="0"/>
+      </a:fillRef>
+      <a:effectRef idx="0">
+        <a:scrgbClr r="0" g="0" b="0"/>
+      </a:effectRef>
+      <a:fontRef idx="minor"/>
+    </dgm:style>
+  </dgm:styleLbl>
+</dgm:styleDef>
 </file>
 
 <file path=ppt/slideLayouts/slideLayout1.xml><?xml version="1.0" encoding="utf-8"?>
@@ -293,7 +5625,7 @@
             <a:fld id="{E509A6BE-C22F-47C1-8C73-058FDC207C54}" type="datetimeFigureOut">
               <a:rPr lang="en-US" smtClean="0"/>
               <a:pPr/>
-              <a:t>2/9/2011</a:t>
+              <a:t>2/11/2011</a:t>
             </a:fld>
             <a:endParaRPr lang="en-US"/>
           </a:p>
@@ -460,7 +5792,7 @@
             <a:fld id="{E509A6BE-C22F-47C1-8C73-058FDC207C54}" type="datetimeFigureOut">
               <a:rPr lang="en-US" smtClean="0"/>
               <a:pPr/>
-              <a:t>2/9/2011</a:t>
+              <a:t>2/11/2011</a:t>
             </a:fld>
             <a:endParaRPr lang="en-US"/>
           </a:p>
@@ -637,7 +5969,7 @@
             <a:fld id="{E509A6BE-C22F-47C1-8C73-058FDC207C54}" type="datetimeFigureOut">
               <a:rPr lang="en-US" smtClean="0"/>
               <a:pPr/>
-              <a:t>2/9/2011</a:t>
+              <a:t>2/11/2011</a:t>
             </a:fld>
             <a:endParaRPr lang="en-US"/>
           </a:p>
@@ -804,7 +6136,7 @@
             <a:fld id="{E509A6BE-C22F-47C1-8C73-058FDC207C54}" type="datetimeFigureOut">
               <a:rPr lang="en-US" smtClean="0"/>
               <a:pPr/>
-              <a:t>2/9/2011</a:t>
+              <a:t>2/11/2011</a:t>
             </a:fld>
             <a:endParaRPr lang="en-US"/>
           </a:p>
@@ -1047,7 +6379,7 @@
             <a:fld id="{E509A6BE-C22F-47C1-8C73-058FDC207C54}" type="datetimeFigureOut">
               <a:rPr lang="en-US" smtClean="0"/>
               <a:pPr/>
-              <a:t>2/9/2011</a:t>
+              <a:t>2/11/2011</a:t>
             </a:fld>
             <a:endParaRPr lang="en-US"/>
           </a:p>
@@ -1332,7 +6664,7 @@
             <a:fld id="{E509A6BE-C22F-47C1-8C73-058FDC207C54}" type="datetimeFigureOut">
               <a:rPr lang="en-US" smtClean="0"/>
               <a:pPr/>
-              <a:t>2/9/2011</a:t>
+              <a:t>2/11/2011</a:t>
             </a:fld>
             <a:endParaRPr lang="en-US"/>
           </a:p>
@@ -1751,7 +7083,7 @@
             <a:fld id="{E509A6BE-C22F-47C1-8C73-058FDC207C54}" type="datetimeFigureOut">
               <a:rPr lang="en-US" smtClean="0"/>
               <a:pPr/>
-              <a:t>2/9/2011</a:t>
+              <a:t>2/11/2011</a:t>
             </a:fld>
             <a:endParaRPr lang="en-US"/>
           </a:p>
@@ -1866,7 +7198,7 @@
             <a:fld id="{E509A6BE-C22F-47C1-8C73-058FDC207C54}" type="datetimeFigureOut">
               <a:rPr lang="en-US" smtClean="0"/>
               <a:pPr/>
-              <a:t>2/9/2011</a:t>
+              <a:t>2/11/2011</a:t>
             </a:fld>
             <a:endParaRPr lang="en-US"/>
           </a:p>
@@ -1958,7 +7290,7 @@
             <a:fld id="{E509A6BE-C22F-47C1-8C73-058FDC207C54}" type="datetimeFigureOut">
               <a:rPr lang="en-US" smtClean="0"/>
               <a:pPr/>
-              <a:t>2/9/2011</a:t>
+              <a:t>2/11/2011</a:t>
             </a:fld>
             <a:endParaRPr lang="en-US"/>
           </a:p>
@@ -2232,7 +7564,7 @@
             <a:fld id="{E509A6BE-C22F-47C1-8C73-058FDC207C54}" type="datetimeFigureOut">
               <a:rPr lang="en-US" smtClean="0"/>
               <a:pPr/>
-              <a:t>2/9/2011</a:t>
+              <a:t>2/11/2011</a:t>
             </a:fld>
             <a:endParaRPr lang="en-US"/>
           </a:p>
@@ -2482,7 +7814,7 @@
             <a:fld id="{E509A6BE-C22F-47C1-8C73-058FDC207C54}" type="datetimeFigureOut">
               <a:rPr lang="en-US" smtClean="0"/>
               <a:pPr/>
-              <a:t>2/9/2011</a:t>
+              <a:t>2/11/2011</a:t>
             </a:fld>
             <a:endParaRPr lang="en-US"/>
           </a:p>
@@ -2692,7 +8024,7 @@
             <a:fld id="{E509A6BE-C22F-47C1-8C73-058FDC207C54}" type="datetimeFigureOut">
               <a:rPr lang="en-US" smtClean="0"/>
               <a:pPr/>
-              <a:t>2/9/2011</a:t>
+              <a:t>2/11/2011</a:t>
             </a:fld>
             <a:endParaRPr lang="en-US"/>
           </a:p>
@@ -3078,6 +8410,441 @@
           <a:bodyPr/>
           <a:lstStyle/>
           <a:p>
+            <a:r>
+              <a:rPr lang="en-US" dirty="0" smtClean="0"/>
+              <a:t>Introduction</a:t>
+            </a:r>
+            <a:endParaRPr lang="en-US" dirty="0"/>
+          </a:p>
+        </p:txBody>
+      </p:sp>
+      <p:sp>
+        <p:nvSpPr>
+          <p:cNvPr id="3" name="Content Placeholder 2"/>
+          <p:cNvSpPr>
+            <a:spLocks noGrp="1"/>
+          </p:cNvSpPr>
+          <p:nvPr>
+            <p:ph idx="1"/>
+          </p:nvPr>
+        </p:nvSpPr>
+        <p:spPr/>
+        <p:txBody>
+          <a:bodyPr/>
+          <a:lstStyle/>
+          <a:p>
+            <a:r>
+              <a:rPr lang="en-US" dirty="0" smtClean="0"/>
+              <a:t>Attack recognition</a:t>
+            </a:r>
+          </a:p>
+          <a:p>
+            <a:r>
+              <a:rPr lang="en-US" dirty="0" smtClean="0"/>
+              <a:t>Vulnerability recognition</a:t>
+            </a:r>
+            <a:endParaRPr lang="en-US" dirty="0"/>
+          </a:p>
+        </p:txBody>
+      </p:sp>
+    </p:spTree>
+  </p:cSld>
+  <p:clrMapOvr>
+    <a:masterClrMapping/>
+  </p:clrMapOvr>
+</p:sld>
+</file>
+
+<file path=ppt/slides/slide2.xml><?xml version="1.0" encoding="utf-8"?>
+<p:sld xmlns:a="http://schemas.openxmlformats.org/drawingml/2006/main" xmlns:r="http://schemas.openxmlformats.org/officeDocument/2006/relationships" xmlns:p="http://schemas.openxmlformats.org/presentationml/2006/main">
+  <p:cSld>
+    <p:spTree>
+      <p:nvGrpSpPr>
+        <p:cNvPr id="1" name=""/>
+        <p:cNvGrpSpPr/>
+        <p:nvPr/>
+      </p:nvGrpSpPr>
+      <p:grpSpPr>
+        <a:xfrm>
+          <a:off x="0" y="0"/>
+          <a:ext cx="0" cy="0"/>
+          <a:chOff x="0" y="0"/>
+          <a:chExt cx="0" cy="0"/>
+        </a:xfrm>
+      </p:grpSpPr>
+      <p:sp>
+        <p:nvSpPr>
+          <p:cNvPr id="2" name="Title 1"/>
+          <p:cNvSpPr>
+            <a:spLocks noGrp="1"/>
+          </p:cNvSpPr>
+          <p:nvPr>
+            <p:ph type="title"/>
+          </p:nvPr>
+        </p:nvSpPr>
+        <p:spPr/>
+        <p:txBody>
+          <a:bodyPr/>
+          <a:lstStyle/>
+          <a:p>
+            <a:r>
+              <a:rPr lang="en-US" dirty="0" smtClean="0"/>
+              <a:t>Attack recognition</a:t>
+            </a:r>
+            <a:endParaRPr lang="en-US" dirty="0"/>
+          </a:p>
+        </p:txBody>
+      </p:sp>
+      <p:graphicFrame>
+        <p:nvGraphicFramePr>
+          <p:cNvPr id="4" name="Content Placeholder 3"/>
+          <p:cNvGraphicFramePr>
+            <a:graphicFrameLocks noGrp="1"/>
+          </p:cNvGraphicFramePr>
+          <p:nvPr>
+            <p:ph idx="1"/>
+          </p:nvPr>
+        </p:nvGraphicFramePr>
+        <p:xfrm>
+          <a:off x="457200" y="1600200"/>
+          <a:ext cx="8229600" cy="4525963"/>
+        </p:xfrm>
+        <a:graphic>
+          <a:graphicData uri="http://schemas.openxmlformats.org/drawingml/2006/diagram">
+            <dgm:relIds xmlns:dgm="http://schemas.openxmlformats.org/drawingml/2006/diagram" xmlns:r="http://schemas.openxmlformats.org/officeDocument/2006/relationships" r:dm="rId2" r:lo="rId3" r:qs="rId4" r:cs="rId5"/>
+          </a:graphicData>
+        </a:graphic>
+      </p:graphicFrame>
+      <p:sp>
+        <p:nvSpPr>
+          <p:cNvPr id="5" name="Right Arrow 4"/>
+          <p:cNvSpPr/>
+          <p:nvPr/>
+        </p:nvSpPr>
+        <p:spPr>
+          <a:xfrm>
+            <a:off x="2667000" y="1828800"/>
+            <a:ext cx="1143000" cy="381000"/>
+          </a:xfrm>
+          <a:prstGeom prst="rightArrow">
+            <a:avLst/>
+          </a:prstGeom>
+        </p:spPr>
+        <p:style>
+          <a:lnRef idx="2">
+            <a:schemeClr val="accent1">
+              <a:shade val="50000"/>
+            </a:schemeClr>
+          </a:lnRef>
+          <a:fillRef idx="1">
+            <a:schemeClr val="accent1"/>
+          </a:fillRef>
+          <a:effectRef idx="0">
+            <a:schemeClr val="accent1"/>
+          </a:effectRef>
+          <a:fontRef idx="minor">
+            <a:schemeClr val="lt1"/>
+          </a:fontRef>
+        </p:style>
+        <p:txBody>
+          <a:bodyPr rtlCol="0" anchor="ctr"/>
+          <a:lstStyle/>
+          <a:p>
+            <a:pPr algn="ctr"/>
+            <a:endParaRPr lang="en-US"/>
+          </a:p>
+        </p:txBody>
+      </p:sp>
+      <p:sp>
+        <p:nvSpPr>
+          <p:cNvPr id="6" name="TextBox 5"/>
+          <p:cNvSpPr txBox="1"/>
+          <p:nvPr/>
+        </p:nvSpPr>
+        <p:spPr>
+          <a:xfrm>
+            <a:off x="990600" y="1752600"/>
+            <a:ext cx="1752600" cy="461665"/>
+          </a:xfrm>
+          <a:prstGeom prst="rect">
+            <a:avLst/>
+          </a:prstGeom>
+          <a:noFill/>
+        </p:spPr>
+        <p:txBody>
+          <a:bodyPr wrap="square" rtlCol="0">
+            <a:spAutoFit/>
+          </a:bodyPr>
+          <a:lstStyle/>
+          <a:p>
+            <a:r>
+              <a:rPr lang="en-US" sz="2400" dirty="0" smtClean="0"/>
+              <a:t>IDS’s Alerts</a:t>
+            </a:r>
+            <a:endParaRPr lang="en-US" sz="2400" dirty="0"/>
+          </a:p>
+        </p:txBody>
+      </p:sp>
+      <p:sp>
+        <p:nvSpPr>
+          <p:cNvPr id="7" name="Right Arrow 6"/>
+          <p:cNvSpPr/>
+          <p:nvPr/>
+        </p:nvSpPr>
+        <p:spPr>
+          <a:xfrm>
+            <a:off x="5334000" y="5486400"/>
+            <a:ext cx="1143000" cy="381000"/>
+          </a:xfrm>
+          <a:prstGeom prst="rightArrow">
+            <a:avLst/>
+          </a:prstGeom>
+        </p:spPr>
+        <p:style>
+          <a:lnRef idx="2">
+            <a:schemeClr val="accent1">
+              <a:shade val="50000"/>
+            </a:schemeClr>
+          </a:lnRef>
+          <a:fillRef idx="1">
+            <a:schemeClr val="accent1"/>
+          </a:fillRef>
+          <a:effectRef idx="0">
+            <a:schemeClr val="accent1"/>
+          </a:effectRef>
+          <a:fontRef idx="minor">
+            <a:schemeClr val="lt1"/>
+          </a:fontRef>
+        </p:style>
+        <p:txBody>
+          <a:bodyPr rtlCol="0" anchor="ctr"/>
+          <a:lstStyle/>
+          <a:p>
+            <a:pPr algn="ctr"/>
+            <a:endParaRPr lang="en-US"/>
+          </a:p>
+        </p:txBody>
+      </p:sp>
+      <p:sp>
+        <p:nvSpPr>
+          <p:cNvPr id="8" name="TextBox 7"/>
+          <p:cNvSpPr txBox="1"/>
+          <p:nvPr/>
+        </p:nvSpPr>
+        <p:spPr>
+          <a:xfrm>
+            <a:off x="6781800" y="5486400"/>
+            <a:ext cx="1752600" cy="461665"/>
+          </a:xfrm>
+          <a:prstGeom prst="rect">
+            <a:avLst/>
+          </a:prstGeom>
+          <a:noFill/>
+        </p:spPr>
+        <p:txBody>
+          <a:bodyPr wrap="square" rtlCol="0">
+            <a:spAutoFit/>
+          </a:bodyPr>
+          <a:lstStyle/>
+          <a:p>
+            <a:r>
+              <a:rPr lang="en-US" sz="2400" dirty="0" smtClean="0"/>
+              <a:t>Attack plan</a:t>
+            </a:r>
+            <a:endParaRPr lang="en-US" sz="2400" dirty="0"/>
+          </a:p>
+        </p:txBody>
+      </p:sp>
+    </p:spTree>
+  </p:cSld>
+  <p:clrMapOvr>
+    <a:masterClrMapping/>
+  </p:clrMapOvr>
+</p:sld>
+</file>
+
+<file path=ppt/slides/slide3.xml><?xml version="1.0" encoding="utf-8"?>
+<p:sld xmlns:a="http://schemas.openxmlformats.org/drawingml/2006/main" xmlns:r="http://schemas.openxmlformats.org/officeDocument/2006/relationships" xmlns:p="http://schemas.openxmlformats.org/presentationml/2006/main">
+  <p:cSld>
+    <p:spTree>
+      <p:nvGrpSpPr>
+        <p:cNvPr id="1" name=""/>
+        <p:cNvGrpSpPr/>
+        <p:nvPr/>
+      </p:nvGrpSpPr>
+      <p:grpSpPr>
+        <a:xfrm>
+          <a:off x="0" y="0"/>
+          <a:ext cx="0" cy="0"/>
+          <a:chOff x="0" y="0"/>
+          <a:chExt cx="0" cy="0"/>
+        </a:xfrm>
+      </p:grpSpPr>
+      <p:sp>
+        <p:nvSpPr>
+          <p:cNvPr id="2" name="Title 1"/>
+          <p:cNvSpPr>
+            <a:spLocks noGrp="1"/>
+          </p:cNvSpPr>
+          <p:nvPr>
+            <p:ph type="title"/>
+          </p:nvPr>
+        </p:nvSpPr>
+        <p:spPr/>
+        <p:txBody>
+          <a:bodyPr/>
+          <a:lstStyle/>
+          <a:p>
+            <a:r>
+              <a:rPr lang="en-US" dirty="0" smtClean="0"/>
+              <a:t>Vulnerability recognition</a:t>
+            </a:r>
+            <a:endParaRPr lang="en-US" dirty="0"/>
+          </a:p>
+        </p:txBody>
+      </p:sp>
+      <p:graphicFrame>
+        <p:nvGraphicFramePr>
+          <p:cNvPr id="4" name="Content Placeholder 3"/>
+          <p:cNvGraphicFramePr>
+            <a:graphicFrameLocks noGrp="1"/>
+          </p:cNvGraphicFramePr>
+          <p:nvPr>
+            <p:ph idx="1"/>
+          </p:nvPr>
+        </p:nvGraphicFramePr>
+        <p:xfrm>
+          <a:off x="2514600" y="1676400"/>
+          <a:ext cx="4419600" cy="4419600"/>
+        </p:xfrm>
+        <a:graphic>
+          <a:graphicData uri="http://schemas.openxmlformats.org/drawingml/2006/diagram">
+            <dgm:relIds xmlns:dgm="http://schemas.openxmlformats.org/drawingml/2006/diagram" xmlns:r="http://schemas.openxmlformats.org/officeDocument/2006/relationships" r:dm="rId2" r:lo="rId3" r:qs="rId4" r:cs="rId5"/>
+          </a:graphicData>
+        </a:graphic>
+      </p:graphicFrame>
+      <p:sp>
+        <p:nvSpPr>
+          <p:cNvPr id="5" name="Right Arrow 4"/>
+          <p:cNvSpPr/>
+          <p:nvPr/>
+        </p:nvSpPr>
+        <p:spPr>
+          <a:xfrm>
+            <a:off x="2590800" y="3733800"/>
+            <a:ext cx="1066800" cy="381000"/>
+          </a:xfrm>
+          <a:prstGeom prst="rightArrow">
+            <a:avLst/>
+          </a:prstGeom>
+        </p:spPr>
+        <p:style>
+          <a:lnRef idx="2">
+            <a:schemeClr val="accent1">
+              <a:shade val="50000"/>
+            </a:schemeClr>
+          </a:lnRef>
+          <a:fillRef idx="1">
+            <a:schemeClr val="accent1"/>
+          </a:fillRef>
+          <a:effectRef idx="0">
+            <a:schemeClr val="accent1"/>
+          </a:effectRef>
+          <a:fontRef idx="minor">
+            <a:schemeClr val="lt1"/>
+          </a:fontRef>
+        </p:style>
+        <p:txBody>
+          <a:bodyPr rtlCol="0" anchor="ctr"/>
+          <a:lstStyle/>
+          <a:p>
+            <a:pPr algn="ctr"/>
+            <a:endParaRPr lang="en-US" dirty="0" smtClean="0"/>
+          </a:p>
+          <a:p>
+            <a:pPr algn="ctr"/>
+            <a:endParaRPr lang="en-US" dirty="0"/>
+          </a:p>
+        </p:txBody>
+      </p:sp>
+      <p:sp>
+        <p:nvSpPr>
+          <p:cNvPr id="6" name="TextBox 5"/>
+          <p:cNvSpPr txBox="1"/>
+          <p:nvPr/>
+        </p:nvSpPr>
+        <p:spPr>
+          <a:xfrm>
+            <a:off x="304800" y="3429000"/>
+            <a:ext cx="2362200" cy="1384995"/>
+          </a:xfrm>
+          <a:prstGeom prst="rect">
+            <a:avLst/>
+          </a:prstGeom>
+          <a:noFill/>
+        </p:spPr>
+        <p:txBody>
+          <a:bodyPr wrap="square" rtlCol="0">
+            <a:spAutoFit/>
+          </a:bodyPr>
+          <a:lstStyle/>
+          <a:p>
+            <a:pPr algn="ctr"/>
+            <a:r>
+              <a:rPr lang="en-US" sz="2800" dirty="0" smtClean="0"/>
+              <a:t>Vulnerabilities Database</a:t>
+            </a:r>
+          </a:p>
+          <a:p>
+            <a:pPr algn="ctr"/>
+            <a:r>
+              <a:rPr lang="en-US" sz="2800" dirty="0" smtClean="0"/>
+              <a:t>(OSVDB)</a:t>
+            </a:r>
+            <a:endParaRPr lang="en-US" sz="2800" dirty="0"/>
+          </a:p>
+        </p:txBody>
+      </p:sp>
+    </p:spTree>
+  </p:cSld>
+  <p:clrMapOvr>
+    <a:masterClrMapping/>
+  </p:clrMapOvr>
+</p:sld>
+</file>
+
+<file path=ppt/slides/slide4.xml><?xml version="1.0" encoding="utf-8"?>
+<p:sld xmlns:a="http://schemas.openxmlformats.org/drawingml/2006/main" xmlns:r="http://schemas.openxmlformats.org/officeDocument/2006/relationships" xmlns:p="http://schemas.openxmlformats.org/presentationml/2006/main">
+  <p:cSld>
+    <p:spTree>
+      <p:nvGrpSpPr>
+        <p:cNvPr id="1" name=""/>
+        <p:cNvGrpSpPr/>
+        <p:nvPr/>
+      </p:nvGrpSpPr>
+      <p:grpSpPr>
+        <a:xfrm>
+          <a:off x="0" y="0"/>
+          <a:ext cx="0" cy="0"/>
+          <a:chOff x="0" y="0"/>
+          <a:chExt cx="0" cy="0"/>
+        </a:xfrm>
+      </p:grpSpPr>
+      <p:sp>
+        <p:nvSpPr>
+          <p:cNvPr id="2" name="Title 1"/>
+          <p:cNvSpPr>
+            <a:spLocks noGrp="1"/>
+          </p:cNvSpPr>
+          <p:nvPr>
+            <p:ph type="title"/>
+          </p:nvPr>
+        </p:nvSpPr>
+        <p:spPr/>
+        <p:txBody>
+          <a:bodyPr/>
+          <a:lstStyle/>
+          <a:p>
             <a:endParaRPr lang="en-US"/>
           </a:p>
         </p:txBody>
@@ -3257,7 +9024,7 @@
 </p:sld>
 </file>
 
-<file path=ppt/slides/slide2.xml><?xml version="1.0" encoding="utf-8"?>
+<file path=ppt/slides/slide5.xml><?xml version="1.0" encoding="utf-8"?>
 <p:sld xmlns:a="http://schemas.openxmlformats.org/drawingml/2006/main" xmlns:r="http://schemas.openxmlformats.org/officeDocument/2006/relationships" xmlns:p="http://schemas.openxmlformats.org/presentationml/2006/main">
   <p:cSld>
     <p:spTree>
@@ -3704,7 +9471,7 @@
 </p:sld>
 </file>
 
-<file path=ppt/slides/slide3.xml><?xml version="1.0" encoding="utf-8"?>
+<file path=ppt/slides/slide6.xml><?xml version="1.0" encoding="utf-8"?>
 <p:sld xmlns:a="http://schemas.openxmlformats.org/drawingml/2006/main" xmlns:r="http://schemas.openxmlformats.org/officeDocument/2006/relationships" xmlns:p="http://schemas.openxmlformats.org/presentationml/2006/main">
   <p:cSld>
     <p:spTree>
@@ -4075,7 +9842,7 @@
 </p:sld>
 </file>
 
-<file path=ppt/slides/slide4.xml><?xml version="1.0" encoding="utf-8"?>
+<file path=ppt/slides/slide7.xml><?xml version="1.0" encoding="utf-8"?>
 <p:sld xmlns:a="http://schemas.openxmlformats.org/drawingml/2006/main" xmlns:r="http://schemas.openxmlformats.org/officeDocument/2006/relationships" xmlns:p="http://schemas.openxmlformats.org/presentationml/2006/main">
   <p:cSld>
     <p:spTree>
@@ -4142,7 +9909,7 @@
 </p:sld>
 </file>
 
-<file path=ppt/slides/slide5.xml><?xml version="1.0" encoding="utf-8"?>
+<file path=ppt/slides/slide8.xml><?xml version="1.0" encoding="utf-8"?>
 <p:sld xmlns:a="http://schemas.openxmlformats.org/drawingml/2006/main" xmlns:r="http://schemas.openxmlformats.org/officeDocument/2006/relationships" xmlns:p="http://schemas.openxmlformats.org/presentationml/2006/main">
   <p:cSld>
     <p:spTree>
